--- a/bccnpm2.pptx
+++ b/bccnpm2.pptx
@@ -123,6 +123,22 @@
       </a:defRPr>
     </a:lvl9pPr>
   </p:defaultTextStyle>
+  <p:extLst>
+    <p:ext uri="{EFAFB233-063F-42B5-8137-9DF3F51BA10A}">
+      <p15:sldGuideLst xmlns:p15="http://schemas.microsoft.com/office/powerpoint/2012/main">
+        <p15:guide id="1" orient="horz" pos="1620">
+          <p15:clr>
+            <a:srgbClr val="A4A3A4"/>
+          </p15:clr>
+        </p15:guide>
+        <p15:guide id="2" pos="2880">
+          <p15:clr>
+            <a:srgbClr val="A4A3A4"/>
+          </p15:clr>
+        </p15:guide>
+      </p15:sldGuideLst>
+    </p:ext>
+  </p:extLst>
 </p:presentation>
 </file>
 
@@ -2494,31 +2510,31 @@
         <a:lstStyle/>
         <a:p>
           <a:r>
-            <a:rPr lang="en-US" sz="1600" dirty="0" err="1" smtClean="0"/>
+            <a:rPr lang="en-US" sz="1600" dirty="0" err="1"/>
             <a:t>Cơ</a:t>
           </a:r>
           <a:r>
-            <a:rPr lang="en-US" sz="1600" dirty="0" smtClean="0"/>
+            <a:rPr lang="en-US" sz="1600" dirty="0"/>
             <a:t> </a:t>
           </a:r>
           <a:r>
-            <a:rPr lang="en-US" sz="1600" dirty="0" err="1" smtClean="0"/>
+            <a:rPr lang="en-US" sz="1600" dirty="0" err="1"/>
             <a:t>cấu</a:t>
           </a:r>
           <a:r>
-            <a:rPr lang="en-US" sz="1600" dirty="0" smtClean="0"/>
+            <a:rPr lang="en-US" sz="1600" dirty="0"/>
             <a:t> </a:t>
           </a:r>
           <a:r>
-            <a:rPr lang="en-US" sz="1600" dirty="0" err="1" smtClean="0"/>
+            <a:rPr lang="en-US" sz="1600" dirty="0" err="1"/>
             <a:t>tổ</a:t>
           </a:r>
           <a:r>
-            <a:rPr lang="en-US" sz="1600" dirty="0" smtClean="0"/>
+            <a:rPr lang="en-US" sz="1600" dirty="0"/>
             <a:t> </a:t>
           </a:r>
           <a:r>
-            <a:rPr lang="en-US" sz="1600" dirty="0" err="1" smtClean="0"/>
+            <a:rPr lang="en-US" sz="1600" dirty="0" err="1"/>
             <a:t>chức</a:t>
           </a:r>
           <a:endParaRPr lang="en-US" sz="1600" dirty="0"/>
@@ -2555,31 +2571,31 @@
         <a:lstStyle/>
         <a:p>
           <a:r>
-            <a:rPr lang="en-US" sz="1600" dirty="0" err="1" smtClean="0"/>
+            <a:rPr lang="en-US" sz="1600" dirty="0" err="1"/>
             <a:t>Bộ</a:t>
           </a:r>
           <a:r>
-            <a:rPr lang="en-US" sz="1600" dirty="0" smtClean="0"/>
+            <a:rPr lang="en-US" sz="1600" dirty="0"/>
             <a:t> </a:t>
           </a:r>
           <a:r>
-            <a:rPr lang="en-US" sz="1600" dirty="0" err="1" smtClean="0"/>
+            <a:rPr lang="en-US" sz="1600" dirty="0" err="1"/>
             <a:t>phận</a:t>
           </a:r>
           <a:r>
-            <a:rPr lang="en-US" sz="1600" dirty="0" smtClean="0"/>
+            <a:rPr lang="en-US" sz="1600" dirty="0"/>
             <a:t> </a:t>
           </a:r>
           <a:r>
-            <a:rPr lang="en-US" sz="1600" dirty="0" err="1" smtClean="0"/>
+            <a:rPr lang="en-US" sz="1600" dirty="0" err="1"/>
             <a:t>quản</a:t>
           </a:r>
           <a:r>
-            <a:rPr lang="en-US" sz="1600" dirty="0" smtClean="0"/>
+            <a:rPr lang="en-US" sz="1600" dirty="0"/>
             <a:t> </a:t>
           </a:r>
           <a:r>
-            <a:rPr lang="en-US" sz="1600" dirty="0" err="1" smtClean="0"/>
+            <a:rPr lang="en-US" sz="1600" dirty="0" err="1"/>
             <a:t>lý</a:t>
           </a:r>
           <a:endParaRPr lang="en-US" sz="1600" dirty="0"/>
@@ -2616,31 +2632,31 @@
         <a:lstStyle/>
         <a:p>
           <a:r>
-            <a:rPr lang="en-US" sz="1600" b="0" dirty="0" err="1" smtClean="0"/>
+            <a:rPr lang="en-US" sz="1600" b="0" dirty="0" err="1"/>
             <a:t>Bộ</a:t>
           </a:r>
           <a:r>
-            <a:rPr lang="en-US" sz="1600" b="0" dirty="0" smtClean="0"/>
+            <a:rPr lang="en-US" sz="1600" b="0" dirty="0"/>
             <a:t> </a:t>
           </a:r>
           <a:r>
-            <a:rPr lang="en-US" sz="1600" b="0" dirty="0" err="1" smtClean="0"/>
+            <a:rPr lang="en-US" sz="1600" b="0" dirty="0" err="1"/>
             <a:t>phận</a:t>
           </a:r>
           <a:r>
-            <a:rPr lang="en-US" sz="1600" b="0" dirty="0" smtClean="0"/>
+            <a:rPr lang="en-US" sz="1600" b="0" dirty="0"/>
             <a:t> </a:t>
           </a:r>
           <a:r>
-            <a:rPr lang="en-US" sz="1600" b="0" dirty="0" err="1" smtClean="0"/>
+            <a:rPr lang="en-US" sz="1600" b="0" dirty="0" err="1"/>
             <a:t>nghiệp</a:t>
           </a:r>
           <a:r>
-            <a:rPr lang="en-US" sz="1600" b="0" dirty="0" smtClean="0"/>
+            <a:rPr lang="en-US" sz="1600" b="0" dirty="0"/>
             <a:t> </a:t>
           </a:r>
           <a:r>
-            <a:rPr lang="en-US" sz="1600" b="0" dirty="0" err="1" smtClean="0"/>
+            <a:rPr lang="en-US" sz="1600" b="0" dirty="0" err="1"/>
             <a:t>vụ</a:t>
           </a:r>
           <a:endParaRPr lang="en-US" sz="1600" b="0" dirty="0"/>
@@ -2677,31 +2693,31 @@
         <a:lstStyle/>
         <a:p>
           <a:r>
-            <a:rPr lang="en-US" sz="1600" dirty="0" err="1" smtClean="0"/>
+            <a:rPr lang="en-US" sz="1600" dirty="0" err="1"/>
             <a:t>Bộ</a:t>
           </a:r>
           <a:r>
-            <a:rPr lang="en-US" sz="1600" dirty="0" smtClean="0"/>
+            <a:rPr lang="en-US" sz="1600" dirty="0"/>
             <a:t> </a:t>
           </a:r>
           <a:r>
-            <a:rPr lang="en-US" sz="1600" dirty="0" err="1" smtClean="0"/>
+            <a:rPr lang="en-US" sz="1600" dirty="0" err="1"/>
             <a:t>phận</a:t>
           </a:r>
           <a:r>
-            <a:rPr lang="en-US" sz="1600" dirty="0" smtClean="0"/>
+            <a:rPr lang="en-US" sz="1600" dirty="0"/>
             <a:t> </a:t>
           </a:r>
           <a:r>
-            <a:rPr lang="en-US" sz="1600" dirty="0" err="1" smtClean="0"/>
+            <a:rPr lang="en-US" sz="1600" dirty="0" err="1"/>
             <a:t>thu</a:t>
           </a:r>
           <a:r>
-            <a:rPr lang="en-US" sz="1600" dirty="0" smtClean="0"/>
+            <a:rPr lang="en-US" sz="1600" dirty="0"/>
             <a:t> </a:t>
           </a:r>
           <a:r>
-            <a:rPr lang="en-US" sz="1600" dirty="0" err="1" smtClean="0"/>
+            <a:rPr lang="en-US" sz="1600" dirty="0" err="1"/>
             <a:t>ngân</a:t>
           </a:r>
           <a:endParaRPr lang="en-US" sz="1600" b="0" dirty="0"/>
@@ -2738,31 +2754,31 @@
         <a:lstStyle/>
         <a:p>
           <a:r>
-            <a:rPr lang="en-US" sz="1600" dirty="0" err="1" smtClean="0"/>
+            <a:rPr lang="en-US" sz="1600" dirty="0" err="1"/>
             <a:t>Bộ</a:t>
           </a:r>
           <a:r>
-            <a:rPr lang="en-US" sz="1600" dirty="0" smtClean="0"/>
+            <a:rPr lang="en-US" sz="1600" dirty="0"/>
             <a:t> </a:t>
           </a:r>
           <a:r>
-            <a:rPr lang="en-US" sz="1600" dirty="0" err="1" smtClean="0"/>
+            <a:rPr lang="en-US" sz="1600" dirty="0" err="1"/>
             <a:t>phận</a:t>
           </a:r>
           <a:r>
-            <a:rPr lang="en-US" sz="1600" dirty="0" smtClean="0"/>
+            <a:rPr lang="en-US" sz="1600" dirty="0"/>
             <a:t> </a:t>
           </a:r>
           <a:r>
-            <a:rPr lang="en-US" sz="1600" dirty="0" err="1" smtClean="0"/>
+            <a:rPr lang="en-US" sz="1600" dirty="0" err="1"/>
             <a:t>phục</a:t>
           </a:r>
           <a:r>
-            <a:rPr lang="en-US" sz="1600" dirty="0" smtClean="0"/>
+            <a:rPr lang="en-US" sz="1600" dirty="0"/>
             <a:t> </a:t>
           </a:r>
           <a:r>
-            <a:rPr lang="en-US" sz="1600" dirty="0" err="1" smtClean="0"/>
+            <a:rPr lang="en-US" sz="1600" dirty="0" err="1"/>
             <a:t>vụ</a:t>
           </a:r>
           <a:endParaRPr lang="en-US" sz="1600" b="0" dirty="0"/>
@@ -2799,39 +2815,39 @@
         <a:lstStyle/>
         <a:p>
           <a:r>
-            <a:rPr lang="en-US" sz="1600" dirty="0" err="1" smtClean="0"/>
+            <a:rPr lang="en-US" sz="1600" dirty="0" err="1"/>
             <a:t>Bộ</a:t>
           </a:r>
           <a:r>
-            <a:rPr lang="en-US" sz="1600" dirty="0" smtClean="0"/>
+            <a:rPr lang="en-US" sz="1600" dirty="0"/>
             <a:t> </a:t>
           </a:r>
           <a:r>
-            <a:rPr lang="en-US" sz="1600" dirty="0" err="1" smtClean="0"/>
+            <a:rPr lang="en-US" sz="1600" dirty="0" err="1"/>
             <a:t>phận</a:t>
           </a:r>
           <a:r>
-            <a:rPr lang="en-US" sz="1600" dirty="0" smtClean="0"/>
+            <a:rPr lang="en-US" sz="1600" dirty="0"/>
             <a:t> </a:t>
           </a:r>
           <a:r>
-            <a:rPr lang="en-US" sz="1600" dirty="0" err="1" smtClean="0"/>
+            <a:rPr lang="en-US" sz="1600" dirty="0" err="1"/>
             <a:t>pha</a:t>
           </a:r>
           <a:r>
-            <a:rPr lang="en-US" sz="1600" dirty="0" smtClean="0"/>
+            <a:rPr lang="en-US" sz="1600" dirty="0"/>
             <a:t> </a:t>
           </a:r>
           <a:r>
-            <a:rPr lang="en-US" sz="1600" dirty="0" err="1" smtClean="0"/>
+            <a:rPr lang="en-US" sz="1600" dirty="0" err="1"/>
             <a:t>chế</a:t>
           </a:r>
           <a:r>
-            <a:rPr lang="en-US" sz="1600" dirty="0" smtClean="0"/>
+            <a:rPr lang="en-US" sz="1600" dirty="0"/>
             <a:t> </a:t>
           </a:r>
           <a:r>
-            <a:rPr lang="en-US" sz="1600" dirty="0" err="1" smtClean="0"/>
+            <a:rPr lang="en-US" sz="1600" dirty="0" err="1"/>
             <a:t>bếp</a:t>
           </a:r>
           <a:endParaRPr lang="en-US" sz="1600" b="0" dirty="0"/>
@@ -2868,7 +2884,7 @@
         <a:lstStyle/>
         <a:p>
           <a:r>
-            <a:rPr lang="vi-VN" sz="1600" dirty="0" smtClean="0">
+            <a:rPr lang="vi-VN" sz="1600" dirty="0">
               <a:latin typeface="Calibri" pitchFamily="34" charset="0"/>
               <a:cs typeface="Calibri" pitchFamily="34" charset="0"/>
             </a:rPr>
@@ -2911,31 +2927,31 @@
         <a:lstStyle/>
         <a:p>
           <a:r>
-            <a:rPr lang="en-US" sz="1600" dirty="0" err="1" smtClean="0"/>
+            <a:rPr lang="en-US" sz="1600" dirty="0" err="1"/>
             <a:t>Bộ</a:t>
           </a:r>
           <a:r>
-            <a:rPr lang="en-US" sz="1600" dirty="0" smtClean="0"/>
+            <a:rPr lang="en-US" sz="1600" dirty="0"/>
             <a:t> </a:t>
           </a:r>
           <a:r>
-            <a:rPr lang="en-US" sz="1600" dirty="0" err="1" smtClean="0"/>
+            <a:rPr lang="en-US" sz="1600" dirty="0" err="1"/>
             <a:t>phận</a:t>
           </a:r>
           <a:r>
-            <a:rPr lang="en-US" sz="1600" dirty="0" smtClean="0"/>
+            <a:rPr lang="en-US" sz="1600" dirty="0"/>
             <a:t> </a:t>
           </a:r>
           <a:r>
-            <a:rPr lang="en-US" sz="1600" dirty="0" err="1" smtClean="0"/>
+            <a:rPr lang="en-US" sz="1600" dirty="0" err="1"/>
             <a:t>tạp</a:t>
           </a:r>
           <a:r>
-            <a:rPr lang="en-US" sz="1600" dirty="0" smtClean="0"/>
+            <a:rPr lang="en-US" sz="1600" dirty="0"/>
             <a:t> </a:t>
           </a:r>
           <a:r>
-            <a:rPr lang="en-US" sz="1600" dirty="0" err="1" smtClean="0"/>
+            <a:rPr lang="en-US" sz="1600" dirty="0" err="1"/>
             <a:t>vụ</a:t>
           </a:r>
           <a:endParaRPr lang="en-US" sz="1600" b="0" dirty="0"/>
@@ -2975,46 +2991,18 @@
         </dgm:presLayoutVars>
       </dgm:prSet>
       <dgm:spPr/>
-      <dgm:t>
-        <a:bodyPr/>
-        <a:lstStyle/>
-        <a:p>
-          <a:endParaRPr lang="en-US"/>
-        </a:p>
-      </dgm:t>
     </dgm:pt>
     <dgm:pt modelId="{E717CFFF-2EBE-43E6-9612-CD7CAB48D8E6}" type="pres">
       <dgm:prSet presAssocID="{1D32DFE3-9A16-4A0F-85D1-34A794D7A500}" presName="hierRoot1" presStyleCnt="0"/>
       <dgm:spPr/>
-      <dgm:t>
-        <a:bodyPr/>
-        <a:lstStyle/>
-        <a:p>
-          <a:endParaRPr lang="en-US"/>
-        </a:p>
-      </dgm:t>
     </dgm:pt>
     <dgm:pt modelId="{D00248EB-71C7-41C7-B83C-B5B84038F1D1}" type="pres">
       <dgm:prSet presAssocID="{1D32DFE3-9A16-4A0F-85D1-34A794D7A500}" presName="composite" presStyleCnt="0"/>
       <dgm:spPr/>
-      <dgm:t>
-        <a:bodyPr/>
-        <a:lstStyle/>
-        <a:p>
-          <a:endParaRPr lang="en-US"/>
-        </a:p>
-      </dgm:t>
     </dgm:pt>
     <dgm:pt modelId="{F4234D91-5143-4B63-BED7-3C1D70518372}" type="pres">
       <dgm:prSet presAssocID="{1D32DFE3-9A16-4A0F-85D1-34A794D7A500}" presName="background" presStyleLbl="node0" presStyleIdx="0" presStyleCnt="1"/>
       <dgm:spPr/>
-      <dgm:t>
-        <a:bodyPr/>
-        <a:lstStyle/>
-        <a:p>
-          <a:endParaRPr lang="en-US"/>
-        </a:p>
-      </dgm:t>
     </dgm:pt>
     <dgm:pt modelId="{8F0CCF51-3EB9-4C9D-98C6-B1F49B7EFCB6}" type="pres">
       <dgm:prSet presAssocID="{1D32DFE3-9A16-4A0F-85D1-34A794D7A500}" presName="text" presStyleLbl="fgAcc0" presStyleIdx="0" presStyleCnt="1" custLinFactNeighborX="3599" custLinFactNeighborY="-7453">
@@ -3023,68 +3011,26 @@
         </dgm:presLayoutVars>
       </dgm:prSet>
       <dgm:spPr/>
-      <dgm:t>
-        <a:bodyPr/>
-        <a:lstStyle/>
-        <a:p>
-          <a:endParaRPr lang="en-US"/>
-        </a:p>
-      </dgm:t>
     </dgm:pt>
     <dgm:pt modelId="{04CFBF51-E7CF-4155-A2F9-E99258C3954C}" type="pres">
       <dgm:prSet presAssocID="{1D32DFE3-9A16-4A0F-85D1-34A794D7A500}" presName="hierChild2" presStyleCnt="0"/>
       <dgm:spPr/>
-      <dgm:t>
-        <a:bodyPr/>
-        <a:lstStyle/>
-        <a:p>
-          <a:endParaRPr lang="en-US"/>
-        </a:p>
-      </dgm:t>
     </dgm:pt>
     <dgm:pt modelId="{F89F6CE0-1ECE-4CE3-9B65-B4E7F9708D82}" type="pres">
       <dgm:prSet presAssocID="{7329B386-B35F-4CFB-906C-61C1599AD121}" presName="Name10" presStyleLbl="parChTrans1D2" presStyleIdx="0" presStyleCnt="2"/>
       <dgm:spPr/>
-      <dgm:t>
-        <a:bodyPr/>
-        <a:lstStyle/>
-        <a:p>
-          <a:endParaRPr lang="en-US"/>
-        </a:p>
-      </dgm:t>
     </dgm:pt>
     <dgm:pt modelId="{47327BE9-19D3-4468-8435-7A2D9307470C}" type="pres">
       <dgm:prSet presAssocID="{95796C9F-B4F8-4672-9989-922379664523}" presName="hierRoot2" presStyleCnt="0"/>
       <dgm:spPr/>
-      <dgm:t>
-        <a:bodyPr/>
-        <a:lstStyle/>
-        <a:p>
-          <a:endParaRPr lang="en-US"/>
-        </a:p>
-      </dgm:t>
     </dgm:pt>
     <dgm:pt modelId="{B67D661D-4D77-429E-B9EE-8C64642564B3}" type="pres">
       <dgm:prSet presAssocID="{95796C9F-B4F8-4672-9989-922379664523}" presName="composite2" presStyleCnt="0"/>
       <dgm:spPr/>
-      <dgm:t>
-        <a:bodyPr/>
-        <a:lstStyle/>
-        <a:p>
-          <a:endParaRPr lang="en-US"/>
-        </a:p>
-      </dgm:t>
     </dgm:pt>
     <dgm:pt modelId="{3929E3B3-1501-4CAA-ACC3-9315D46F9B7A}" type="pres">
       <dgm:prSet presAssocID="{95796C9F-B4F8-4672-9989-922379664523}" presName="background2" presStyleLbl="node2" presStyleIdx="0" presStyleCnt="2"/>
       <dgm:spPr/>
-      <dgm:t>
-        <a:bodyPr/>
-        <a:lstStyle/>
-        <a:p>
-          <a:endParaRPr lang="en-US"/>
-        </a:p>
-      </dgm:t>
     </dgm:pt>
     <dgm:pt modelId="{79B06C8B-73E5-4EC3-826F-2FD31046C912}" type="pres">
       <dgm:prSet presAssocID="{95796C9F-B4F8-4672-9989-922379664523}" presName="text2" presStyleLbl="fgAcc2" presStyleIdx="0" presStyleCnt="2">
@@ -3093,68 +3039,26 @@
         </dgm:presLayoutVars>
       </dgm:prSet>
       <dgm:spPr/>
-      <dgm:t>
-        <a:bodyPr/>
-        <a:lstStyle/>
-        <a:p>
-          <a:endParaRPr lang="en-US"/>
-        </a:p>
-      </dgm:t>
     </dgm:pt>
     <dgm:pt modelId="{7FECC80A-9C2F-4121-961D-549A02C0C804}" type="pres">
       <dgm:prSet presAssocID="{95796C9F-B4F8-4672-9989-922379664523}" presName="hierChild3" presStyleCnt="0"/>
       <dgm:spPr/>
-      <dgm:t>
-        <a:bodyPr/>
-        <a:lstStyle/>
-        <a:p>
-          <a:endParaRPr lang="en-US"/>
-        </a:p>
-      </dgm:t>
     </dgm:pt>
     <dgm:pt modelId="{96769A0B-EE7E-46FC-9E96-7ECD5333085B}" type="pres">
       <dgm:prSet presAssocID="{57DD8661-501E-4AF4-BB47-9F9067AA275C}" presName="Name10" presStyleLbl="parChTrans1D2" presStyleIdx="1" presStyleCnt="2"/>
       <dgm:spPr/>
-      <dgm:t>
-        <a:bodyPr/>
-        <a:lstStyle/>
-        <a:p>
-          <a:endParaRPr lang="en-US"/>
-        </a:p>
-      </dgm:t>
     </dgm:pt>
     <dgm:pt modelId="{170AB8BB-F04B-468C-A8BF-A7312C73701C}" type="pres">
       <dgm:prSet presAssocID="{00737D0B-5E6B-4F45-9898-38209F00DF4E}" presName="hierRoot2" presStyleCnt="0"/>
       <dgm:spPr/>
-      <dgm:t>
-        <a:bodyPr/>
-        <a:lstStyle/>
-        <a:p>
-          <a:endParaRPr lang="en-US"/>
-        </a:p>
-      </dgm:t>
     </dgm:pt>
     <dgm:pt modelId="{A357ED65-30A7-49C6-97A9-F977BAABA69E}" type="pres">
       <dgm:prSet presAssocID="{00737D0B-5E6B-4F45-9898-38209F00DF4E}" presName="composite2" presStyleCnt="0"/>
       <dgm:spPr/>
-      <dgm:t>
-        <a:bodyPr/>
-        <a:lstStyle/>
-        <a:p>
-          <a:endParaRPr lang="en-US"/>
-        </a:p>
-      </dgm:t>
     </dgm:pt>
     <dgm:pt modelId="{D0925D27-1490-460D-A7D2-AE69DF1D0FA9}" type="pres">
       <dgm:prSet presAssocID="{00737D0B-5E6B-4F45-9898-38209F00DF4E}" presName="background2" presStyleLbl="node2" presStyleIdx="1" presStyleCnt="2"/>
       <dgm:spPr/>
-      <dgm:t>
-        <a:bodyPr/>
-        <a:lstStyle/>
-        <a:p>
-          <a:endParaRPr lang="en-US"/>
-        </a:p>
-      </dgm:t>
     </dgm:pt>
     <dgm:pt modelId="{7FD02768-2C65-47D4-ACCE-F438DC71BA50}" type="pres">
       <dgm:prSet presAssocID="{00737D0B-5E6B-4F45-9898-38209F00DF4E}" presName="text2" presStyleLbl="fgAcc2" presStyleIdx="1" presStyleCnt="2">
@@ -3163,68 +3067,26 @@
         </dgm:presLayoutVars>
       </dgm:prSet>
       <dgm:spPr/>
-      <dgm:t>
-        <a:bodyPr/>
-        <a:lstStyle/>
-        <a:p>
-          <a:endParaRPr lang="en-US"/>
-        </a:p>
-      </dgm:t>
     </dgm:pt>
     <dgm:pt modelId="{130A42D1-0CEF-441F-B699-2E4190F54B9C}" type="pres">
       <dgm:prSet presAssocID="{00737D0B-5E6B-4F45-9898-38209F00DF4E}" presName="hierChild3" presStyleCnt="0"/>
       <dgm:spPr/>
-      <dgm:t>
-        <a:bodyPr/>
-        <a:lstStyle/>
-        <a:p>
-          <a:endParaRPr lang="en-US"/>
-        </a:p>
-      </dgm:t>
     </dgm:pt>
     <dgm:pt modelId="{5EE0B7C9-250F-4DF4-9C76-5054339A9A68}" type="pres">
       <dgm:prSet presAssocID="{1B7F4B63-74FA-4101-AEC3-AEA87AEB8991}" presName="Name17" presStyleLbl="parChTrans1D3" presStyleIdx="0" presStyleCnt="5"/>
       <dgm:spPr/>
-      <dgm:t>
-        <a:bodyPr/>
-        <a:lstStyle/>
-        <a:p>
-          <a:endParaRPr lang="en-US"/>
-        </a:p>
-      </dgm:t>
     </dgm:pt>
     <dgm:pt modelId="{0E9AB160-6826-46AC-992D-9EBB41F08661}" type="pres">
       <dgm:prSet presAssocID="{1719B7AB-FB45-4244-83ED-89A4C4E485C0}" presName="hierRoot3" presStyleCnt="0"/>
       <dgm:spPr/>
-      <dgm:t>
-        <a:bodyPr/>
-        <a:lstStyle/>
-        <a:p>
-          <a:endParaRPr lang="en-US"/>
-        </a:p>
-      </dgm:t>
     </dgm:pt>
     <dgm:pt modelId="{10403477-9460-44D1-9464-84EF00DC59FC}" type="pres">
       <dgm:prSet presAssocID="{1719B7AB-FB45-4244-83ED-89A4C4E485C0}" presName="composite3" presStyleCnt="0"/>
       <dgm:spPr/>
-      <dgm:t>
-        <a:bodyPr/>
-        <a:lstStyle/>
-        <a:p>
-          <a:endParaRPr lang="en-US"/>
-        </a:p>
-      </dgm:t>
     </dgm:pt>
     <dgm:pt modelId="{B9AD8DB2-958E-488D-AC93-7743049C9A7F}" type="pres">
       <dgm:prSet presAssocID="{1719B7AB-FB45-4244-83ED-89A4C4E485C0}" presName="background3" presStyleLbl="node3" presStyleIdx="0" presStyleCnt="5"/>
       <dgm:spPr/>
-      <dgm:t>
-        <a:bodyPr/>
-        <a:lstStyle/>
-        <a:p>
-          <a:endParaRPr lang="en-US"/>
-        </a:p>
-      </dgm:t>
     </dgm:pt>
     <dgm:pt modelId="{B4242F71-E919-4987-AB01-03070C025E2C}" type="pres">
       <dgm:prSet presAssocID="{1719B7AB-FB45-4244-83ED-89A4C4E485C0}" presName="text3" presStyleLbl="fgAcc3" presStyleIdx="0" presStyleCnt="5">
@@ -3233,68 +3095,26 @@
         </dgm:presLayoutVars>
       </dgm:prSet>
       <dgm:spPr/>
-      <dgm:t>
-        <a:bodyPr/>
-        <a:lstStyle/>
-        <a:p>
-          <a:endParaRPr lang="en-US"/>
-        </a:p>
-      </dgm:t>
     </dgm:pt>
     <dgm:pt modelId="{07A8AB25-36DA-4359-8E58-7BE6CE916120}" type="pres">
       <dgm:prSet presAssocID="{1719B7AB-FB45-4244-83ED-89A4C4E485C0}" presName="hierChild4" presStyleCnt="0"/>
       <dgm:spPr/>
-      <dgm:t>
-        <a:bodyPr/>
-        <a:lstStyle/>
-        <a:p>
-          <a:endParaRPr lang="en-US"/>
-        </a:p>
-      </dgm:t>
     </dgm:pt>
     <dgm:pt modelId="{4B37ACDE-F13A-4804-84C6-6D5CDC08CE43}" type="pres">
       <dgm:prSet presAssocID="{713201F2-AD4D-4BD9-9658-5F6C68C88887}" presName="Name17" presStyleLbl="parChTrans1D3" presStyleIdx="1" presStyleCnt="5"/>
       <dgm:spPr/>
-      <dgm:t>
-        <a:bodyPr/>
-        <a:lstStyle/>
-        <a:p>
-          <a:endParaRPr lang="en-US"/>
-        </a:p>
-      </dgm:t>
     </dgm:pt>
     <dgm:pt modelId="{0A1BB359-9FE3-41CF-A905-004A3E6E9F30}" type="pres">
       <dgm:prSet presAssocID="{5E09DA6C-F056-41AE-B88D-7705FA04A593}" presName="hierRoot3" presStyleCnt="0"/>
       <dgm:spPr/>
-      <dgm:t>
-        <a:bodyPr/>
-        <a:lstStyle/>
-        <a:p>
-          <a:endParaRPr lang="en-US"/>
-        </a:p>
-      </dgm:t>
     </dgm:pt>
     <dgm:pt modelId="{A17D71D3-98BB-491A-A1E6-42D68BEC87F1}" type="pres">
       <dgm:prSet presAssocID="{5E09DA6C-F056-41AE-B88D-7705FA04A593}" presName="composite3" presStyleCnt="0"/>
       <dgm:spPr/>
-      <dgm:t>
-        <a:bodyPr/>
-        <a:lstStyle/>
-        <a:p>
-          <a:endParaRPr lang="en-US"/>
-        </a:p>
-      </dgm:t>
     </dgm:pt>
     <dgm:pt modelId="{998C3E30-6F73-4B1D-AF4D-E41A3F4687AF}" type="pres">
       <dgm:prSet presAssocID="{5E09DA6C-F056-41AE-B88D-7705FA04A593}" presName="background3" presStyleLbl="node3" presStyleIdx="1" presStyleCnt="5"/>
       <dgm:spPr/>
-      <dgm:t>
-        <a:bodyPr/>
-        <a:lstStyle/>
-        <a:p>
-          <a:endParaRPr lang="en-US"/>
-        </a:p>
-      </dgm:t>
     </dgm:pt>
     <dgm:pt modelId="{7AED5F97-B4F8-444D-8534-EB45BC10D98C}" type="pres">
       <dgm:prSet presAssocID="{5E09DA6C-F056-41AE-B88D-7705FA04A593}" presName="text3" presStyleLbl="fgAcc3" presStyleIdx="1" presStyleCnt="5">
@@ -3303,68 +3123,26 @@
         </dgm:presLayoutVars>
       </dgm:prSet>
       <dgm:spPr/>
-      <dgm:t>
-        <a:bodyPr/>
-        <a:lstStyle/>
-        <a:p>
-          <a:endParaRPr lang="en-US"/>
-        </a:p>
-      </dgm:t>
     </dgm:pt>
     <dgm:pt modelId="{782BF2C6-784B-4714-9E89-D5FE4ADAA802}" type="pres">
       <dgm:prSet presAssocID="{5E09DA6C-F056-41AE-B88D-7705FA04A593}" presName="hierChild4" presStyleCnt="0"/>
       <dgm:spPr/>
-      <dgm:t>
-        <a:bodyPr/>
-        <a:lstStyle/>
-        <a:p>
-          <a:endParaRPr lang="en-US"/>
-        </a:p>
-      </dgm:t>
     </dgm:pt>
     <dgm:pt modelId="{09AA0362-79FE-4101-999A-113370CAE729}" type="pres">
       <dgm:prSet presAssocID="{DD3B0936-C10F-4987-8BA4-0CF4B2533118}" presName="Name17" presStyleLbl="parChTrans1D3" presStyleIdx="2" presStyleCnt="5"/>
       <dgm:spPr/>
-      <dgm:t>
-        <a:bodyPr/>
-        <a:lstStyle/>
-        <a:p>
-          <a:endParaRPr lang="en-US"/>
-        </a:p>
-      </dgm:t>
     </dgm:pt>
     <dgm:pt modelId="{2EC2F640-FB06-4727-AE6B-DFC8BB39C7CB}" type="pres">
       <dgm:prSet presAssocID="{23E8CC71-4892-4CC5-9EF5-ED4A40E6D11A}" presName="hierRoot3" presStyleCnt="0"/>
       <dgm:spPr/>
-      <dgm:t>
-        <a:bodyPr/>
-        <a:lstStyle/>
-        <a:p>
-          <a:endParaRPr lang="en-US"/>
-        </a:p>
-      </dgm:t>
     </dgm:pt>
     <dgm:pt modelId="{4BA70988-B661-4C5D-82EF-59BB4FEFE1F1}" type="pres">
       <dgm:prSet presAssocID="{23E8CC71-4892-4CC5-9EF5-ED4A40E6D11A}" presName="composite3" presStyleCnt="0"/>
       <dgm:spPr/>
-      <dgm:t>
-        <a:bodyPr/>
-        <a:lstStyle/>
-        <a:p>
-          <a:endParaRPr lang="en-US"/>
-        </a:p>
-      </dgm:t>
     </dgm:pt>
     <dgm:pt modelId="{8D021DCB-F246-4FFB-BEF0-0907E4F2A153}" type="pres">
       <dgm:prSet presAssocID="{23E8CC71-4892-4CC5-9EF5-ED4A40E6D11A}" presName="background3" presStyleLbl="node3" presStyleIdx="2" presStyleCnt="5"/>
       <dgm:spPr/>
-      <dgm:t>
-        <a:bodyPr/>
-        <a:lstStyle/>
-        <a:p>
-          <a:endParaRPr lang="en-US"/>
-        </a:p>
-      </dgm:t>
     </dgm:pt>
     <dgm:pt modelId="{AA339BD4-580C-4F49-8C53-0088F278E9AF}" type="pres">
       <dgm:prSet presAssocID="{23E8CC71-4892-4CC5-9EF5-ED4A40E6D11A}" presName="text3" presStyleLbl="fgAcc3" presStyleIdx="2" presStyleCnt="5">
@@ -3373,68 +3151,26 @@
         </dgm:presLayoutVars>
       </dgm:prSet>
       <dgm:spPr/>
-      <dgm:t>
-        <a:bodyPr/>
-        <a:lstStyle/>
-        <a:p>
-          <a:endParaRPr lang="en-US"/>
-        </a:p>
-      </dgm:t>
     </dgm:pt>
     <dgm:pt modelId="{D009A0AD-7886-4206-97E7-52D219348AB6}" type="pres">
       <dgm:prSet presAssocID="{23E8CC71-4892-4CC5-9EF5-ED4A40E6D11A}" presName="hierChild4" presStyleCnt="0"/>
       <dgm:spPr/>
-      <dgm:t>
-        <a:bodyPr/>
-        <a:lstStyle/>
-        <a:p>
-          <a:endParaRPr lang="en-US"/>
-        </a:p>
-      </dgm:t>
     </dgm:pt>
     <dgm:pt modelId="{947C25EC-5A4C-4DC2-9A72-EE19FB63D411}" type="pres">
       <dgm:prSet presAssocID="{E5A7026C-E0E5-4FA1-8BE7-F17940E92153}" presName="Name17" presStyleLbl="parChTrans1D3" presStyleIdx="3" presStyleCnt="5"/>
       <dgm:spPr/>
-      <dgm:t>
-        <a:bodyPr/>
-        <a:lstStyle/>
-        <a:p>
-          <a:endParaRPr lang="en-US"/>
-        </a:p>
-      </dgm:t>
     </dgm:pt>
     <dgm:pt modelId="{35486A9A-823E-44B5-B6AC-00EACCF25ACF}" type="pres">
       <dgm:prSet presAssocID="{1ED487F3-1BF5-4101-8C3A-850803A6CC64}" presName="hierRoot3" presStyleCnt="0"/>
       <dgm:spPr/>
-      <dgm:t>
-        <a:bodyPr/>
-        <a:lstStyle/>
-        <a:p>
-          <a:endParaRPr lang="en-US"/>
-        </a:p>
-      </dgm:t>
     </dgm:pt>
     <dgm:pt modelId="{42AC271A-BDA7-4544-846A-82D571D9C34A}" type="pres">
       <dgm:prSet presAssocID="{1ED487F3-1BF5-4101-8C3A-850803A6CC64}" presName="composite3" presStyleCnt="0"/>
       <dgm:spPr/>
-      <dgm:t>
-        <a:bodyPr/>
-        <a:lstStyle/>
-        <a:p>
-          <a:endParaRPr lang="en-US"/>
-        </a:p>
-      </dgm:t>
     </dgm:pt>
     <dgm:pt modelId="{77DA05E7-A11C-419E-9C48-8AEE478D838C}" type="pres">
       <dgm:prSet presAssocID="{1ED487F3-1BF5-4101-8C3A-850803A6CC64}" presName="background3" presStyleLbl="node3" presStyleIdx="3" presStyleCnt="5"/>
       <dgm:spPr/>
-      <dgm:t>
-        <a:bodyPr/>
-        <a:lstStyle/>
-        <a:p>
-          <a:endParaRPr lang="en-US"/>
-        </a:p>
-      </dgm:t>
     </dgm:pt>
     <dgm:pt modelId="{5DB09422-5B0B-441A-8059-6F05B670EB4A}" type="pres">
       <dgm:prSet presAssocID="{1ED487F3-1BF5-4101-8C3A-850803A6CC64}" presName="text3" presStyleLbl="fgAcc3" presStyleIdx="3" presStyleCnt="5">
@@ -3443,68 +3179,26 @@
         </dgm:presLayoutVars>
       </dgm:prSet>
       <dgm:spPr/>
-      <dgm:t>
-        <a:bodyPr/>
-        <a:lstStyle/>
-        <a:p>
-          <a:endParaRPr lang="en-US"/>
-        </a:p>
-      </dgm:t>
     </dgm:pt>
     <dgm:pt modelId="{1D15EEAA-705C-485F-B1EC-5B412A697467}" type="pres">
       <dgm:prSet presAssocID="{1ED487F3-1BF5-4101-8C3A-850803A6CC64}" presName="hierChild4" presStyleCnt="0"/>
       <dgm:spPr/>
-      <dgm:t>
-        <a:bodyPr/>
-        <a:lstStyle/>
-        <a:p>
-          <a:endParaRPr lang="en-US"/>
-        </a:p>
-      </dgm:t>
     </dgm:pt>
     <dgm:pt modelId="{6B19997B-5D88-4871-818C-4FA4F0E4CC6E}" type="pres">
       <dgm:prSet presAssocID="{C25DE688-AD36-4DBD-8833-FF287120B912}" presName="Name17" presStyleLbl="parChTrans1D3" presStyleIdx="4" presStyleCnt="5"/>
       <dgm:spPr/>
-      <dgm:t>
-        <a:bodyPr/>
-        <a:lstStyle/>
-        <a:p>
-          <a:endParaRPr lang="en-US"/>
-        </a:p>
-      </dgm:t>
     </dgm:pt>
     <dgm:pt modelId="{49424C2F-39B5-478B-A2F1-79151D35F429}" type="pres">
       <dgm:prSet presAssocID="{44371AE1-CC91-4B6B-8118-5A4F9921A92E}" presName="hierRoot3" presStyleCnt="0"/>
       <dgm:spPr/>
-      <dgm:t>
-        <a:bodyPr/>
-        <a:lstStyle/>
-        <a:p>
-          <a:endParaRPr lang="en-US"/>
-        </a:p>
-      </dgm:t>
     </dgm:pt>
     <dgm:pt modelId="{AACA40C3-D223-4C70-BFEC-537C22C52163}" type="pres">
       <dgm:prSet presAssocID="{44371AE1-CC91-4B6B-8118-5A4F9921A92E}" presName="composite3" presStyleCnt="0"/>
       <dgm:spPr/>
-      <dgm:t>
-        <a:bodyPr/>
-        <a:lstStyle/>
-        <a:p>
-          <a:endParaRPr lang="en-US"/>
-        </a:p>
-      </dgm:t>
     </dgm:pt>
     <dgm:pt modelId="{FF7BAADC-1AB4-4036-9304-1A0DB6880DBB}" type="pres">
       <dgm:prSet presAssocID="{44371AE1-CC91-4B6B-8118-5A4F9921A92E}" presName="background3" presStyleLbl="node3" presStyleIdx="4" presStyleCnt="5"/>
       <dgm:spPr/>
-      <dgm:t>
-        <a:bodyPr/>
-        <a:lstStyle/>
-        <a:p>
-          <a:endParaRPr lang="en-US"/>
-        </a:p>
-      </dgm:t>
     </dgm:pt>
     <dgm:pt modelId="{A7233822-B3DE-4C99-9668-C004828A308B}" type="pres">
       <dgm:prSet presAssocID="{44371AE1-CC91-4B6B-8118-5A4F9921A92E}" presName="text3" presStyleLbl="fgAcc3" presStyleIdx="4" presStyleCnt="5">
@@ -3513,51 +3207,37 @@
         </dgm:presLayoutVars>
       </dgm:prSet>
       <dgm:spPr/>
-      <dgm:t>
-        <a:bodyPr/>
-        <a:lstStyle/>
-        <a:p>
-          <a:endParaRPr lang="en-US"/>
-        </a:p>
-      </dgm:t>
     </dgm:pt>
     <dgm:pt modelId="{05BD4309-D72F-46E1-8172-9A13CEA8FFC6}" type="pres">
       <dgm:prSet presAssocID="{44371AE1-CC91-4B6B-8118-5A4F9921A92E}" presName="hierChild4" presStyleCnt="0"/>
       <dgm:spPr/>
-      <dgm:t>
-        <a:bodyPr/>
-        <a:lstStyle/>
-        <a:p>
-          <a:endParaRPr lang="en-US"/>
-        </a:p>
-      </dgm:t>
     </dgm:pt>
   </dgm:ptLst>
   <dgm:cxnLst>
-    <dgm:cxn modelId="{9AFFA6F7-578F-4BEA-BE72-E515FDC304B4}" srcId="{00737D0B-5E6B-4F45-9898-38209F00DF4E}" destId="{1ED487F3-1BF5-4101-8C3A-850803A6CC64}" srcOrd="3" destOrd="0" parTransId="{E5A7026C-E0E5-4FA1-8BE7-F17940E92153}" sibTransId="{28A76F82-B578-4E3C-AC3E-3844EEB53A6C}"/>
-    <dgm:cxn modelId="{ACAE38E6-8316-49FC-92DA-0D42016CB504}" srcId="{00737D0B-5E6B-4F45-9898-38209F00DF4E}" destId="{1719B7AB-FB45-4244-83ED-89A4C4E485C0}" srcOrd="0" destOrd="0" parTransId="{1B7F4B63-74FA-4101-AEC3-AEA87AEB8991}" sibTransId="{5AC50164-8264-4368-9B18-2710558DF91F}"/>
+    <dgm:cxn modelId="{F534B900-E9B7-4C75-8A36-51E4A85CE269}" type="presOf" srcId="{1D32DFE3-9A16-4A0F-85D1-34A794D7A500}" destId="{8F0CCF51-3EB9-4C9D-98C6-B1F49B7EFCB6}" srcOrd="0" destOrd="0" presId="urn:microsoft.com/office/officeart/2005/8/layout/hierarchy1"/>
+    <dgm:cxn modelId="{3C544906-8360-4A49-9FEE-FAE7171B354E}" type="presOf" srcId="{95796C9F-B4F8-4672-9989-922379664523}" destId="{79B06C8B-73E5-4EC3-826F-2FD31046C912}" srcOrd="0" destOrd="0" presId="urn:microsoft.com/office/officeart/2005/8/layout/hierarchy1"/>
+    <dgm:cxn modelId="{24A01508-D618-4FEC-825E-76AC8A05542B}" type="presOf" srcId="{1ED487F3-1BF5-4101-8C3A-850803A6CC64}" destId="{5DB09422-5B0B-441A-8059-6F05B670EB4A}" srcOrd="0" destOrd="0" presId="urn:microsoft.com/office/officeart/2005/8/layout/hierarchy1"/>
+    <dgm:cxn modelId="{95D4CA10-AD03-4233-BBBE-A3086A7DCD85}" type="presOf" srcId="{C25DE688-AD36-4DBD-8833-FF287120B912}" destId="{6B19997B-5D88-4871-818C-4FA4F0E4CC6E}" srcOrd="0" destOrd="0" presId="urn:microsoft.com/office/officeart/2005/8/layout/hierarchy1"/>
+    <dgm:cxn modelId="{5122DA16-5940-4FB1-BCFF-7D07B7A598B7}" srcId="{00737D0B-5E6B-4F45-9898-38209F00DF4E}" destId="{23E8CC71-4892-4CC5-9EF5-ED4A40E6D11A}" srcOrd="2" destOrd="0" parTransId="{DD3B0936-C10F-4987-8BA4-0CF4B2533118}" sibTransId="{8F9C6236-F81F-47C7-8331-7FBF5056229C}"/>
+    <dgm:cxn modelId="{BEAC1829-3507-4019-97FC-D26A24B5F0A9}" type="presOf" srcId="{1B7F4B63-74FA-4101-AEC3-AEA87AEB8991}" destId="{5EE0B7C9-250F-4DF4-9C76-5054339A9A68}" srcOrd="0" destOrd="0" presId="urn:microsoft.com/office/officeart/2005/8/layout/hierarchy1"/>
+    <dgm:cxn modelId="{EB94143D-BD87-442C-A6E3-54AF88F649C1}" type="presOf" srcId="{7329B386-B35F-4CFB-906C-61C1599AD121}" destId="{F89F6CE0-1ECE-4CE3-9B65-B4E7F9708D82}" srcOrd="0" destOrd="0" presId="urn:microsoft.com/office/officeart/2005/8/layout/hierarchy1"/>
+    <dgm:cxn modelId="{2E169C3D-9EC5-4A59-9BCB-B073724B8718}" type="presOf" srcId="{713201F2-AD4D-4BD9-9658-5F6C68C88887}" destId="{4B37ACDE-F13A-4804-84C6-6D5CDC08CE43}" srcOrd="0" destOrd="0" presId="urn:microsoft.com/office/officeart/2005/8/layout/hierarchy1"/>
+    <dgm:cxn modelId="{7B16F742-1919-4F6B-9680-B5B8ADF49C02}" type="presOf" srcId="{1719B7AB-FB45-4244-83ED-89A4C4E485C0}" destId="{B4242F71-E919-4987-AB01-03070C025E2C}" srcOrd="0" destOrd="0" presId="urn:microsoft.com/office/officeart/2005/8/layout/hierarchy1"/>
+    <dgm:cxn modelId="{859E0C69-30D1-4E94-9A84-5D9884F22C76}" type="presOf" srcId="{00737D0B-5E6B-4F45-9898-38209F00DF4E}" destId="{7FD02768-2C65-47D4-ACCE-F438DC71BA50}" srcOrd="0" destOrd="0" presId="urn:microsoft.com/office/officeart/2005/8/layout/hierarchy1"/>
+    <dgm:cxn modelId="{A7483C4D-17D8-44A8-9984-D47B40B18219}" srcId="{61A41450-09B4-42D5-BCE4-C292A4B09CD1}" destId="{1D32DFE3-9A16-4A0F-85D1-34A794D7A500}" srcOrd="0" destOrd="0" parTransId="{2C37E51B-1EDB-46B9-BEB9-8037E1452658}" sibTransId="{4A705E68-BEF8-4A8B-887C-016E3D430E9B}"/>
+    <dgm:cxn modelId="{A97ED556-352D-47BA-904B-79EF46617752}" srcId="{00737D0B-5E6B-4F45-9898-38209F00DF4E}" destId="{5E09DA6C-F056-41AE-B88D-7705FA04A593}" srcOrd="1" destOrd="0" parTransId="{713201F2-AD4D-4BD9-9658-5F6C68C88887}" sibTransId="{BFC3633B-E524-4A48-8A25-0DDA9DE7AD0A}"/>
     <dgm:cxn modelId="{0168CD83-4013-4354-8E08-E5ED1456CC99}" srcId="{00737D0B-5E6B-4F45-9898-38209F00DF4E}" destId="{44371AE1-CC91-4B6B-8118-5A4F9921A92E}" srcOrd="4" destOrd="0" parTransId="{C25DE688-AD36-4DBD-8833-FF287120B912}" sibTransId="{F5ED702F-4BDE-442B-9FE6-0160386E15D7}"/>
-    <dgm:cxn modelId="{A97ED556-352D-47BA-904B-79EF46617752}" srcId="{00737D0B-5E6B-4F45-9898-38209F00DF4E}" destId="{5E09DA6C-F056-41AE-B88D-7705FA04A593}" srcOrd="1" destOrd="0" parTransId="{713201F2-AD4D-4BD9-9658-5F6C68C88887}" sibTransId="{BFC3633B-E524-4A48-8A25-0DDA9DE7AD0A}"/>
-    <dgm:cxn modelId="{95D4CA10-AD03-4233-BBBE-A3086A7DCD85}" type="presOf" srcId="{C25DE688-AD36-4DBD-8833-FF287120B912}" destId="{6B19997B-5D88-4871-818C-4FA4F0E4CC6E}" srcOrd="0" destOrd="0" presId="urn:microsoft.com/office/officeart/2005/8/layout/hierarchy1"/>
-    <dgm:cxn modelId="{EB94143D-BD87-442C-A6E3-54AF88F649C1}" type="presOf" srcId="{7329B386-B35F-4CFB-906C-61C1599AD121}" destId="{F89F6CE0-1ECE-4CE3-9B65-B4E7F9708D82}" srcOrd="0" destOrd="0" presId="urn:microsoft.com/office/officeart/2005/8/layout/hierarchy1"/>
+    <dgm:cxn modelId="{887D7496-0D25-4A48-B0A9-30014A5C06E8}" type="presOf" srcId="{5E09DA6C-F056-41AE-B88D-7705FA04A593}" destId="{7AED5F97-B4F8-444D-8534-EB45BC10D98C}" srcOrd="0" destOrd="0" presId="urn:microsoft.com/office/officeart/2005/8/layout/hierarchy1"/>
     <dgm:cxn modelId="{BC0BCD9E-1E34-4293-BB12-B71364E9FB2D}" srcId="{1D32DFE3-9A16-4A0F-85D1-34A794D7A500}" destId="{00737D0B-5E6B-4F45-9898-38209F00DF4E}" srcOrd="1" destOrd="0" parTransId="{57DD8661-501E-4AF4-BB47-9F9067AA275C}" sibTransId="{7A188BE7-FF80-45F8-A108-5BB8C262A269}"/>
+    <dgm:cxn modelId="{295932A0-6C3A-4A4A-BE3D-3DC452DE8D46}" type="presOf" srcId="{44371AE1-CC91-4B6B-8118-5A4F9921A92E}" destId="{A7233822-B3DE-4C99-9668-C004828A308B}" srcOrd="0" destOrd="0" presId="urn:microsoft.com/office/officeart/2005/8/layout/hierarchy1"/>
+    <dgm:cxn modelId="{184572AD-0261-40B5-B090-0579DBF40A48}" type="presOf" srcId="{61A41450-09B4-42D5-BCE4-C292A4B09CD1}" destId="{93FB690B-B7A6-464F-BC71-F11E08D068B7}" srcOrd="0" destOrd="0" presId="urn:microsoft.com/office/officeart/2005/8/layout/hierarchy1"/>
     <dgm:cxn modelId="{2BF1C1B0-2CA3-458A-86B8-37A12DD1AD32}" srcId="{1D32DFE3-9A16-4A0F-85D1-34A794D7A500}" destId="{95796C9F-B4F8-4672-9989-922379664523}" srcOrd="0" destOrd="0" parTransId="{7329B386-B35F-4CFB-906C-61C1599AD121}" sibTransId="{74C214D7-5627-43D7-906C-5FD29F74DDB3}"/>
     <dgm:cxn modelId="{6B34DAB9-5B4F-43A1-9A0F-65CDC80A9717}" type="presOf" srcId="{23E8CC71-4892-4CC5-9EF5-ED4A40E6D11A}" destId="{AA339BD4-580C-4F49-8C53-0088F278E9AF}" srcOrd="0" destOrd="0" presId="urn:microsoft.com/office/officeart/2005/8/layout/hierarchy1"/>
-    <dgm:cxn modelId="{295932A0-6C3A-4A4A-BE3D-3DC452DE8D46}" type="presOf" srcId="{44371AE1-CC91-4B6B-8118-5A4F9921A92E}" destId="{A7233822-B3DE-4C99-9668-C004828A308B}" srcOrd="0" destOrd="0" presId="urn:microsoft.com/office/officeart/2005/8/layout/hierarchy1"/>
-    <dgm:cxn modelId="{BEAC1829-3507-4019-97FC-D26A24B5F0A9}" type="presOf" srcId="{1B7F4B63-74FA-4101-AEC3-AEA87AEB8991}" destId="{5EE0B7C9-250F-4DF4-9C76-5054339A9A68}" srcOrd="0" destOrd="0" presId="urn:microsoft.com/office/officeart/2005/8/layout/hierarchy1"/>
-    <dgm:cxn modelId="{859E0C69-30D1-4E94-9A84-5D9884F22C76}" type="presOf" srcId="{00737D0B-5E6B-4F45-9898-38209F00DF4E}" destId="{7FD02768-2C65-47D4-ACCE-F438DC71BA50}" srcOrd="0" destOrd="0" presId="urn:microsoft.com/office/officeart/2005/8/layout/hierarchy1"/>
-    <dgm:cxn modelId="{184572AD-0261-40B5-B090-0579DBF40A48}" type="presOf" srcId="{61A41450-09B4-42D5-BCE4-C292A4B09CD1}" destId="{93FB690B-B7A6-464F-BC71-F11E08D068B7}" srcOrd="0" destOrd="0" presId="urn:microsoft.com/office/officeart/2005/8/layout/hierarchy1"/>
-    <dgm:cxn modelId="{2E169C3D-9EC5-4A59-9BCB-B073724B8718}" type="presOf" srcId="{713201F2-AD4D-4BD9-9658-5F6C68C88887}" destId="{4B37ACDE-F13A-4804-84C6-6D5CDC08CE43}" srcOrd="0" destOrd="0" presId="urn:microsoft.com/office/officeart/2005/8/layout/hierarchy1"/>
-    <dgm:cxn modelId="{F534B900-E9B7-4C75-8A36-51E4A85CE269}" type="presOf" srcId="{1D32DFE3-9A16-4A0F-85D1-34A794D7A500}" destId="{8F0CCF51-3EB9-4C9D-98C6-B1F49B7EFCB6}" srcOrd="0" destOrd="0" presId="urn:microsoft.com/office/officeart/2005/8/layout/hierarchy1"/>
-    <dgm:cxn modelId="{5122DA16-5940-4FB1-BCFF-7D07B7A598B7}" srcId="{00737D0B-5E6B-4F45-9898-38209F00DF4E}" destId="{23E8CC71-4892-4CC5-9EF5-ED4A40E6D11A}" srcOrd="2" destOrd="0" parTransId="{DD3B0936-C10F-4987-8BA4-0CF4B2533118}" sibTransId="{8F9C6236-F81F-47C7-8331-7FBF5056229C}"/>
     <dgm:cxn modelId="{6B32CBC2-F6E1-4335-8877-7281AB2FE6AF}" type="presOf" srcId="{E5A7026C-E0E5-4FA1-8BE7-F17940E92153}" destId="{947C25EC-5A4C-4DC2-9A72-EE19FB63D411}" srcOrd="0" destOrd="0" presId="urn:microsoft.com/office/officeart/2005/8/layout/hierarchy1"/>
     <dgm:cxn modelId="{806C6EC6-AE08-44A1-AB97-7DAFF2C3F5E5}" type="presOf" srcId="{DD3B0936-C10F-4987-8BA4-0CF4B2533118}" destId="{09AA0362-79FE-4101-999A-113370CAE729}" srcOrd="0" destOrd="0" presId="urn:microsoft.com/office/officeart/2005/8/layout/hierarchy1"/>
-    <dgm:cxn modelId="{A7483C4D-17D8-44A8-9984-D47B40B18219}" srcId="{61A41450-09B4-42D5-BCE4-C292A4B09CD1}" destId="{1D32DFE3-9A16-4A0F-85D1-34A794D7A500}" srcOrd="0" destOrd="0" parTransId="{2C37E51B-1EDB-46B9-BEB9-8037E1452658}" sibTransId="{4A705E68-BEF8-4A8B-887C-016E3D430E9B}"/>
-    <dgm:cxn modelId="{3C544906-8360-4A49-9FEE-FAE7171B354E}" type="presOf" srcId="{95796C9F-B4F8-4672-9989-922379664523}" destId="{79B06C8B-73E5-4EC3-826F-2FD31046C912}" srcOrd="0" destOrd="0" presId="urn:microsoft.com/office/officeart/2005/8/layout/hierarchy1"/>
-    <dgm:cxn modelId="{887D7496-0D25-4A48-B0A9-30014A5C06E8}" type="presOf" srcId="{5E09DA6C-F056-41AE-B88D-7705FA04A593}" destId="{7AED5F97-B4F8-444D-8534-EB45BC10D98C}" srcOrd="0" destOrd="0" presId="urn:microsoft.com/office/officeart/2005/8/layout/hierarchy1"/>
-    <dgm:cxn modelId="{24A01508-D618-4FEC-825E-76AC8A05542B}" type="presOf" srcId="{1ED487F3-1BF5-4101-8C3A-850803A6CC64}" destId="{5DB09422-5B0B-441A-8059-6F05B670EB4A}" srcOrd="0" destOrd="0" presId="urn:microsoft.com/office/officeart/2005/8/layout/hierarchy1"/>
-    <dgm:cxn modelId="{7B16F742-1919-4F6B-9680-B5B8ADF49C02}" type="presOf" srcId="{1719B7AB-FB45-4244-83ED-89A4C4E485C0}" destId="{B4242F71-E919-4987-AB01-03070C025E2C}" srcOrd="0" destOrd="0" presId="urn:microsoft.com/office/officeart/2005/8/layout/hierarchy1"/>
+    <dgm:cxn modelId="{ACAE38E6-8316-49FC-92DA-0D42016CB504}" srcId="{00737D0B-5E6B-4F45-9898-38209F00DF4E}" destId="{1719B7AB-FB45-4244-83ED-89A4C4E485C0}" srcOrd="0" destOrd="0" parTransId="{1B7F4B63-74FA-4101-AEC3-AEA87AEB8991}" sibTransId="{5AC50164-8264-4368-9B18-2710558DF91F}"/>
     <dgm:cxn modelId="{6D5CF1E8-C57A-4D15-9C73-759033D1353A}" type="presOf" srcId="{57DD8661-501E-4AF4-BB47-9F9067AA275C}" destId="{96769A0B-EE7E-46FC-9E96-7ECD5333085B}" srcOrd="0" destOrd="0" presId="urn:microsoft.com/office/officeart/2005/8/layout/hierarchy1"/>
+    <dgm:cxn modelId="{9AFFA6F7-578F-4BEA-BE72-E515FDC304B4}" srcId="{00737D0B-5E6B-4F45-9898-38209F00DF4E}" destId="{1ED487F3-1BF5-4101-8C3A-850803A6CC64}" srcOrd="3" destOrd="0" parTransId="{E5A7026C-E0E5-4FA1-8BE7-F17940E92153}" sibTransId="{28A76F82-B578-4E3C-AC3E-3844EEB53A6C}"/>
     <dgm:cxn modelId="{D56B6A80-6A4E-4E43-AC3B-037DBCDD17D0}" type="presParOf" srcId="{93FB690B-B7A6-464F-BC71-F11E08D068B7}" destId="{E717CFFF-2EBE-43E6-9612-CD7CAB48D8E6}" srcOrd="0" destOrd="0" presId="urn:microsoft.com/office/officeart/2005/8/layout/hierarchy1"/>
     <dgm:cxn modelId="{7FDE080B-7801-4741-A72A-2008794817EA}" type="presParOf" srcId="{E717CFFF-2EBE-43E6-9612-CD7CAB48D8E6}" destId="{D00248EB-71C7-41C7-B83C-B5B84038F1D1}" srcOrd="0" destOrd="0" presId="urn:microsoft.com/office/officeart/2005/8/layout/hierarchy1"/>
     <dgm:cxn modelId="{34930EAD-F1FE-490D-9285-DDADA85D518E}" type="presParOf" srcId="{D00248EB-71C7-41C7-B83C-B5B84038F1D1}" destId="{F4234D91-5143-4B63-BED7-3C1D70518372}" srcOrd="0" destOrd="0" presId="urn:microsoft.com/office/officeart/2005/8/layout/hierarchy1"/>
@@ -3638,23 +3318,23 @@
         <a:lstStyle/>
         <a:p>
           <a:r>
-            <a:rPr lang="en-US" sz="1600" dirty="0" err="1" smtClean="0"/>
+            <a:rPr lang="en-US" sz="1600" dirty="0" err="1"/>
             <a:t>Hệ</a:t>
           </a:r>
           <a:r>
-            <a:rPr lang="en-US" sz="1600" dirty="0" smtClean="0"/>
+            <a:rPr lang="en-US" sz="1600" dirty="0"/>
             <a:t> </a:t>
           </a:r>
           <a:r>
-            <a:rPr lang="en-US" sz="1600" dirty="0" err="1" smtClean="0"/>
+            <a:rPr lang="en-US" sz="1600" dirty="0" err="1"/>
             <a:t>thống</a:t>
           </a:r>
           <a:r>
-            <a:rPr lang="en-US" sz="1600" dirty="0" smtClean="0"/>
+            <a:rPr lang="en-US" sz="1600" dirty="0"/>
             <a:t> </a:t>
           </a:r>
           <a:r>
-            <a:rPr lang="en-US" sz="1600" dirty="0" err="1" smtClean="0"/>
+            <a:rPr lang="en-US" sz="1600" dirty="0" err="1"/>
             <a:t>QLQNGK</a:t>
           </a:r>
           <a:endParaRPr lang="en-US" sz="1600" dirty="0"/>
@@ -3691,23 +3371,23 @@
         <a:lstStyle/>
         <a:p>
           <a:r>
-            <a:rPr lang="en-US" sz="1600" dirty="0" err="1" smtClean="0"/>
+            <a:rPr lang="en-US" sz="1600" dirty="0" err="1"/>
             <a:t>QL</a:t>
           </a:r>
           <a:r>
-            <a:rPr lang="en-US" sz="1600" dirty="0" smtClean="0"/>
+            <a:rPr lang="en-US" sz="1600" dirty="0"/>
             <a:t> </a:t>
           </a:r>
           <a:r>
-            <a:rPr lang="en-US" sz="1600" dirty="0" err="1" smtClean="0"/>
+            <a:rPr lang="en-US" sz="1600" dirty="0" err="1"/>
             <a:t>Hệ</a:t>
           </a:r>
           <a:r>
-            <a:rPr lang="en-US" sz="1600" dirty="0" smtClean="0"/>
+            <a:rPr lang="en-US" sz="1600" dirty="0"/>
             <a:t> </a:t>
           </a:r>
           <a:r>
-            <a:rPr lang="en-US" sz="1600" dirty="0" err="1" smtClean="0"/>
+            <a:rPr lang="en-US" sz="1600" dirty="0" err="1"/>
             <a:t>thống</a:t>
           </a:r>
           <a:endParaRPr lang="en-US" sz="1600" dirty="0"/>
@@ -3744,23 +3424,23 @@
         <a:lstStyle/>
         <a:p>
           <a:r>
-            <a:rPr lang="en-US" sz="1600" b="0" dirty="0" err="1" smtClean="0"/>
+            <a:rPr lang="en-US" sz="1600" b="0" dirty="0" err="1"/>
             <a:t>QL</a:t>
           </a:r>
           <a:r>
-            <a:rPr lang="en-US" sz="1600" b="0" dirty="0" smtClean="0"/>
+            <a:rPr lang="en-US" sz="1600" b="0" dirty="0"/>
             <a:t> </a:t>
           </a:r>
           <a:r>
-            <a:rPr lang="en-US" sz="1600" b="0" dirty="0" err="1" smtClean="0"/>
+            <a:rPr lang="en-US" sz="1600" b="0" dirty="0" err="1"/>
             <a:t>Danh</a:t>
           </a:r>
           <a:r>
-            <a:rPr lang="en-US" sz="1600" b="0" dirty="0" smtClean="0"/>
+            <a:rPr lang="en-US" sz="1600" b="0" dirty="0"/>
             <a:t> </a:t>
           </a:r>
           <a:r>
-            <a:rPr lang="en-US" sz="1600" b="0" dirty="0" err="1" smtClean="0"/>
+            <a:rPr lang="en-US" sz="1600" b="0" dirty="0" err="1"/>
             <a:t>mục</a:t>
           </a:r>
           <a:endParaRPr lang="en-US" sz="1600" b="0" dirty="0"/>
@@ -3797,23 +3477,23 @@
         <a:lstStyle/>
         <a:p>
           <a:r>
-            <a:rPr lang="en-US" sz="1600" b="0" dirty="0" err="1" smtClean="0"/>
+            <a:rPr lang="en-US" sz="1600" b="0" dirty="0" err="1"/>
             <a:t>QL</a:t>
           </a:r>
           <a:r>
-            <a:rPr lang="en-US" sz="1600" b="0" dirty="0" smtClean="0"/>
+            <a:rPr lang="en-US" sz="1600" b="0" dirty="0"/>
             <a:t> </a:t>
           </a:r>
           <a:r>
-            <a:rPr lang="en-US" sz="1600" b="0" dirty="0" err="1" smtClean="0"/>
+            <a:rPr lang="en-US" sz="1600" b="0" dirty="0" err="1"/>
             <a:t>Nghiệp</a:t>
           </a:r>
           <a:r>
-            <a:rPr lang="en-US" sz="1600" b="0" dirty="0" smtClean="0"/>
+            <a:rPr lang="en-US" sz="1600" b="0" dirty="0"/>
             <a:t> </a:t>
           </a:r>
           <a:r>
-            <a:rPr lang="en-US" sz="1600" b="0" dirty="0" err="1" smtClean="0"/>
+            <a:rPr lang="en-US" sz="1600" b="0" dirty="0" err="1"/>
             <a:t>vụ</a:t>
           </a:r>
           <a:endParaRPr lang="en-US" sz="1600" b="0" dirty="0"/>
@@ -3850,23 +3530,23 @@
         <a:lstStyle/>
         <a:p>
           <a:r>
-            <a:rPr lang="en-US" sz="1600" b="0" dirty="0" err="1" smtClean="0"/>
+            <a:rPr lang="en-US" sz="1600" b="0" dirty="0" err="1"/>
             <a:t>QL</a:t>
           </a:r>
           <a:r>
-            <a:rPr lang="en-US" sz="1600" b="0" dirty="0" smtClean="0"/>
+            <a:rPr lang="en-US" sz="1600" b="0" dirty="0"/>
             <a:t> </a:t>
           </a:r>
           <a:r>
-            <a:rPr lang="en-US" sz="1600" b="0" dirty="0" err="1" smtClean="0"/>
+            <a:rPr lang="en-US" sz="1600" b="0" dirty="0" err="1"/>
             <a:t>Thống</a:t>
           </a:r>
           <a:r>
-            <a:rPr lang="en-US" sz="1600" b="0" dirty="0" smtClean="0"/>
+            <a:rPr lang="en-US" sz="1600" b="0" dirty="0"/>
             <a:t> </a:t>
           </a:r>
           <a:r>
-            <a:rPr lang="en-US" sz="1600" b="0" dirty="0" err="1" smtClean="0"/>
+            <a:rPr lang="en-US" sz="1600" b="0" dirty="0" err="1"/>
             <a:t>kê</a:t>
           </a:r>
           <a:endParaRPr lang="en-US" sz="1600" b="0" dirty="0"/>
@@ -3903,31 +3583,31 @@
         <a:lstStyle/>
         <a:p>
           <a:r>
-            <a:rPr lang="en-US" sz="1600" dirty="0" err="1" smtClean="0"/>
+            <a:rPr lang="en-US" sz="1600" dirty="0" err="1"/>
             <a:t>Quản</a:t>
           </a:r>
           <a:r>
-            <a:rPr lang="en-US" sz="1600" dirty="0" smtClean="0"/>
+            <a:rPr lang="en-US" sz="1600" dirty="0"/>
             <a:t> </a:t>
           </a:r>
           <a:r>
-            <a:rPr lang="en-US" sz="1600" dirty="0" err="1" smtClean="0"/>
+            <a:rPr lang="en-US" sz="1600" dirty="0" err="1"/>
             <a:t>lý</a:t>
           </a:r>
           <a:r>
-            <a:rPr lang="en-US" sz="1600" dirty="0" smtClean="0"/>
+            <a:rPr lang="en-US" sz="1600" dirty="0"/>
             <a:t> </a:t>
           </a:r>
           <a:r>
-            <a:rPr lang="en-US" sz="1600" dirty="0" err="1" smtClean="0"/>
+            <a:rPr lang="en-US" sz="1600" dirty="0" err="1"/>
             <a:t>tài</a:t>
           </a:r>
           <a:r>
-            <a:rPr lang="en-US" sz="1600" dirty="0" smtClean="0"/>
+            <a:rPr lang="en-US" sz="1600" dirty="0"/>
             <a:t> </a:t>
           </a:r>
           <a:r>
-            <a:rPr lang="en-US" sz="1600" dirty="0" err="1" smtClean="0"/>
+            <a:rPr lang="en-US" sz="1600" dirty="0" err="1"/>
             <a:t>khoản</a:t>
           </a:r>
           <a:endParaRPr lang="en-US" sz="1600" dirty="0"/>
@@ -3964,15 +3644,15 @@
         <a:lstStyle/>
         <a:p>
           <a:r>
-            <a:rPr lang="en-US" sz="1600" b="0" dirty="0" err="1" smtClean="0"/>
+            <a:rPr lang="en-US" sz="1600" b="0" dirty="0" err="1"/>
             <a:t>QL</a:t>
           </a:r>
           <a:r>
-            <a:rPr lang="en-US" sz="1600" b="0" dirty="0" smtClean="0"/>
+            <a:rPr lang="en-US" sz="1600" b="0" dirty="0"/>
             <a:t> </a:t>
           </a:r>
           <a:r>
-            <a:rPr lang="en-US" sz="1600" b="0" dirty="0" err="1" smtClean="0"/>
+            <a:rPr lang="en-US" sz="1600" b="0" dirty="0" err="1"/>
             <a:t>Bàn</a:t>
           </a:r>
           <a:endParaRPr lang="en-US" sz="1600" b="0" dirty="0"/>
@@ -4009,31 +3689,31 @@
         <a:lstStyle/>
         <a:p>
           <a:r>
-            <a:rPr lang="en-US" sz="1600" b="0" dirty="0" err="1" smtClean="0"/>
+            <a:rPr lang="en-US" sz="1600" b="0" dirty="0" err="1"/>
             <a:t>Cập</a:t>
           </a:r>
           <a:r>
-            <a:rPr lang="en-US" sz="1600" b="0" dirty="0" smtClean="0"/>
+            <a:rPr lang="en-US" sz="1600" b="0" dirty="0"/>
             <a:t> </a:t>
           </a:r>
           <a:r>
-            <a:rPr lang="en-US" sz="1600" b="0" dirty="0" err="1" smtClean="0"/>
+            <a:rPr lang="en-US" sz="1600" b="0" dirty="0" err="1"/>
             <a:t>nhật</a:t>
           </a:r>
           <a:r>
-            <a:rPr lang="en-US" sz="1600" b="0" dirty="0" smtClean="0"/>
+            <a:rPr lang="en-US" sz="1600" b="0" dirty="0"/>
             <a:t> </a:t>
           </a:r>
           <a:r>
-            <a:rPr lang="en-US" sz="1600" b="0" dirty="0" err="1" smtClean="0"/>
+            <a:rPr lang="en-US" sz="1600" b="0" dirty="0" err="1"/>
             <a:t>giá</a:t>
           </a:r>
           <a:r>
-            <a:rPr lang="en-US" sz="1600" b="0" dirty="0" smtClean="0"/>
+            <a:rPr lang="en-US" sz="1600" b="0" dirty="0"/>
             <a:t> </a:t>
           </a:r>
           <a:r>
-            <a:rPr lang="en-US" sz="1600" b="0" dirty="0" err="1" smtClean="0"/>
+            <a:rPr lang="en-US" sz="1600" b="0" dirty="0" err="1"/>
             <a:t>bán</a:t>
           </a:r>
           <a:endParaRPr lang="en-US" sz="1600" b="0" dirty="0"/>
@@ -4070,31 +3750,31 @@
         <a:lstStyle/>
         <a:p>
           <a:r>
-            <a:rPr lang="en-US" sz="1600" b="0" dirty="0" err="1" smtClean="0"/>
+            <a:rPr lang="en-US" sz="1600" b="0" dirty="0" err="1"/>
             <a:t>Quản</a:t>
           </a:r>
           <a:r>
-            <a:rPr lang="en-US" sz="1600" b="0" dirty="0" smtClean="0"/>
+            <a:rPr lang="en-US" sz="1600" b="0" dirty="0"/>
             <a:t> </a:t>
           </a:r>
           <a:r>
-            <a:rPr lang="en-US" sz="1600" b="0" dirty="0" err="1" smtClean="0"/>
+            <a:rPr lang="en-US" sz="1600" b="0" dirty="0" err="1"/>
             <a:t>lý</a:t>
           </a:r>
           <a:r>
-            <a:rPr lang="en-US" sz="1600" b="0" dirty="0" smtClean="0"/>
+            <a:rPr lang="en-US" sz="1600" b="0" dirty="0"/>
             <a:t> </a:t>
           </a:r>
           <a:r>
-            <a:rPr lang="en-US" sz="1600" b="0" dirty="0" err="1" smtClean="0"/>
+            <a:rPr lang="en-US" sz="1600" b="0" dirty="0" err="1"/>
             <a:t>nhập</a:t>
           </a:r>
           <a:r>
-            <a:rPr lang="en-US" sz="1600" b="0" dirty="0" smtClean="0"/>
+            <a:rPr lang="en-US" sz="1600" b="0" dirty="0"/>
             <a:t> </a:t>
           </a:r>
           <a:r>
-            <a:rPr lang="en-US" sz="1600" b="0" dirty="0" err="1" smtClean="0"/>
+            <a:rPr lang="en-US" sz="1600" b="0" dirty="0" err="1"/>
             <a:t>hàng</a:t>
           </a:r>
           <a:endParaRPr lang="en-US" sz="1600" b="0" dirty="0"/>
@@ -4131,31 +3811,31 @@
         <a:lstStyle/>
         <a:p>
           <a:r>
-            <a:rPr lang="en-US" sz="1600" b="0" dirty="0" err="1" smtClean="0"/>
+            <a:rPr lang="en-US" sz="1600" b="0" dirty="0" err="1"/>
             <a:t>Quản</a:t>
           </a:r>
           <a:r>
-            <a:rPr lang="en-US" sz="1600" b="0" dirty="0" smtClean="0"/>
+            <a:rPr lang="en-US" sz="1600" b="0" dirty="0"/>
             <a:t> </a:t>
           </a:r>
           <a:r>
-            <a:rPr lang="en-US" sz="1600" b="0" dirty="0" err="1" smtClean="0"/>
+            <a:rPr lang="en-US" sz="1600" b="0" dirty="0" err="1"/>
             <a:t>lý</a:t>
           </a:r>
           <a:r>
-            <a:rPr lang="en-US" sz="1600" b="0" dirty="0" smtClean="0"/>
+            <a:rPr lang="en-US" sz="1600" b="0" dirty="0"/>
             <a:t> </a:t>
           </a:r>
           <a:r>
-            <a:rPr lang="en-US" sz="1600" b="0" dirty="0" err="1" smtClean="0"/>
+            <a:rPr lang="en-US" sz="1600" b="0" dirty="0" err="1"/>
             <a:t>hàng</a:t>
           </a:r>
           <a:r>
-            <a:rPr lang="en-US" sz="1600" b="0" dirty="0" smtClean="0"/>
+            <a:rPr lang="en-US" sz="1600" b="0" dirty="0"/>
             <a:t> </a:t>
           </a:r>
           <a:r>
-            <a:rPr lang="en-US" sz="1600" b="0" dirty="0" err="1" smtClean="0"/>
+            <a:rPr lang="en-US" sz="1600" b="0" dirty="0" err="1"/>
             <a:t>bán</a:t>
           </a:r>
           <a:endParaRPr lang="en-US" sz="1600" b="0" dirty="0"/>
@@ -4192,31 +3872,31 @@
         <a:lstStyle/>
         <a:p>
           <a:r>
-            <a:rPr lang="en-US" sz="1600" b="0" dirty="0" err="1" smtClean="0"/>
+            <a:rPr lang="en-US" sz="1600" b="0" dirty="0" err="1"/>
             <a:t>Thống</a:t>
           </a:r>
           <a:r>
-            <a:rPr lang="en-US" sz="1600" b="0" dirty="0" smtClean="0"/>
+            <a:rPr lang="en-US" sz="1600" b="0" dirty="0"/>
             <a:t> </a:t>
           </a:r>
           <a:r>
-            <a:rPr lang="en-US" sz="1600" b="0" dirty="0" err="1" smtClean="0"/>
+            <a:rPr lang="en-US" sz="1600" b="0" dirty="0" err="1"/>
             <a:t>kê</a:t>
           </a:r>
           <a:r>
-            <a:rPr lang="en-US" sz="1600" b="0" dirty="0" smtClean="0"/>
+            <a:rPr lang="en-US" sz="1600" b="0" dirty="0"/>
             <a:t> </a:t>
           </a:r>
           <a:r>
-            <a:rPr lang="en-US" sz="1600" b="0" dirty="0" err="1" smtClean="0"/>
+            <a:rPr lang="en-US" sz="1600" b="0" dirty="0" err="1"/>
             <a:t>bán</a:t>
           </a:r>
           <a:r>
-            <a:rPr lang="en-US" sz="1600" b="0" dirty="0" smtClean="0"/>
+            <a:rPr lang="en-US" sz="1600" b="0" dirty="0"/>
             <a:t> </a:t>
           </a:r>
           <a:r>
-            <a:rPr lang="en-US" sz="1600" b="0" dirty="0" err="1" smtClean="0"/>
+            <a:rPr lang="en-US" sz="1600" b="0" dirty="0" err="1"/>
             <a:t>hàng</a:t>
           </a:r>
           <a:endParaRPr lang="en-US" sz="1600" b="0" dirty="0"/>
@@ -4253,39 +3933,39 @@
         <a:lstStyle/>
         <a:p>
           <a:r>
-            <a:rPr lang="en-US" sz="1600" b="0" dirty="0" err="1" smtClean="0"/>
+            <a:rPr lang="en-US" sz="1600" b="0" dirty="0" err="1"/>
             <a:t>Thống</a:t>
           </a:r>
           <a:r>
-            <a:rPr lang="en-US" sz="1600" b="0" dirty="0" smtClean="0"/>
+            <a:rPr lang="en-US" sz="1600" b="0" dirty="0"/>
             <a:t> </a:t>
           </a:r>
           <a:r>
-            <a:rPr lang="en-US" sz="1600" b="0" dirty="0" err="1" smtClean="0"/>
+            <a:rPr lang="en-US" sz="1600" b="0" dirty="0" err="1"/>
             <a:t>kê</a:t>
           </a:r>
           <a:r>
-            <a:rPr lang="en-US" sz="1600" b="0" dirty="0" smtClean="0"/>
+            <a:rPr lang="en-US" sz="1600" b="0" dirty="0"/>
             <a:t> </a:t>
           </a:r>
           <a:r>
-            <a:rPr lang="en-US" sz="1600" b="0" dirty="0" err="1" smtClean="0"/>
+            <a:rPr lang="en-US" sz="1600" b="0" dirty="0" err="1"/>
             <a:t>hàng</a:t>
           </a:r>
           <a:r>
-            <a:rPr lang="en-US" sz="1600" b="0" dirty="0" smtClean="0"/>
+            <a:rPr lang="en-US" sz="1600" b="0" dirty="0"/>
             <a:t> </a:t>
           </a:r>
           <a:r>
-            <a:rPr lang="en-US" sz="1600" b="0" dirty="0" err="1" smtClean="0"/>
+            <a:rPr lang="en-US" sz="1600" b="0" dirty="0" err="1"/>
             <a:t>trong</a:t>
           </a:r>
           <a:r>
-            <a:rPr lang="en-US" sz="1600" b="0" dirty="0" smtClean="0"/>
+            <a:rPr lang="en-US" sz="1600" b="0" dirty="0"/>
             <a:t> </a:t>
           </a:r>
           <a:r>
-            <a:rPr lang="en-US" sz="1600" b="0" dirty="0" err="1" smtClean="0"/>
+            <a:rPr lang="en-US" sz="1600" b="0" dirty="0" err="1"/>
             <a:t>kho</a:t>
           </a:r>
           <a:endParaRPr lang="en-US" sz="1600" b="0" dirty="0"/>
@@ -4322,23 +4002,23 @@
         <a:lstStyle/>
         <a:p>
           <a:r>
-            <a:rPr lang="en-US" sz="1600" b="0" dirty="0" err="1" smtClean="0"/>
+            <a:rPr lang="en-US" sz="1600" b="0" dirty="0" err="1"/>
             <a:t>QL</a:t>
           </a:r>
           <a:r>
-            <a:rPr lang="en-US" sz="1600" b="0" dirty="0" smtClean="0"/>
+            <a:rPr lang="en-US" sz="1600" b="0" dirty="0"/>
             <a:t> </a:t>
           </a:r>
           <a:r>
-            <a:rPr lang="en-US" sz="1600" b="0" dirty="0" err="1" smtClean="0"/>
+            <a:rPr lang="en-US" sz="1600" b="0" dirty="0" err="1"/>
             <a:t>Hàng</a:t>
           </a:r>
           <a:r>
-            <a:rPr lang="en-US" sz="1600" b="0" dirty="0" smtClean="0"/>
+            <a:rPr lang="en-US" sz="1600" b="0" dirty="0"/>
             <a:t> </a:t>
           </a:r>
           <a:r>
-            <a:rPr lang="en-US" sz="1600" b="0" dirty="0" err="1" smtClean="0"/>
+            <a:rPr lang="en-US" sz="1600" b="0" dirty="0" err="1"/>
             <a:t>bán</a:t>
           </a:r>
           <a:endParaRPr lang="en-US" sz="1600" b="0" dirty="0"/>
@@ -4378,46 +4058,18 @@
         </dgm:presLayoutVars>
       </dgm:prSet>
       <dgm:spPr/>
-      <dgm:t>
-        <a:bodyPr/>
-        <a:lstStyle/>
-        <a:p>
-          <a:endParaRPr lang="en-US"/>
-        </a:p>
-      </dgm:t>
     </dgm:pt>
     <dgm:pt modelId="{E717CFFF-2EBE-43E6-9612-CD7CAB48D8E6}" type="pres">
       <dgm:prSet presAssocID="{1D32DFE3-9A16-4A0F-85D1-34A794D7A500}" presName="hierRoot1" presStyleCnt="0"/>
       <dgm:spPr/>
-      <dgm:t>
-        <a:bodyPr/>
-        <a:lstStyle/>
-        <a:p>
-          <a:endParaRPr lang="en-US"/>
-        </a:p>
-      </dgm:t>
     </dgm:pt>
     <dgm:pt modelId="{D00248EB-71C7-41C7-B83C-B5B84038F1D1}" type="pres">
       <dgm:prSet presAssocID="{1D32DFE3-9A16-4A0F-85D1-34A794D7A500}" presName="composite" presStyleCnt="0"/>
       <dgm:spPr/>
-      <dgm:t>
-        <a:bodyPr/>
-        <a:lstStyle/>
-        <a:p>
-          <a:endParaRPr lang="en-US"/>
-        </a:p>
-      </dgm:t>
     </dgm:pt>
     <dgm:pt modelId="{F4234D91-5143-4B63-BED7-3C1D70518372}" type="pres">
       <dgm:prSet presAssocID="{1D32DFE3-9A16-4A0F-85D1-34A794D7A500}" presName="background" presStyleLbl="node0" presStyleIdx="0" presStyleCnt="1"/>
       <dgm:spPr/>
-      <dgm:t>
-        <a:bodyPr/>
-        <a:lstStyle/>
-        <a:p>
-          <a:endParaRPr lang="en-US"/>
-        </a:p>
-      </dgm:t>
     </dgm:pt>
     <dgm:pt modelId="{8F0CCF51-3EB9-4C9D-98C6-B1F49B7EFCB6}" type="pres">
       <dgm:prSet presAssocID="{1D32DFE3-9A16-4A0F-85D1-34A794D7A500}" presName="text" presStyleLbl="fgAcc0" presStyleIdx="0" presStyleCnt="1" custScaleX="134057" custScaleY="135275" custLinFactNeighborX="3599" custLinFactNeighborY="-7453">
@@ -4426,68 +4078,26 @@
         </dgm:presLayoutVars>
       </dgm:prSet>
       <dgm:spPr/>
-      <dgm:t>
-        <a:bodyPr/>
-        <a:lstStyle/>
-        <a:p>
-          <a:endParaRPr lang="en-US"/>
-        </a:p>
-      </dgm:t>
     </dgm:pt>
     <dgm:pt modelId="{04CFBF51-E7CF-4155-A2F9-E99258C3954C}" type="pres">
       <dgm:prSet presAssocID="{1D32DFE3-9A16-4A0F-85D1-34A794D7A500}" presName="hierChild2" presStyleCnt="0"/>
       <dgm:spPr/>
-      <dgm:t>
-        <a:bodyPr/>
-        <a:lstStyle/>
-        <a:p>
-          <a:endParaRPr lang="en-US"/>
-        </a:p>
-      </dgm:t>
     </dgm:pt>
     <dgm:pt modelId="{F89F6CE0-1ECE-4CE3-9B65-B4E7F9708D82}" type="pres">
       <dgm:prSet presAssocID="{7329B386-B35F-4CFB-906C-61C1599AD121}" presName="Name10" presStyleLbl="parChTrans1D2" presStyleIdx="0" presStyleCnt="4"/>
       <dgm:spPr/>
-      <dgm:t>
-        <a:bodyPr/>
-        <a:lstStyle/>
-        <a:p>
-          <a:endParaRPr lang="en-US"/>
-        </a:p>
-      </dgm:t>
     </dgm:pt>
     <dgm:pt modelId="{47327BE9-19D3-4468-8435-7A2D9307470C}" type="pres">
       <dgm:prSet presAssocID="{95796C9F-B4F8-4672-9989-922379664523}" presName="hierRoot2" presStyleCnt="0"/>
       <dgm:spPr/>
-      <dgm:t>
-        <a:bodyPr/>
-        <a:lstStyle/>
-        <a:p>
-          <a:endParaRPr lang="en-US"/>
-        </a:p>
-      </dgm:t>
     </dgm:pt>
     <dgm:pt modelId="{B67D661D-4D77-429E-B9EE-8C64642564B3}" type="pres">
       <dgm:prSet presAssocID="{95796C9F-B4F8-4672-9989-922379664523}" presName="composite2" presStyleCnt="0"/>
       <dgm:spPr/>
-      <dgm:t>
-        <a:bodyPr/>
-        <a:lstStyle/>
-        <a:p>
-          <a:endParaRPr lang="en-US"/>
-        </a:p>
-      </dgm:t>
     </dgm:pt>
     <dgm:pt modelId="{3929E3B3-1501-4CAA-ACC3-9315D46F9B7A}" type="pres">
       <dgm:prSet presAssocID="{95796C9F-B4F8-4672-9989-922379664523}" presName="background2" presStyleLbl="node2" presStyleIdx="0" presStyleCnt="4"/>
       <dgm:spPr/>
-      <dgm:t>
-        <a:bodyPr/>
-        <a:lstStyle/>
-        <a:p>
-          <a:endParaRPr lang="en-US"/>
-        </a:p>
-      </dgm:t>
     </dgm:pt>
     <dgm:pt modelId="{79B06C8B-73E5-4EC3-826F-2FD31046C912}" type="pres">
       <dgm:prSet presAssocID="{95796C9F-B4F8-4672-9989-922379664523}" presName="text2" presStyleLbl="fgAcc2" presStyleIdx="0" presStyleCnt="4" custScaleY="146664">
@@ -4496,24 +4106,10 @@
         </dgm:presLayoutVars>
       </dgm:prSet>
       <dgm:spPr/>
-      <dgm:t>
-        <a:bodyPr/>
-        <a:lstStyle/>
-        <a:p>
-          <a:endParaRPr lang="en-US"/>
-        </a:p>
-      </dgm:t>
     </dgm:pt>
     <dgm:pt modelId="{7FECC80A-9C2F-4121-961D-549A02C0C804}" type="pres">
       <dgm:prSet presAssocID="{95796C9F-B4F8-4672-9989-922379664523}" presName="hierChild3" presStyleCnt="0"/>
       <dgm:spPr/>
-      <dgm:t>
-        <a:bodyPr/>
-        <a:lstStyle/>
-        <a:p>
-          <a:endParaRPr lang="en-US"/>
-        </a:p>
-      </dgm:t>
     </dgm:pt>
     <dgm:pt modelId="{F2170DE8-2661-45E8-B4F0-68CF51FD4B8F}" type="pres">
       <dgm:prSet presAssocID="{43C910A3-62CA-45BA-A880-92F098C035CC}" presName="Name17" presStyleLbl="parChTrans1D3" presStyleIdx="0" presStyleCnt="8"/>
@@ -4538,13 +4134,6 @@
         </dgm:presLayoutVars>
       </dgm:prSet>
       <dgm:spPr/>
-      <dgm:t>
-        <a:bodyPr/>
-        <a:lstStyle/>
-        <a:p>
-          <a:endParaRPr lang="en-US"/>
-        </a:p>
-      </dgm:t>
     </dgm:pt>
     <dgm:pt modelId="{6F9E4E3D-22EC-4AC7-9BF6-742B296445B4}" type="pres">
       <dgm:prSet presAssocID="{CF1A2CE0-3866-47F6-B4FE-4B864AA20991}" presName="hierChild4" presStyleCnt="0"/>
@@ -4553,46 +4142,18 @@
     <dgm:pt modelId="{96769A0B-EE7E-46FC-9E96-7ECD5333085B}" type="pres">
       <dgm:prSet presAssocID="{57DD8661-501E-4AF4-BB47-9F9067AA275C}" presName="Name10" presStyleLbl="parChTrans1D2" presStyleIdx="1" presStyleCnt="4"/>
       <dgm:spPr/>
-      <dgm:t>
-        <a:bodyPr/>
-        <a:lstStyle/>
-        <a:p>
-          <a:endParaRPr lang="en-US"/>
-        </a:p>
-      </dgm:t>
     </dgm:pt>
     <dgm:pt modelId="{170AB8BB-F04B-468C-A8BF-A7312C73701C}" type="pres">
       <dgm:prSet presAssocID="{00737D0B-5E6B-4F45-9898-38209F00DF4E}" presName="hierRoot2" presStyleCnt="0"/>
       <dgm:spPr/>
-      <dgm:t>
-        <a:bodyPr/>
-        <a:lstStyle/>
-        <a:p>
-          <a:endParaRPr lang="en-US"/>
-        </a:p>
-      </dgm:t>
     </dgm:pt>
     <dgm:pt modelId="{A357ED65-30A7-49C6-97A9-F977BAABA69E}" type="pres">
       <dgm:prSet presAssocID="{00737D0B-5E6B-4F45-9898-38209F00DF4E}" presName="composite2" presStyleCnt="0"/>
       <dgm:spPr/>
-      <dgm:t>
-        <a:bodyPr/>
-        <a:lstStyle/>
-        <a:p>
-          <a:endParaRPr lang="en-US"/>
-        </a:p>
-      </dgm:t>
     </dgm:pt>
     <dgm:pt modelId="{D0925D27-1490-460D-A7D2-AE69DF1D0FA9}" type="pres">
       <dgm:prSet presAssocID="{00737D0B-5E6B-4F45-9898-38209F00DF4E}" presName="background2" presStyleLbl="node2" presStyleIdx="1" presStyleCnt="4"/>
       <dgm:spPr/>
-      <dgm:t>
-        <a:bodyPr/>
-        <a:lstStyle/>
-        <a:p>
-          <a:endParaRPr lang="en-US"/>
-        </a:p>
-      </dgm:t>
     </dgm:pt>
     <dgm:pt modelId="{7FD02768-2C65-47D4-ACCE-F438DC71BA50}" type="pres">
       <dgm:prSet presAssocID="{00737D0B-5E6B-4F45-9898-38209F00DF4E}" presName="text2" presStyleLbl="fgAcc2" presStyleIdx="1" presStyleCnt="4" custScaleY="150154">
@@ -4601,24 +4162,10 @@
         </dgm:presLayoutVars>
       </dgm:prSet>
       <dgm:spPr/>
-      <dgm:t>
-        <a:bodyPr/>
-        <a:lstStyle/>
-        <a:p>
-          <a:endParaRPr lang="en-US"/>
-        </a:p>
-      </dgm:t>
     </dgm:pt>
     <dgm:pt modelId="{130A42D1-0CEF-441F-B699-2E4190F54B9C}" type="pres">
       <dgm:prSet presAssocID="{00737D0B-5E6B-4F45-9898-38209F00DF4E}" presName="hierChild3" presStyleCnt="0"/>
       <dgm:spPr/>
-      <dgm:t>
-        <a:bodyPr/>
-        <a:lstStyle/>
-        <a:p>
-          <a:endParaRPr lang="en-US"/>
-        </a:p>
-      </dgm:t>
     </dgm:pt>
     <dgm:pt modelId="{7809C915-0E71-44A9-9FF5-FA809221B027}" type="pres">
       <dgm:prSet presAssocID="{354A7CA3-37A5-4F0C-B13F-121E73872409}" presName="Name17" presStyleLbl="parChTrans1D3" presStyleIdx="1" presStyleCnt="8"/>
@@ -4643,13 +4190,6 @@
         </dgm:presLayoutVars>
       </dgm:prSet>
       <dgm:spPr/>
-      <dgm:t>
-        <a:bodyPr/>
-        <a:lstStyle/>
-        <a:p>
-          <a:endParaRPr lang="en-US"/>
-        </a:p>
-      </dgm:t>
     </dgm:pt>
     <dgm:pt modelId="{270C92C7-2C27-4315-9889-A22543B40960}" type="pres">
       <dgm:prSet presAssocID="{1A73E19A-2FF9-40AE-A45F-D8E4A180812F}" presName="hierChild4" presStyleCnt="0"/>
@@ -4678,13 +4218,6 @@
         </dgm:presLayoutVars>
       </dgm:prSet>
       <dgm:spPr/>
-      <dgm:t>
-        <a:bodyPr/>
-        <a:lstStyle/>
-        <a:p>
-          <a:endParaRPr lang="en-US"/>
-        </a:p>
-      </dgm:t>
     </dgm:pt>
     <dgm:pt modelId="{5689194E-C861-4DED-93FA-6E349DF91E47}" type="pres">
       <dgm:prSet presAssocID="{95066E40-B066-4D97-B339-BFD34CD796EF}" presName="hierChild4" presStyleCnt="0"/>
@@ -4713,13 +4246,6 @@
         </dgm:presLayoutVars>
       </dgm:prSet>
       <dgm:spPr/>
-      <dgm:t>
-        <a:bodyPr/>
-        <a:lstStyle/>
-        <a:p>
-          <a:endParaRPr lang="en-US"/>
-        </a:p>
-      </dgm:t>
     </dgm:pt>
     <dgm:pt modelId="{E8AB108F-C39F-476F-9FD7-AEE01B7A81A8}" type="pres">
       <dgm:prSet presAssocID="{3902BBE7-986B-4D03-81D5-EEEB24D738DA}" presName="hierChild3" presStyleCnt="0"/>
@@ -4748,13 +4274,6 @@
         </dgm:presLayoutVars>
       </dgm:prSet>
       <dgm:spPr/>
-      <dgm:t>
-        <a:bodyPr/>
-        <a:lstStyle/>
-        <a:p>
-          <a:endParaRPr lang="en-US"/>
-        </a:p>
-      </dgm:t>
     </dgm:pt>
     <dgm:pt modelId="{0582FB2A-5B90-4034-8F71-290E5CA76297}" type="pres">
       <dgm:prSet presAssocID="{0725A183-E8CE-4EDC-AB97-6584AA1A7199}" presName="hierChild4" presStyleCnt="0"/>
@@ -4783,13 +4302,6 @@
         </dgm:presLayoutVars>
       </dgm:prSet>
       <dgm:spPr/>
-      <dgm:t>
-        <a:bodyPr/>
-        <a:lstStyle/>
-        <a:p>
-          <a:endParaRPr lang="en-US"/>
-        </a:p>
-      </dgm:t>
     </dgm:pt>
     <dgm:pt modelId="{D3181C3B-0A25-4686-AE8D-3C7AC7822A6A}" type="pres">
       <dgm:prSet presAssocID="{3D652887-738C-4EC8-8EFE-96A444630371}" presName="hierChild4" presStyleCnt="0"/>
@@ -4818,13 +4330,6 @@
         </dgm:presLayoutVars>
       </dgm:prSet>
       <dgm:spPr/>
-      <dgm:t>
-        <a:bodyPr/>
-        <a:lstStyle/>
-        <a:p>
-          <a:endParaRPr lang="en-US"/>
-        </a:p>
-      </dgm:t>
     </dgm:pt>
     <dgm:pt modelId="{ED3EAF3D-9902-4CDF-9671-58AC378D8D2F}" type="pres">
       <dgm:prSet presAssocID="{EC48B371-0F87-45D8-A43F-E87DC2930AE4}" presName="hierChild4" presStyleCnt="0"/>
@@ -4853,13 +4358,6 @@
         </dgm:presLayoutVars>
       </dgm:prSet>
       <dgm:spPr/>
-      <dgm:t>
-        <a:bodyPr/>
-        <a:lstStyle/>
-        <a:p>
-          <a:endParaRPr lang="en-US"/>
-        </a:p>
-      </dgm:t>
     </dgm:pt>
     <dgm:pt modelId="{98A7CF96-839A-490C-AB56-63FD09686F17}" type="pres">
       <dgm:prSet presAssocID="{CBAC448E-F8A5-426F-9DA4-668DBB9E9752}" presName="hierChild3" presStyleCnt="0"/>
@@ -4888,13 +4386,6 @@
         </dgm:presLayoutVars>
       </dgm:prSet>
       <dgm:spPr/>
-      <dgm:t>
-        <a:bodyPr/>
-        <a:lstStyle/>
-        <a:p>
-          <a:endParaRPr lang="en-US"/>
-        </a:p>
-      </dgm:t>
     </dgm:pt>
     <dgm:pt modelId="{C826CFEE-67A4-4CF5-95C1-83BCEDAF9521}" type="pres">
       <dgm:prSet presAssocID="{4A35AFF6-FE67-4C04-8002-061C138CB54E}" presName="hierChild4" presStyleCnt="0"/>
@@ -4923,13 +4414,6 @@
         </dgm:presLayoutVars>
       </dgm:prSet>
       <dgm:spPr/>
-      <dgm:t>
-        <a:bodyPr/>
-        <a:lstStyle/>
-        <a:p>
-          <a:endParaRPr lang="en-US"/>
-        </a:p>
-      </dgm:t>
     </dgm:pt>
     <dgm:pt modelId="{590392CE-3930-43AB-825F-7BC77D1A1322}" type="pres">
       <dgm:prSet presAssocID="{46031091-2721-4FAD-89A7-A9A54B6E5E30}" presName="hierChild4" presStyleCnt="0"/>
@@ -4937,45 +4421,45 @@
     </dgm:pt>
   </dgm:ptLst>
   <dgm:cxnLst>
+    <dgm:cxn modelId="{DED9B801-9383-40AE-956D-BC484032A2EB}" type="presOf" srcId="{57DD8661-501E-4AF4-BB47-9F9067AA275C}" destId="{96769A0B-EE7E-46FC-9E96-7ECD5333085B}" srcOrd="0" destOrd="0" presId="urn:microsoft.com/office/officeart/2005/8/layout/hierarchy1"/>
+    <dgm:cxn modelId="{8948EC03-CCE7-481E-86D2-A4F73BFB7450}" type="presOf" srcId="{3902BBE7-986B-4D03-81D5-EEEB24D738DA}" destId="{212A66FE-904A-4E5C-A5F5-704E02122B96}" srcOrd="0" destOrd="0" presId="urn:microsoft.com/office/officeart/2005/8/layout/hierarchy1"/>
+    <dgm:cxn modelId="{BC339104-E776-4ACF-A91A-A7BB4E94A61D}" srcId="{95796C9F-B4F8-4672-9989-922379664523}" destId="{CF1A2CE0-3866-47F6-B4FE-4B864AA20991}" srcOrd="0" destOrd="0" parTransId="{43C910A3-62CA-45BA-A880-92F098C035CC}" sibTransId="{207B3306-8847-4754-80A8-9C1DB4A7258F}"/>
+    <dgm:cxn modelId="{393AD012-C996-41C3-B5D0-E8DCC8A205F5}" type="presOf" srcId="{EC48B371-0F87-45D8-A43F-E87DC2930AE4}" destId="{F0EF086B-6565-4FE5-ABF0-27931EB55AE2}" srcOrd="0" destOrd="0" presId="urn:microsoft.com/office/officeart/2005/8/layout/hierarchy1"/>
+    <dgm:cxn modelId="{67FCB315-3A73-4324-A5C1-EA49AC953AEB}" type="presOf" srcId="{A60E8972-07D1-4A91-8D19-243E8B3F8651}" destId="{9C99C6ED-2F02-4176-9F85-1E45FA9EA0AA}" srcOrd="0" destOrd="0" presId="urn:microsoft.com/office/officeart/2005/8/layout/hierarchy1"/>
+    <dgm:cxn modelId="{39518939-DFEE-49E4-ACAD-E5306ADC363B}" srcId="{00737D0B-5E6B-4F45-9898-38209F00DF4E}" destId="{1A73E19A-2FF9-40AE-A45F-D8E4A180812F}" srcOrd="0" destOrd="0" parTransId="{354A7CA3-37A5-4F0C-B13F-121E73872409}" sibTransId="{C9459484-52CC-4BD3-85F1-C6399A2928D1}"/>
+    <dgm:cxn modelId="{09CBCA3C-8B72-4908-8178-333221182EE0}" type="presOf" srcId="{1A73E19A-2FF9-40AE-A45F-D8E4A180812F}" destId="{D28FA95C-085E-49A5-9DCD-7D22E001624C}" srcOrd="0" destOrd="0" presId="urn:microsoft.com/office/officeart/2005/8/layout/hierarchy1"/>
+    <dgm:cxn modelId="{892B223E-F7C8-4DBD-ADDD-26F566D6FC3A}" srcId="{1D32DFE3-9A16-4A0F-85D1-34A794D7A500}" destId="{CBAC448E-F8A5-426F-9DA4-668DBB9E9752}" srcOrd="3" destOrd="0" parTransId="{115ECDC7-DA82-408D-B398-B8BC4A1BB09A}" sibTransId="{C682E407-DE90-4A53-901E-E0B6F281313C}"/>
+    <dgm:cxn modelId="{89484744-5F73-4498-BE17-2D2C04FEE4AB}" type="presOf" srcId="{354A7CA3-37A5-4F0C-B13F-121E73872409}" destId="{7809C915-0E71-44A9-9FF5-FA809221B027}" srcOrd="0" destOrd="0" presId="urn:microsoft.com/office/officeart/2005/8/layout/hierarchy1"/>
+    <dgm:cxn modelId="{93916066-C8AE-4CEA-B1E6-0CD44FB43FA5}" type="presOf" srcId="{CBAC448E-F8A5-426F-9DA4-668DBB9E9752}" destId="{F3A8B18A-49C1-4B21-9421-8C5E934961E4}" srcOrd="0" destOrd="0" presId="urn:microsoft.com/office/officeart/2005/8/layout/hierarchy1"/>
+    <dgm:cxn modelId="{DABA9648-29D2-4ED6-9344-568EF6FEAF86}" srcId="{3902BBE7-986B-4D03-81D5-EEEB24D738DA}" destId="{0725A183-E8CE-4EDC-AB97-6584AA1A7199}" srcOrd="0" destOrd="0" parTransId="{82259B30-C376-45B8-A634-278C2FD90138}" sibTransId="{4318E9B2-973E-48F6-9006-574464EDBD31}"/>
     <dgm:cxn modelId="{F7E7946A-3217-4816-A246-0809644C9716}" type="presOf" srcId="{3D652887-738C-4EC8-8EFE-96A444630371}" destId="{C4E63A1F-4245-4A0E-9832-78DB9FD3C52A}" srcOrd="0" destOrd="0" presId="urn:microsoft.com/office/officeart/2005/8/layout/hierarchy1"/>
+    <dgm:cxn modelId="{A7483C4D-17D8-44A8-9984-D47B40B18219}" srcId="{61A41450-09B4-42D5-BCE4-C292A4B09CD1}" destId="{1D32DFE3-9A16-4A0F-85D1-34A794D7A500}" srcOrd="0" destOrd="0" parTransId="{2C37E51B-1EDB-46B9-BEB9-8037E1452658}" sibTransId="{4A705E68-BEF8-4A8B-887C-016E3D430E9B}"/>
+    <dgm:cxn modelId="{EA939071-32D0-4F86-9BDC-4B5F85F49091}" srcId="{CBAC448E-F8A5-426F-9DA4-668DBB9E9752}" destId="{46031091-2721-4FAD-89A7-A9A54B6E5E30}" srcOrd="1" destOrd="0" parTransId="{A60E8972-07D1-4A91-8D19-243E8B3F8651}" sibTransId="{CE1A56BF-944D-41FF-9B2F-9BAD3026EB4B}"/>
+    <dgm:cxn modelId="{10D7855A-B6A1-4C95-B895-0E77E6566430}" type="presOf" srcId="{73D878AF-0D6A-4447-94C7-DF750A1BFD5D}" destId="{E80E1B74-AC53-4CED-9382-30C5965CB41F}" srcOrd="0" destOrd="0" presId="urn:microsoft.com/office/officeart/2005/8/layout/hierarchy1"/>
+    <dgm:cxn modelId="{3702857B-1305-4140-A15E-9C7647F9D951}" type="presOf" srcId="{7329B386-B35F-4CFB-906C-61C1599AD121}" destId="{F89F6CE0-1ECE-4CE3-9B65-B4E7F9708D82}" srcOrd="0" destOrd="0" presId="urn:microsoft.com/office/officeart/2005/8/layout/hierarchy1"/>
+    <dgm:cxn modelId="{75955785-A637-4D28-AC5D-30A609743373}" srcId="{CBAC448E-F8A5-426F-9DA4-668DBB9E9752}" destId="{4A35AFF6-FE67-4C04-8002-061C138CB54E}" srcOrd="0" destOrd="0" parTransId="{D7B15259-DEA4-4D6E-9D7B-AFDD0C455D39}" sibTransId="{3DA22FAA-006A-4463-8BA7-1D776542AB8D}"/>
+    <dgm:cxn modelId="{44CE368C-59DE-4D4C-8509-0744DA46BD14}" type="presOf" srcId="{61A41450-09B4-42D5-BCE4-C292A4B09CD1}" destId="{93FB690B-B7A6-464F-BC71-F11E08D068B7}" srcOrd="0" destOrd="0" presId="urn:microsoft.com/office/officeart/2005/8/layout/hierarchy1"/>
+    <dgm:cxn modelId="{096C9F90-FD45-4821-BBE8-48D85C04CA79}" type="presOf" srcId="{00737D0B-5E6B-4F45-9898-38209F00DF4E}" destId="{7FD02768-2C65-47D4-ACCE-F438DC71BA50}" srcOrd="0" destOrd="0" presId="urn:microsoft.com/office/officeart/2005/8/layout/hierarchy1"/>
+    <dgm:cxn modelId="{BC0BCD9E-1E34-4293-BB12-B71364E9FB2D}" srcId="{1D32DFE3-9A16-4A0F-85D1-34A794D7A500}" destId="{00737D0B-5E6B-4F45-9898-38209F00DF4E}" srcOrd="1" destOrd="0" parTransId="{57DD8661-501E-4AF4-BB47-9F9067AA275C}" sibTransId="{7A188BE7-FF80-45F8-A108-5BB8C262A269}"/>
     <dgm:cxn modelId="{20030FA1-B9DF-4338-8B3C-93A2888A3F5D}" type="presOf" srcId="{95066E40-B066-4D97-B339-BFD34CD796EF}" destId="{0D3DCDBB-A84F-42B9-ABEE-1BECED108683}" srcOrd="0" destOrd="0" presId="urn:microsoft.com/office/officeart/2005/8/layout/hierarchy1"/>
+    <dgm:cxn modelId="{71106DA4-2A09-4F4C-808F-2D7A7C958730}" type="presOf" srcId="{0B46BE59-F535-4406-87ED-ACE8C7DDC305}" destId="{D14F1C3E-DE0C-4DD0-97FE-7694C1DBAEA8}" srcOrd="0" destOrd="0" presId="urn:microsoft.com/office/officeart/2005/8/layout/hierarchy1"/>
+    <dgm:cxn modelId="{47865AA6-86FF-42CD-BAC3-7CFE41F6EDFF}" type="presOf" srcId="{95796C9F-B4F8-4672-9989-922379664523}" destId="{79B06C8B-73E5-4EC3-826F-2FD31046C912}" srcOrd="0" destOrd="0" presId="urn:microsoft.com/office/officeart/2005/8/layout/hierarchy1"/>
+    <dgm:cxn modelId="{2BF1C1B0-2CA3-458A-86B8-37A12DD1AD32}" srcId="{1D32DFE3-9A16-4A0F-85D1-34A794D7A500}" destId="{95796C9F-B4F8-4672-9989-922379664523}" srcOrd="0" destOrd="0" parTransId="{7329B386-B35F-4CFB-906C-61C1599AD121}" sibTransId="{74C214D7-5627-43D7-906C-5FD29F74DDB3}"/>
+    <dgm:cxn modelId="{D0535FB2-3190-411A-B124-D6DF62CEF94E}" type="presOf" srcId="{1D32DFE3-9A16-4A0F-85D1-34A794D7A500}" destId="{8F0CCF51-3EB9-4C9D-98C6-B1F49B7EFCB6}" srcOrd="0" destOrd="0" presId="urn:microsoft.com/office/officeart/2005/8/layout/hierarchy1"/>
     <dgm:cxn modelId="{417C67BE-E8ED-4D43-9F8D-8C7B1E086E0C}" type="presOf" srcId="{0725A183-E8CE-4EDC-AB97-6584AA1A7199}" destId="{297D92BB-F6DF-438D-9848-6FA1B0A95251}" srcOrd="0" destOrd="0" presId="urn:microsoft.com/office/officeart/2005/8/layout/hierarchy1"/>
-    <dgm:cxn modelId="{BC0BCD9E-1E34-4293-BB12-B71364E9FB2D}" srcId="{1D32DFE3-9A16-4A0F-85D1-34A794D7A500}" destId="{00737D0B-5E6B-4F45-9898-38209F00DF4E}" srcOrd="1" destOrd="0" parTransId="{57DD8661-501E-4AF4-BB47-9F9067AA275C}" sibTransId="{7A188BE7-FF80-45F8-A108-5BB8C262A269}"/>
+    <dgm:cxn modelId="{08F29AC2-2E4D-4041-B5FC-6E31B041482B}" type="presOf" srcId="{CF1A2CE0-3866-47F6-B4FE-4B864AA20991}" destId="{596C5575-76D4-4DAA-A238-9E4E72E1F245}" srcOrd="0" destOrd="0" presId="urn:microsoft.com/office/officeart/2005/8/layout/hierarchy1"/>
+    <dgm:cxn modelId="{5D95A1C5-6453-42CF-9277-4E618911E3D5}" srcId="{00737D0B-5E6B-4F45-9898-38209F00DF4E}" destId="{95066E40-B066-4D97-B339-BFD34CD796EF}" srcOrd="1" destOrd="0" parTransId="{9B95F094-F8C1-447A-82D6-EEBA9A3B5961}" sibTransId="{45854762-3170-4235-A39A-6FFC23A3B8BA}"/>
+    <dgm:cxn modelId="{8BC8CACC-D63A-4E1E-8DE5-720C35403604}" type="presOf" srcId="{43C910A3-62CA-45BA-A880-92F098C035CC}" destId="{F2170DE8-2661-45E8-B4F0-68CF51FD4B8F}" srcOrd="0" destOrd="0" presId="urn:microsoft.com/office/officeart/2005/8/layout/hierarchy1"/>
+    <dgm:cxn modelId="{3E2E51CD-07BE-444A-9A4A-446234526C58}" srcId="{3902BBE7-986B-4D03-81D5-EEEB24D738DA}" destId="{3D652887-738C-4EC8-8EFE-96A444630371}" srcOrd="1" destOrd="0" parTransId="{73D878AF-0D6A-4447-94C7-DF750A1BFD5D}" sibTransId="{5A028A64-D5A6-4DEF-94B0-4BE0C506733D}"/>
+    <dgm:cxn modelId="{57B6DBD9-BE97-406D-8567-B60E6B8AAFCD}" type="presOf" srcId="{4A35AFF6-FE67-4C04-8002-061C138CB54E}" destId="{B2878017-EE1E-4BE3-889A-8F47489EAD50}" srcOrd="0" destOrd="0" presId="urn:microsoft.com/office/officeart/2005/8/layout/hierarchy1"/>
+    <dgm:cxn modelId="{574100DC-B806-4E1C-9942-0622AAC05200}" type="presOf" srcId="{115ECDC7-DA82-408D-B398-B8BC4A1BB09A}" destId="{36DDFE3A-5712-4842-BB5B-64071B63C365}" srcOrd="0" destOrd="0" presId="urn:microsoft.com/office/officeart/2005/8/layout/hierarchy1"/>
+    <dgm:cxn modelId="{1B9259E0-8158-4D53-9A5D-5C710D5FC77C}" srcId="{3902BBE7-986B-4D03-81D5-EEEB24D738DA}" destId="{EC48B371-0F87-45D8-A43F-E87DC2930AE4}" srcOrd="2" destOrd="0" parTransId="{0B46BE59-F535-4406-87ED-ACE8C7DDC305}" sibTransId="{A802A6D3-9143-4D67-B7E1-BB2F6957392A}"/>
+    <dgm:cxn modelId="{B3293DE4-E865-4DA4-97D9-164634493B81}" type="presOf" srcId="{82259B30-C376-45B8-A634-278C2FD90138}" destId="{3E924B02-F8E0-4EAF-A6D8-5CFB06DD746D}" srcOrd="0" destOrd="0" presId="urn:microsoft.com/office/officeart/2005/8/layout/hierarchy1"/>
     <dgm:cxn modelId="{55431BEE-5C7A-4F70-B544-8D5731EE2E11}" type="presOf" srcId="{9B95F094-F8C1-447A-82D6-EEBA9A3B5961}" destId="{5AE8CEAA-A85E-4C12-B690-63E2E87ECBFC}" srcOrd="0" destOrd="0" presId="urn:microsoft.com/office/officeart/2005/8/layout/hierarchy1"/>
-    <dgm:cxn modelId="{8948EC03-CCE7-481E-86D2-A4F73BFB7450}" type="presOf" srcId="{3902BBE7-986B-4D03-81D5-EEEB24D738DA}" destId="{212A66FE-904A-4E5C-A5F5-704E02122B96}" srcOrd="0" destOrd="0" presId="urn:microsoft.com/office/officeart/2005/8/layout/hierarchy1"/>
-    <dgm:cxn modelId="{75955785-A637-4D28-AC5D-30A609743373}" srcId="{CBAC448E-F8A5-426F-9DA4-668DBB9E9752}" destId="{4A35AFF6-FE67-4C04-8002-061C138CB54E}" srcOrd="0" destOrd="0" parTransId="{D7B15259-DEA4-4D6E-9D7B-AFDD0C455D39}" sibTransId="{3DA22FAA-006A-4463-8BA7-1D776542AB8D}"/>
-    <dgm:cxn modelId="{EA939071-32D0-4F86-9BDC-4B5F85F49091}" srcId="{CBAC448E-F8A5-426F-9DA4-668DBB9E9752}" destId="{46031091-2721-4FAD-89A7-A9A54B6E5E30}" srcOrd="1" destOrd="0" parTransId="{A60E8972-07D1-4A91-8D19-243E8B3F8651}" sibTransId="{CE1A56BF-944D-41FF-9B2F-9BAD3026EB4B}"/>
+    <dgm:cxn modelId="{116F5CEF-3F4E-45B9-9B8F-C28E2B25A102}" srcId="{1D32DFE3-9A16-4A0F-85D1-34A794D7A500}" destId="{3902BBE7-986B-4D03-81D5-EEEB24D738DA}" srcOrd="2" destOrd="0" parTransId="{C519D907-A4B6-456E-B610-C4D537321AF0}" sibTransId="{0FFB2648-DB7F-4E6F-9978-FA211954D174}"/>
     <dgm:cxn modelId="{3AD84EF3-5646-44F1-8F79-C2661B0D4665}" type="presOf" srcId="{C519D907-A4B6-456E-B610-C4D537321AF0}" destId="{2F4409EB-492B-40E5-87B5-52AA833B8D60}" srcOrd="0" destOrd="0" presId="urn:microsoft.com/office/officeart/2005/8/layout/hierarchy1"/>
-    <dgm:cxn modelId="{3E2E51CD-07BE-444A-9A4A-446234526C58}" srcId="{3902BBE7-986B-4D03-81D5-EEEB24D738DA}" destId="{3D652887-738C-4EC8-8EFE-96A444630371}" srcOrd="1" destOrd="0" parTransId="{73D878AF-0D6A-4447-94C7-DF750A1BFD5D}" sibTransId="{5A028A64-D5A6-4DEF-94B0-4BE0C506733D}"/>
-    <dgm:cxn modelId="{93916066-C8AE-4CEA-B1E6-0CD44FB43FA5}" type="presOf" srcId="{CBAC448E-F8A5-426F-9DA4-668DBB9E9752}" destId="{F3A8B18A-49C1-4B21-9421-8C5E934961E4}" srcOrd="0" destOrd="0" presId="urn:microsoft.com/office/officeart/2005/8/layout/hierarchy1"/>
-    <dgm:cxn modelId="{71106DA4-2A09-4F4C-808F-2D7A7C958730}" type="presOf" srcId="{0B46BE59-F535-4406-87ED-ACE8C7DDC305}" destId="{D14F1C3E-DE0C-4DD0-97FE-7694C1DBAEA8}" srcOrd="0" destOrd="0" presId="urn:microsoft.com/office/officeart/2005/8/layout/hierarchy1"/>
-    <dgm:cxn modelId="{44CE368C-59DE-4D4C-8509-0744DA46BD14}" type="presOf" srcId="{61A41450-09B4-42D5-BCE4-C292A4B09CD1}" destId="{93FB690B-B7A6-464F-BC71-F11E08D068B7}" srcOrd="0" destOrd="0" presId="urn:microsoft.com/office/officeart/2005/8/layout/hierarchy1"/>
-    <dgm:cxn modelId="{2BF1C1B0-2CA3-458A-86B8-37A12DD1AD32}" srcId="{1D32DFE3-9A16-4A0F-85D1-34A794D7A500}" destId="{95796C9F-B4F8-4672-9989-922379664523}" srcOrd="0" destOrd="0" parTransId="{7329B386-B35F-4CFB-906C-61C1599AD121}" sibTransId="{74C214D7-5627-43D7-906C-5FD29F74DDB3}"/>
+    <dgm:cxn modelId="{6DBB54F5-FE6D-4A71-BDD2-71232E445EDA}" type="presOf" srcId="{46031091-2721-4FAD-89A7-A9A54B6E5E30}" destId="{94A211FF-1BB4-4B0D-BE9E-AA3C43E0ED35}" srcOrd="0" destOrd="0" presId="urn:microsoft.com/office/officeart/2005/8/layout/hierarchy1"/>
     <dgm:cxn modelId="{B79DFFF7-1C9A-41A6-A76C-CC08439144F5}" type="presOf" srcId="{D7B15259-DEA4-4D6E-9D7B-AFDD0C455D39}" destId="{E5991229-FCE0-42F8-A05A-4194599906BF}" srcOrd="0" destOrd="0" presId="urn:microsoft.com/office/officeart/2005/8/layout/hierarchy1"/>
-    <dgm:cxn modelId="{89484744-5F73-4498-BE17-2D2C04FEE4AB}" type="presOf" srcId="{354A7CA3-37A5-4F0C-B13F-121E73872409}" destId="{7809C915-0E71-44A9-9FF5-FA809221B027}" srcOrd="0" destOrd="0" presId="urn:microsoft.com/office/officeart/2005/8/layout/hierarchy1"/>
-    <dgm:cxn modelId="{096C9F90-FD45-4821-BBE8-48D85C04CA79}" type="presOf" srcId="{00737D0B-5E6B-4F45-9898-38209F00DF4E}" destId="{7FD02768-2C65-47D4-ACCE-F438DC71BA50}" srcOrd="0" destOrd="0" presId="urn:microsoft.com/office/officeart/2005/8/layout/hierarchy1"/>
-    <dgm:cxn modelId="{116F5CEF-3F4E-45B9-9B8F-C28E2B25A102}" srcId="{1D32DFE3-9A16-4A0F-85D1-34A794D7A500}" destId="{3902BBE7-986B-4D03-81D5-EEEB24D738DA}" srcOrd="2" destOrd="0" parTransId="{C519D907-A4B6-456E-B610-C4D537321AF0}" sibTransId="{0FFB2648-DB7F-4E6F-9978-FA211954D174}"/>
-    <dgm:cxn modelId="{393AD012-C996-41C3-B5D0-E8DCC8A205F5}" type="presOf" srcId="{EC48B371-0F87-45D8-A43F-E87DC2930AE4}" destId="{F0EF086B-6565-4FE5-ABF0-27931EB55AE2}" srcOrd="0" destOrd="0" presId="urn:microsoft.com/office/officeart/2005/8/layout/hierarchy1"/>
-    <dgm:cxn modelId="{39518939-DFEE-49E4-ACAD-E5306ADC363B}" srcId="{00737D0B-5E6B-4F45-9898-38209F00DF4E}" destId="{1A73E19A-2FF9-40AE-A45F-D8E4A180812F}" srcOrd="0" destOrd="0" parTransId="{354A7CA3-37A5-4F0C-B13F-121E73872409}" sibTransId="{C9459484-52CC-4BD3-85F1-C6399A2928D1}"/>
-    <dgm:cxn modelId="{10D7855A-B6A1-4C95-B895-0E77E6566430}" type="presOf" srcId="{73D878AF-0D6A-4447-94C7-DF750A1BFD5D}" destId="{E80E1B74-AC53-4CED-9382-30C5965CB41F}" srcOrd="0" destOrd="0" presId="urn:microsoft.com/office/officeart/2005/8/layout/hierarchy1"/>
-    <dgm:cxn modelId="{BC339104-E776-4ACF-A91A-A7BB4E94A61D}" srcId="{95796C9F-B4F8-4672-9989-922379664523}" destId="{CF1A2CE0-3866-47F6-B4FE-4B864AA20991}" srcOrd="0" destOrd="0" parTransId="{43C910A3-62CA-45BA-A880-92F098C035CC}" sibTransId="{207B3306-8847-4754-80A8-9C1DB4A7258F}"/>
-    <dgm:cxn modelId="{DABA9648-29D2-4ED6-9344-568EF6FEAF86}" srcId="{3902BBE7-986B-4D03-81D5-EEEB24D738DA}" destId="{0725A183-E8CE-4EDC-AB97-6584AA1A7199}" srcOrd="0" destOrd="0" parTransId="{82259B30-C376-45B8-A634-278C2FD90138}" sibTransId="{4318E9B2-973E-48F6-9006-574464EDBD31}"/>
-    <dgm:cxn modelId="{DED9B801-9383-40AE-956D-BC484032A2EB}" type="presOf" srcId="{57DD8661-501E-4AF4-BB47-9F9067AA275C}" destId="{96769A0B-EE7E-46FC-9E96-7ECD5333085B}" srcOrd="0" destOrd="0" presId="urn:microsoft.com/office/officeart/2005/8/layout/hierarchy1"/>
-    <dgm:cxn modelId="{892B223E-F7C8-4DBD-ADDD-26F566D6FC3A}" srcId="{1D32DFE3-9A16-4A0F-85D1-34A794D7A500}" destId="{CBAC448E-F8A5-426F-9DA4-668DBB9E9752}" srcOrd="3" destOrd="0" parTransId="{115ECDC7-DA82-408D-B398-B8BC4A1BB09A}" sibTransId="{C682E407-DE90-4A53-901E-E0B6F281313C}"/>
-    <dgm:cxn modelId="{D0535FB2-3190-411A-B124-D6DF62CEF94E}" type="presOf" srcId="{1D32DFE3-9A16-4A0F-85D1-34A794D7A500}" destId="{8F0CCF51-3EB9-4C9D-98C6-B1F49B7EFCB6}" srcOrd="0" destOrd="0" presId="urn:microsoft.com/office/officeart/2005/8/layout/hierarchy1"/>
-    <dgm:cxn modelId="{57B6DBD9-BE97-406D-8567-B60E6B8AAFCD}" type="presOf" srcId="{4A35AFF6-FE67-4C04-8002-061C138CB54E}" destId="{B2878017-EE1E-4BE3-889A-8F47489EAD50}" srcOrd="0" destOrd="0" presId="urn:microsoft.com/office/officeart/2005/8/layout/hierarchy1"/>
-    <dgm:cxn modelId="{B3293DE4-E865-4DA4-97D9-164634493B81}" type="presOf" srcId="{82259B30-C376-45B8-A634-278C2FD90138}" destId="{3E924B02-F8E0-4EAF-A6D8-5CFB06DD746D}" srcOrd="0" destOrd="0" presId="urn:microsoft.com/office/officeart/2005/8/layout/hierarchy1"/>
-    <dgm:cxn modelId="{5D95A1C5-6453-42CF-9277-4E618911E3D5}" srcId="{00737D0B-5E6B-4F45-9898-38209F00DF4E}" destId="{95066E40-B066-4D97-B339-BFD34CD796EF}" srcOrd="1" destOrd="0" parTransId="{9B95F094-F8C1-447A-82D6-EEBA9A3B5961}" sibTransId="{45854762-3170-4235-A39A-6FFC23A3B8BA}"/>
-    <dgm:cxn modelId="{574100DC-B806-4E1C-9942-0622AAC05200}" type="presOf" srcId="{115ECDC7-DA82-408D-B398-B8BC4A1BB09A}" destId="{36DDFE3A-5712-4842-BB5B-64071B63C365}" srcOrd="0" destOrd="0" presId="urn:microsoft.com/office/officeart/2005/8/layout/hierarchy1"/>
-    <dgm:cxn modelId="{8BC8CACC-D63A-4E1E-8DE5-720C35403604}" type="presOf" srcId="{43C910A3-62CA-45BA-A880-92F098C035CC}" destId="{F2170DE8-2661-45E8-B4F0-68CF51FD4B8F}" srcOrd="0" destOrd="0" presId="urn:microsoft.com/office/officeart/2005/8/layout/hierarchy1"/>
-    <dgm:cxn modelId="{3702857B-1305-4140-A15E-9C7647F9D951}" type="presOf" srcId="{7329B386-B35F-4CFB-906C-61C1599AD121}" destId="{F89F6CE0-1ECE-4CE3-9B65-B4E7F9708D82}" srcOrd="0" destOrd="0" presId="urn:microsoft.com/office/officeart/2005/8/layout/hierarchy1"/>
-    <dgm:cxn modelId="{1B9259E0-8158-4D53-9A5D-5C710D5FC77C}" srcId="{3902BBE7-986B-4D03-81D5-EEEB24D738DA}" destId="{EC48B371-0F87-45D8-A43F-E87DC2930AE4}" srcOrd="2" destOrd="0" parTransId="{0B46BE59-F535-4406-87ED-ACE8C7DDC305}" sibTransId="{A802A6D3-9143-4D67-B7E1-BB2F6957392A}"/>
-    <dgm:cxn modelId="{09CBCA3C-8B72-4908-8178-333221182EE0}" type="presOf" srcId="{1A73E19A-2FF9-40AE-A45F-D8E4A180812F}" destId="{D28FA95C-085E-49A5-9DCD-7D22E001624C}" srcOrd="0" destOrd="0" presId="urn:microsoft.com/office/officeart/2005/8/layout/hierarchy1"/>
-    <dgm:cxn modelId="{47865AA6-86FF-42CD-BAC3-7CFE41F6EDFF}" type="presOf" srcId="{95796C9F-B4F8-4672-9989-922379664523}" destId="{79B06C8B-73E5-4EC3-826F-2FD31046C912}" srcOrd="0" destOrd="0" presId="urn:microsoft.com/office/officeart/2005/8/layout/hierarchy1"/>
-    <dgm:cxn modelId="{A7483C4D-17D8-44A8-9984-D47B40B18219}" srcId="{61A41450-09B4-42D5-BCE4-C292A4B09CD1}" destId="{1D32DFE3-9A16-4A0F-85D1-34A794D7A500}" srcOrd="0" destOrd="0" parTransId="{2C37E51B-1EDB-46B9-BEB9-8037E1452658}" sibTransId="{4A705E68-BEF8-4A8B-887C-016E3D430E9B}"/>
-    <dgm:cxn modelId="{6DBB54F5-FE6D-4A71-BDD2-71232E445EDA}" type="presOf" srcId="{46031091-2721-4FAD-89A7-A9A54B6E5E30}" destId="{94A211FF-1BB4-4B0D-BE9E-AA3C43E0ED35}" srcOrd="0" destOrd="0" presId="urn:microsoft.com/office/officeart/2005/8/layout/hierarchy1"/>
-    <dgm:cxn modelId="{08F29AC2-2E4D-4041-B5FC-6E31B041482B}" type="presOf" srcId="{CF1A2CE0-3866-47F6-B4FE-4B864AA20991}" destId="{596C5575-76D4-4DAA-A238-9E4E72E1F245}" srcOrd="0" destOrd="0" presId="urn:microsoft.com/office/officeart/2005/8/layout/hierarchy1"/>
-    <dgm:cxn modelId="{67FCB315-3A73-4324-A5C1-EA49AC953AEB}" type="presOf" srcId="{A60E8972-07D1-4A91-8D19-243E8B3F8651}" destId="{9C99C6ED-2F02-4176-9F85-1E45FA9EA0AA}" srcOrd="0" destOrd="0" presId="urn:microsoft.com/office/officeart/2005/8/layout/hierarchy1"/>
     <dgm:cxn modelId="{6532B924-D62B-4D26-959B-2FDB9499CB56}" type="presParOf" srcId="{93FB690B-B7A6-464F-BC71-F11E08D068B7}" destId="{E717CFFF-2EBE-43E6-9612-CD7CAB48D8E6}" srcOrd="0" destOrd="0" presId="urn:microsoft.com/office/officeart/2005/8/layout/hierarchy1"/>
     <dgm:cxn modelId="{992E6DF7-27A4-40AE-8D28-7ABEA298A22F}" type="presParOf" srcId="{E717CFFF-2EBE-43E6-9612-CD7CAB48D8E6}" destId="{D00248EB-71C7-41C7-B83C-B5B84038F1D1}" srcOrd="0" destOrd="0" presId="urn:microsoft.com/office/officeart/2005/8/layout/hierarchy1"/>
     <dgm:cxn modelId="{20560759-A64D-45BD-B17F-35FBE5B461A1}" type="presParOf" srcId="{D00248EB-71C7-41C7-B83C-B5B84038F1D1}" destId="{F4234D91-5143-4B63-BED7-3C1D70518372}" srcOrd="0" destOrd="0" presId="urn:microsoft.com/office/officeart/2005/8/layout/hierarchy1"/>
@@ -5086,7 +4570,7 @@
         <a:lstStyle/>
         <a:p>
           <a:r>
-            <a:rPr lang="en-US" dirty="0" err="1" smtClean="0">
+            <a:rPr lang="en-US" dirty="0" err="1">
               <a:solidFill>
                 <a:schemeClr val="tx1"/>
               </a:solidFill>
@@ -5094,7 +4578,7 @@
             <a:t>Giao</a:t>
           </a:r>
           <a:r>
-            <a:rPr lang="en-US" dirty="0" smtClean="0">
+            <a:rPr lang="en-US" dirty="0">
               <a:solidFill>
                 <a:schemeClr val="tx1"/>
               </a:solidFill>
@@ -5102,7 +4586,7 @@
             <a:t> </a:t>
           </a:r>
           <a:r>
-            <a:rPr lang="en-US" dirty="0" err="1" smtClean="0">
+            <a:rPr lang="en-US" dirty="0" err="1">
               <a:solidFill>
                 <a:schemeClr val="tx1"/>
               </a:solidFill>
@@ -5110,7 +4594,7 @@
             <a:t>diện</a:t>
           </a:r>
           <a:r>
-            <a:rPr lang="en-US" dirty="0" smtClean="0">
+            <a:rPr lang="en-US" dirty="0">
               <a:solidFill>
                 <a:schemeClr val="tx1"/>
               </a:solidFill>
@@ -5118,7 +4602,7 @@
             <a:t> </a:t>
           </a:r>
           <a:r>
-            <a:rPr lang="en-US" dirty="0" err="1" smtClean="0">
+            <a:rPr lang="en-US" dirty="0" err="1">
               <a:solidFill>
                 <a:schemeClr val="tx1"/>
               </a:solidFill>
@@ -5126,7 +4610,7 @@
             <a:t>cho</a:t>
           </a:r>
           <a:r>
-            <a:rPr lang="en-US" dirty="0" smtClean="0">
+            <a:rPr lang="en-US" dirty="0">
               <a:solidFill>
                 <a:schemeClr val="tx1"/>
               </a:solidFill>
@@ -5134,7 +4618,7 @@
             <a:t> </a:t>
           </a:r>
           <a:r>
-            <a:rPr lang="en-US" dirty="0" err="1" smtClean="0">
+            <a:rPr lang="en-US" dirty="0" err="1">
               <a:solidFill>
                 <a:schemeClr val="tx1"/>
               </a:solidFill>
@@ -5142,7 +4626,7 @@
             <a:t>khách</a:t>
           </a:r>
           <a:r>
-            <a:rPr lang="en-US" dirty="0" smtClean="0">
+            <a:rPr lang="en-US" dirty="0">
               <a:solidFill>
                 <a:schemeClr val="tx1"/>
               </a:solidFill>
@@ -5150,7 +4634,7 @@
             <a:t> </a:t>
           </a:r>
           <a:r>
-            <a:rPr lang="en-US" dirty="0" err="1" smtClean="0">
+            <a:rPr lang="en-US" dirty="0" err="1">
               <a:solidFill>
                 <a:schemeClr val="tx1"/>
               </a:solidFill>
@@ -5195,7 +4679,7 @@
         <a:lstStyle/>
         <a:p>
           <a:r>
-            <a:rPr lang="en-US" dirty="0" err="1" smtClean="0">
+            <a:rPr lang="en-US" dirty="0" err="1">
               <a:solidFill>
                 <a:schemeClr val="tx1"/>
               </a:solidFill>
@@ -5203,7 +4687,7 @@
             <a:t>Giao</a:t>
           </a:r>
           <a:r>
-            <a:rPr lang="en-US" dirty="0" smtClean="0">
+            <a:rPr lang="en-US" dirty="0">
               <a:solidFill>
                 <a:schemeClr val="tx1"/>
               </a:solidFill>
@@ -5211,7 +4695,7 @@
             <a:t> </a:t>
           </a:r>
           <a:r>
-            <a:rPr lang="en-US" dirty="0" err="1" smtClean="0">
+            <a:rPr lang="en-US" dirty="0" err="1">
               <a:solidFill>
                 <a:schemeClr val="tx1"/>
               </a:solidFill>
@@ -5219,7 +4703,7 @@
             <a:t>diện</a:t>
           </a:r>
           <a:r>
-            <a:rPr lang="en-US" dirty="0" smtClean="0">
+            <a:rPr lang="en-US" dirty="0">
               <a:solidFill>
                 <a:schemeClr val="tx1"/>
               </a:solidFill>
@@ -5227,7 +4711,7 @@
             <a:t> </a:t>
           </a:r>
           <a:r>
-            <a:rPr lang="en-US" dirty="0" err="1" smtClean="0">
+            <a:rPr lang="en-US" dirty="0" err="1">
               <a:solidFill>
                 <a:schemeClr val="tx1"/>
               </a:solidFill>
@@ -5235,7 +4719,7 @@
             <a:t>cho</a:t>
           </a:r>
           <a:r>
-            <a:rPr lang="en-US" dirty="0" smtClean="0">
+            <a:rPr lang="en-US" dirty="0">
               <a:solidFill>
                 <a:schemeClr val="tx1"/>
               </a:solidFill>
@@ -5243,7 +4727,7 @@
             <a:t> </a:t>
           </a:r>
           <a:r>
-            <a:rPr lang="en-US" dirty="0" err="1" smtClean="0">
+            <a:rPr lang="en-US" dirty="0" err="1">
               <a:solidFill>
                 <a:schemeClr val="tx1"/>
               </a:solidFill>
@@ -5251,7 +4735,7 @@
             <a:t>nhân</a:t>
           </a:r>
           <a:r>
-            <a:rPr lang="en-US" dirty="0" smtClean="0">
+            <a:rPr lang="en-US" dirty="0">
               <a:solidFill>
                 <a:schemeClr val="tx1"/>
               </a:solidFill>
@@ -5259,7 +4743,7 @@
             <a:t> </a:t>
           </a:r>
           <a:r>
-            <a:rPr lang="en-US" dirty="0" err="1" smtClean="0">
+            <a:rPr lang="en-US" dirty="0" err="1">
               <a:solidFill>
                 <a:schemeClr val="tx1"/>
               </a:solidFill>
@@ -5382,13 +4866,13 @@
     </dgm:pt>
   </dgm:ptLst>
   <dgm:cxnLst>
-    <dgm:cxn modelId="{6159C0E1-6BAC-4C91-A06E-837E802BA8C7}" type="presOf" srcId="{6BE78E52-AC65-43F7-8F4A-3AE8CD8C6726}" destId="{BF18E5F9-AD70-49ED-855B-1E73AFDE7297}" srcOrd="0" destOrd="0" presId="urn:microsoft.com/office/officeart/2005/8/layout/radial2"/>
-    <dgm:cxn modelId="{842C90B7-7FF8-44CB-9134-A790B49544E0}" type="presOf" srcId="{310A344B-AD42-4A2C-B766-DF7CE2A21A86}" destId="{EAACB6E9-6BBC-4AE8-B06B-EAA60DA7872E}" srcOrd="0" destOrd="0" presId="urn:microsoft.com/office/officeart/2005/8/layout/radial2"/>
-    <dgm:cxn modelId="{F07E09CB-39F2-4FA9-852D-8D30B78233D4}" type="presOf" srcId="{21973405-730B-4F3B-A198-F5FC9DEF995A}" destId="{308744CE-0280-4B2C-8198-66B24D45DA67}" srcOrd="0" destOrd="0" presId="urn:microsoft.com/office/officeart/2005/8/layout/radial2"/>
-    <dgm:cxn modelId="{1B9B9594-56FD-4B53-9878-1F7462CFA575}" srcId="{CE306E1B-E88C-4CF4-86BA-CFC29DAC2B04}" destId="{657E8DD9-7D50-4A78-996C-D1EF6582AF7F}" srcOrd="1" destOrd="0" parTransId="{21973405-730B-4F3B-A198-F5FC9DEF995A}" sibTransId="{C30725DE-F84B-4BF8-B3A1-D63ECF331CC6}"/>
-    <dgm:cxn modelId="{4B5B39BA-E741-45DE-B80C-8749FC161C47}" type="presOf" srcId="{CE306E1B-E88C-4CF4-86BA-CFC29DAC2B04}" destId="{C5366ED4-F02F-48A2-9838-C3CA76518BBF}" srcOrd="0" destOrd="0" presId="urn:microsoft.com/office/officeart/2005/8/layout/radial2"/>
     <dgm:cxn modelId="{84B1AF65-E66D-45A6-818E-9ACE9E2697E9}" srcId="{CE306E1B-E88C-4CF4-86BA-CFC29DAC2B04}" destId="{6BE78E52-AC65-43F7-8F4A-3AE8CD8C6726}" srcOrd="0" destOrd="0" parTransId="{310A344B-AD42-4A2C-B766-DF7CE2A21A86}" sibTransId="{4484CF74-412D-43B9-A189-D93ED3B4FA35}"/>
     <dgm:cxn modelId="{93C6F86A-C03F-46E9-B005-46C687E8A09E}" type="presOf" srcId="{657E8DD9-7D50-4A78-996C-D1EF6582AF7F}" destId="{F41A1709-DC1F-48CF-AEEF-80C7CA70C42A}" srcOrd="0" destOrd="0" presId="urn:microsoft.com/office/officeart/2005/8/layout/radial2"/>
+    <dgm:cxn modelId="{1B9B9594-56FD-4B53-9878-1F7462CFA575}" srcId="{CE306E1B-E88C-4CF4-86BA-CFC29DAC2B04}" destId="{657E8DD9-7D50-4A78-996C-D1EF6582AF7F}" srcOrd="1" destOrd="0" parTransId="{21973405-730B-4F3B-A198-F5FC9DEF995A}" sibTransId="{C30725DE-F84B-4BF8-B3A1-D63ECF331CC6}"/>
+    <dgm:cxn modelId="{842C90B7-7FF8-44CB-9134-A790B49544E0}" type="presOf" srcId="{310A344B-AD42-4A2C-B766-DF7CE2A21A86}" destId="{EAACB6E9-6BBC-4AE8-B06B-EAA60DA7872E}" srcOrd="0" destOrd="0" presId="urn:microsoft.com/office/officeart/2005/8/layout/radial2"/>
+    <dgm:cxn modelId="{4B5B39BA-E741-45DE-B80C-8749FC161C47}" type="presOf" srcId="{CE306E1B-E88C-4CF4-86BA-CFC29DAC2B04}" destId="{C5366ED4-F02F-48A2-9838-C3CA76518BBF}" srcOrd="0" destOrd="0" presId="urn:microsoft.com/office/officeart/2005/8/layout/radial2"/>
+    <dgm:cxn modelId="{F07E09CB-39F2-4FA9-852D-8D30B78233D4}" type="presOf" srcId="{21973405-730B-4F3B-A198-F5FC9DEF995A}" destId="{308744CE-0280-4B2C-8198-66B24D45DA67}" srcOrd="0" destOrd="0" presId="urn:microsoft.com/office/officeart/2005/8/layout/radial2"/>
+    <dgm:cxn modelId="{6159C0E1-6BAC-4C91-A06E-837E802BA8C7}" type="presOf" srcId="{6BE78E52-AC65-43F7-8F4A-3AE8CD8C6726}" destId="{BF18E5F9-AD70-49ED-855B-1E73AFDE7297}" srcOrd="0" destOrd="0" presId="urn:microsoft.com/office/officeart/2005/8/layout/radial2"/>
     <dgm:cxn modelId="{12039137-52C1-44C3-89B6-1624256A9303}" type="presParOf" srcId="{C5366ED4-F02F-48A2-9838-C3CA76518BBF}" destId="{B5A9CDFE-9CE8-408B-8FD1-212C1C929A37}" srcOrd="0" destOrd="0" presId="urn:microsoft.com/office/officeart/2005/8/layout/radial2"/>
     <dgm:cxn modelId="{1D6DE280-3594-4E8E-857C-669C5EA8A44F}" type="presParOf" srcId="{B5A9CDFE-9CE8-408B-8FD1-212C1C929A37}" destId="{E7DFE43C-7AAB-4FF4-97E5-68D22464F688}" srcOrd="0" destOrd="0" presId="urn:microsoft.com/office/officeart/2005/8/layout/radial2"/>
     <dgm:cxn modelId="{7C4542F0-2FF9-4207-8AE6-610C78C642F9}" type="presParOf" srcId="{E7DFE43C-7AAB-4FF4-97E5-68D22464F688}" destId="{A02D2971-BD42-48B1-9F4C-137ED94D5ADD}" srcOrd="0" destOrd="0" presId="urn:microsoft.com/office/officeart/2005/8/layout/radial2"/>
@@ -5940,7 +5424,7 @@
         </a:bodyPr>
         <a:lstStyle/>
         <a:p>
-          <a:pPr lvl="0" algn="ctr" defTabSz="711200">
+          <a:pPr marL="0" lvl="0" indent="0" algn="ctr" defTabSz="711200">
             <a:lnSpc>
               <a:spcPct val="90000"/>
             </a:lnSpc>
@@ -5950,33 +5434,34 @@
             <a:spcAft>
               <a:spcPct val="35000"/>
             </a:spcAft>
+            <a:buNone/>
           </a:pPr>
           <a:r>
-            <a:rPr lang="en-US" sz="1600" kern="1200" dirty="0" err="1" smtClean="0"/>
+            <a:rPr lang="en-US" sz="1600" kern="1200" dirty="0" err="1"/>
             <a:t>Cơ</a:t>
           </a:r>
           <a:r>
-            <a:rPr lang="en-US" sz="1600" kern="1200" dirty="0" smtClean="0"/>
+            <a:rPr lang="en-US" sz="1600" kern="1200" dirty="0"/>
             <a:t> </a:t>
           </a:r>
           <a:r>
-            <a:rPr lang="en-US" sz="1600" kern="1200" dirty="0" err="1" smtClean="0"/>
+            <a:rPr lang="en-US" sz="1600" kern="1200" dirty="0" err="1"/>
             <a:t>cấu</a:t>
           </a:r>
           <a:r>
-            <a:rPr lang="en-US" sz="1600" kern="1200" dirty="0" smtClean="0"/>
+            <a:rPr lang="en-US" sz="1600" kern="1200" dirty="0"/>
             <a:t> </a:t>
           </a:r>
           <a:r>
-            <a:rPr lang="en-US" sz="1600" kern="1200" dirty="0" err="1" smtClean="0"/>
+            <a:rPr lang="en-US" sz="1600" kern="1200" dirty="0" err="1"/>
             <a:t>tổ</a:t>
           </a:r>
           <a:r>
-            <a:rPr lang="en-US" sz="1600" kern="1200" dirty="0" smtClean="0"/>
+            <a:rPr lang="en-US" sz="1600" kern="1200" dirty="0"/>
             <a:t> </a:t>
           </a:r>
           <a:r>
-            <a:rPr lang="en-US" sz="1600" kern="1200" dirty="0" err="1" smtClean="0"/>
+            <a:rPr lang="en-US" sz="1600" kern="1200" dirty="0" err="1"/>
             <a:t>chức</a:t>
           </a:r>
           <a:endParaRPr lang="en-US" sz="1600" kern="1200" dirty="0"/>
@@ -6093,7 +5578,7 @@
         </a:bodyPr>
         <a:lstStyle/>
         <a:p>
-          <a:pPr lvl="0" algn="ctr" defTabSz="711200">
+          <a:pPr marL="0" lvl="0" indent="0" algn="ctr" defTabSz="711200">
             <a:lnSpc>
               <a:spcPct val="90000"/>
             </a:lnSpc>
@@ -6103,33 +5588,34 @@
             <a:spcAft>
               <a:spcPct val="35000"/>
             </a:spcAft>
+            <a:buNone/>
           </a:pPr>
           <a:r>
-            <a:rPr lang="en-US" sz="1600" kern="1200" dirty="0" err="1" smtClean="0"/>
+            <a:rPr lang="en-US" sz="1600" kern="1200" dirty="0" err="1"/>
             <a:t>Bộ</a:t>
           </a:r>
           <a:r>
-            <a:rPr lang="en-US" sz="1600" kern="1200" dirty="0" smtClean="0"/>
+            <a:rPr lang="en-US" sz="1600" kern="1200" dirty="0"/>
             <a:t> </a:t>
           </a:r>
           <a:r>
-            <a:rPr lang="en-US" sz="1600" kern="1200" dirty="0" err="1" smtClean="0"/>
+            <a:rPr lang="en-US" sz="1600" kern="1200" dirty="0" err="1"/>
             <a:t>phận</a:t>
           </a:r>
           <a:r>
-            <a:rPr lang="en-US" sz="1600" kern="1200" dirty="0" smtClean="0"/>
+            <a:rPr lang="en-US" sz="1600" kern="1200" dirty="0"/>
             <a:t> </a:t>
           </a:r>
           <a:r>
-            <a:rPr lang="en-US" sz="1600" kern="1200" dirty="0" err="1" smtClean="0"/>
+            <a:rPr lang="en-US" sz="1600" kern="1200" dirty="0" err="1"/>
             <a:t>quản</a:t>
           </a:r>
           <a:r>
-            <a:rPr lang="en-US" sz="1600" kern="1200" dirty="0" smtClean="0"/>
+            <a:rPr lang="en-US" sz="1600" kern="1200" dirty="0"/>
             <a:t> </a:t>
           </a:r>
           <a:r>
-            <a:rPr lang="en-US" sz="1600" kern="1200" dirty="0" err="1" smtClean="0"/>
+            <a:rPr lang="en-US" sz="1600" kern="1200" dirty="0" err="1"/>
             <a:t>lý</a:t>
           </a:r>
           <a:endParaRPr lang="en-US" sz="1600" kern="1200" dirty="0"/>
@@ -6246,7 +5732,7 @@
         </a:bodyPr>
         <a:lstStyle/>
         <a:p>
-          <a:pPr lvl="0" algn="ctr" defTabSz="711200">
+          <a:pPr marL="0" lvl="0" indent="0" algn="ctr" defTabSz="711200">
             <a:lnSpc>
               <a:spcPct val="90000"/>
             </a:lnSpc>
@@ -6256,33 +5742,34 @@
             <a:spcAft>
               <a:spcPct val="35000"/>
             </a:spcAft>
+            <a:buNone/>
           </a:pPr>
           <a:r>
-            <a:rPr lang="en-US" sz="1600" b="0" kern="1200" dirty="0" err="1" smtClean="0"/>
+            <a:rPr lang="en-US" sz="1600" b="0" kern="1200" dirty="0" err="1"/>
             <a:t>Bộ</a:t>
           </a:r>
           <a:r>
-            <a:rPr lang="en-US" sz="1600" b="0" kern="1200" dirty="0" smtClean="0"/>
+            <a:rPr lang="en-US" sz="1600" b="0" kern="1200" dirty="0"/>
             <a:t> </a:t>
           </a:r>
           <a:r>
-            <a:rPr lang="en-US" sz="1600" b="0" kern="1200" dirty="0" err="1" smtClean="0"/>
+            <a:rPr lang="en-US" sz="1600" b="0" kern="1200" dirty="0" err="1"/>
             <a:t>phận</a:t>
           </a:r>
           <a:r>
-            <a:rPr lang="en-US" sz="1600" b="0" kern="1200" dirty="0" smtClean="0"/>
+            <a:rPr lang="en-US" sz="1600" b="0" kern="1200" dirty="0"/>
             <a:t> </a:t>
           </a:r>
           <a:r>
-            <a:rPr lang="en-US" sz="1600" b="0" kern="1200" dirty="0" err="1" smtClean="0"/>
+            <a:rPr lang="en-US" sz="1600" b="0" kern="1200" dirty="0" err="1"/>
             <a:t>nghiệp</a:t>
           </a:r>
           <a:r>
-            <a:rPr lang="en-US" sz="1600" b="0" kern="1200" dirty="0" smtClean="0"/>
+            <a:rPr lang="en-US" sz="1600" b="0" kern="1200" dirty="0"/>
             <a:t> </a:t>
           </a:r>
           <a:r>
-            <a:rPr lang="en-US" sz="1600" b="0" kern="1200" dirty="0" err="1" smtClean="0"/>
+            <a:rPr lang="en-US" sz="1600" b="0" kern="1200" dirty="0" err="1"/>
             <a:t>vụ</a:t>
           </a:r>
           <a:endParaRPr lang="en-US" sz="1600" b="0" kern="1200" dirty="0"/>
@@ -6399,7 +5886,7 @@
         </a:bodyPr>
         <a:lstStyle/>
         <a:p>
-          <a:pPr lvl="0" algn="ctr" defTabSz="711200">
+          <a:pPr marL="0" lvl="0" indent="0" algn="ctr" defTabSz="711200">
             <a:lnSpc>
               <a:spcPct val="90000"/>
             </a:lnSpc>
@@ -6409,33 +5896,34 @@
             <a:spcAft>
               <a:spcPct val="35000"/>
             </a:spcAft>
+            <a:buNone/>
           </a:pPr>
           <a:r>
-            <a:rPr lang="en-US" sz="1600" kern="1200" dirty="0" err="1" smtClean="0"/>
+            <a:rPr lang="en-US" sz="1600" kern="1200" dirty="0" err="1"/>
             <a:t>Bộ</a:t>
           </a:r>
           <a:r>
-            <a:rPr lang="en-US" sz="1600" kern="1200" dirty="0" smtClean="0"/>
+            <a:rPr lang="en-US" sz="1600" kern="1200" dirty="0"/>
             <a:t> </a:t>
           </a:r>
           <a:r>
-            <a:rPr lang="en-US" sz="1600" kern="1200" dirty="0" err="1" smtClean="0"/>
+            <a:rPr lang="en-US" sz="1600" kern="1200" dirty="0" err="1"/>
             <a:t>phận</a:t>
           </a:r>
           <a:r>
-            <a:rPr lang="en-US" sz="1600" kern="1200" dirty="0" smtClean="0"/>
+            <a:rPr lang="en-US" sz="1600" kern="1200" dirty="0"/>
             <a:t> </a:t>
           </a:r>
           <a:r>
-            <a:rPr lang="en-US" sz="1600" kern="1200" dirty="0" err="1" smtClean="0"/>
+            <a:rPr lang="en-US" sz="1600" kern="1200" dirty="0" err="1"/>
             <a:t>thu</a:t>
           </a:r>
           <a:r>
-            <a:rPr lang="en-US" sz="1600" kern="1200" dirty="0" smtClean="0"/>
+            <a:rPr lang="en-US" sz="1600" kern="1200" dirty="0"/>
             <a:t> </a:t>
           </a:r>
           <a:r>
-            <a:rPr lang="en-US" sz="1600" kern="1200" dirty="0" err="1" smtClean="0"/>
+            <a:rPr lang="en-US" sz="1600" kern="1200" dirty="0" err="1"/>
             <a:t>ngân</a:t>
           </a:r>
           <a:endParaRPr lang="en-US" sz="1600" b="0" kern="1200" dirty="0"/>
@@ -6552,7 +6040,7 @@
         </a:bodyPr>
         <a:lstStyle/>
         <a:p>
-          <a:pPr lvl="0" algn="ctr" defTabSz="711200">
+          <a:pPr marL="0" lvl="0" indent="0" algn="ctr" defTabSz="711200">
             <a:lnSpc>
               <a:spcPct val="90000"/>
             </a:lnSpc>
@@ -6562,33 +6050,34 @@
             <a:spcAft>
               <a:spcPct val="35000"/>
             </a:spcAft>
+            <a:buNone/>
           </a:pPr>
           <a:r>
-            <a:rPr lang="en-US" sz="1600" kern="1200" dirty="0" err="1" smtClean="0"/>
+            <a:rPr lang="en-US" sz="1600" kern="1200" dirty="0" err="1"/>
             <a:t>Bộ</a:t>
           </a:r>
           <a:r>
-            <a:rPr lang="en-US" sz="1600" kern="1200" dirty="0" smtClean="0"/>
+            <a:rPr lang="en-US" sz="1600" kern="1200" dirty="0"/>
             <a:t> </a:t>
           </a:r>
           <a:r>
-            <a:rPr lang="en-US" sz="1600" kern="1200" dirty="0" err="1" smtClean="0"/>
+            <a:rPr lang="en-US" sz="1600" kern="1200" dirty="0" err="1"/>
             <a:t>phận</a:t>
           </a:r>
           <a:r>
-            <a:rPr lang="en-US" sz="1600" kern="1200" dirty="0" smtClean="0"/>
+            <a:rPr lang="en-US" sz="1600" kern="1200" dirty="0"/>
             <a:t> </a:t>
           </a:r>
           <a:r>
-            <a:rPr lang="en-US" sz="1600" kern="1200" dirty="0" err="1" smtClean="0"/>
+            <a:rPr lang="en-US" sz="1600" kern="1200" dirty="0" err="1"/>
             <a:t>phục</a:t>
           </a:r>
           <a:r>
-            <a:rPr lang="en-US" sz="1600" kern="1200" dirty="0" smtClean="0"/>
+            <a:rPr lang="en-US" sz="1600" kern="1200" dirty="0"/>
             <a:t> </a:t>
           </a:r>
           <a:r>
-            <a:rPr lang="en-US" sz="1600" kern="1200" dirty="0" err="1" smtClean="0"/>
+            <a:rPr lang="en-US" sz="1600" kern="1200" dirty="0" err="1"/>
             <a:t>vụ</a:t>
           </a:r>
           <a:endParaRPr lang="en-US" sz="1600" b="0" kern="1200" dirty="0"/>
@@ -6705,7 +6194,7 @@
         </a:bodyPr>
         <a:lstStyle/>
         <a:p>
-          <a:pPr lvl="0" algn="ctr" defTabSz="711200">
+          <a:pPr marL="0" lvl="0" indent="0" algn="ctr" defTabSz="711200">
             <a:lnSpc>
               <a:spcPct val="90000"/>
             </a:lnSpc>
@@ -6715,41 +6204,42 @@
             <a:spcAft>
               <a:spcPct val="35000"/>
             </a:spcAft>
+            <a:buNone/>
           </a:pPr>
           <a:r>
-            <a:rPr lang="en-US" sz="1600" kern="1200" dirty="0" err="1" smtClean="0"/>
+            <a:rPr lang="en-US" sz="1600" kern="1200" dirty="0" err="1"/>
             <a:t>Bộ</a:t>
           </a:r>
           <a:r>
-            <a:rPr lang="en-US" sz="1600" kern="1200" dirty="0" smtClean="0"/>
+            <a:rPr lang="en-US" sz="1600" kern="1200" dirty="0"/>
             <a:t> </a:t>
           </a:r>
           <a:r>
-            <a:rPr lang="en-US" sz="1600" kern="1200" dirty="0" err="1" smtClean="0"/>
+            <a:rPr lang="en-US" sz="1600" kern="1200" dirty="0" err="1"/>
             <a:t>phận</a:t>
           </a:r>
           <a:r>
-            <a:rPr lang="en-US" sz="1600" kern="1200" dirty="0" smtClean="0"/>
+            <a:rPr lang="en-US" sz="1600" kern="1200" dirty="0"/>
             <a:t> </a:t>
           </a:r>
           <a:r>
-            <a:rPr lang="en-US" sz="1600" kern="1200" dirty="0" err="1" smtClean="0"/>
+            <a:rPr lang="en-US" sz="1600" kern="1200" dirty="0" err="1"/>
             <a:t>pha</a:t>
           </a:r>
           <a:r>
-            <a:rPr lang="en-US" sz="1600" kern="1200" dirty="0" smtClean="0"/>
+            <a:rPr lang="en-US" sz="1600" kern="1200" dirty="0"/>
             <a:t> </a:t>
           </a:r>
           <a:r>
-            <a:rPr lang="en-US" sz="1600" kern="1200" dirty="0" err="1" smtClean="0"/>
+            <a:rPr lang="en-US" sz="1600" kern="1200" dirty="0" err="1"/>
             <a:t>chế</a:t>
           </a:r>
           <a:r>
-            <a:rPr lang="en-US" sz="1600" kern="1200" dirty="0" smtClean="0"/>
+            <a:rPr lang="en-US" sz="1600" kern="1200" dirty="0"/>
             <a:t> </a:t>
           </a:r>
           <a:r>
-            <a:rPr lang="en-US" sz="1600" kern="1200" dirty="0" err="1" smtClean="0"/>
+            <a:rPr lang="en-US" sz="1600" kern="1200" dirty="0" err="1"/>
             <a:t>bếp</a:t>
           </a:r>
           <a:endParaRPr lang="en-US" sz="1600" b="0" kern="1200" dirty="0"/>
@@ -6866,7 +6356,7 @@
         </a:bodyPr>
         <a:lstStyle/>
         <a:p>
-          <a:pPr lvl="0" algn="ctr" defTabSz="711200">
+          <a:pPr marL="0" lvl="0" indent="0" algn="ctr" defTabSz="711200">
             <a:lnSpc>
               <a:spcPct val="90000"/>
             </a:lnSpc>
@@ -6876,9 +6366,10 @@
             <a:spcAft>
               <a:spcPct val="35000"/>
             </a:spcAft>
+            <a:buNone/>
           </a:pPr>
           <a:r>
-            <a:rPr lang="vi-VN" sz="1600" kern="1200" dirty="0" smtClean="0">
+            <a:rPr lang="vi-VN" sz="1600" kern="1200" dirty="0">
               <a:latin typeface="Calibri" pitchFamily="34" charset="0"/>
               <a:cs typeface="Calibri" pitchFamily="34" charset="0"/>
             </a:rPr>
@@ -7001,7 +6492,7 @@
         </a:bodyPr>
         <a:lstStyle/>
         <a:p>
-          <a:pPr lvl="0" algn="ctr" defTabSz="711200">
+          <a:pPr marL="0" lvl="0" indent="0" algn="ctr" defTabSz="711200">
             <a:lnSpc>
               <a:spcPct val="90000"/>
             </a:lnSpc>
@@ -7011,33 +6502,34 @@
             <a:spcAft>
               <a:spcPct val="35000"/>
             </a:spcAft>
+            <a:buNone/>
           </a:pPr>
           <a:r>
-            <a:rPr lang="en-US" sz="1600" kern="1200" dirty="0" err="1" smtClean="0"/>
+            <a:rPr lang="en-US" sz="1600" kern="1200" dirty="0" err="1"/>
             <a:t>Bộ</a:t>
           </a:r>
           <a:r>
-            <a:rPr lang="en-US" sz="1600" kern="1200" dirty="0" smtClean="0"/>
+            <a:rPr lang="en-US" sz="1600" kern="1200" dirty="0"/>
             <a:t> </a:t>
           </a:r>
           <a:r>
-            <a:rPr lang="en-US" sz="1600" kern="1200" dirty="0" err="1" smtClean="0"/>
+            <a:rPr lang="en-US" sz="1600" kern="1200" dirty="0" err="1"/>
             <a:t>phận</a:t>
           </a:r>
           <a:r>
-            <a:rPr lang="en-US" sz="1600" kern="1200" dirty="0" smtClean="0"/>
+            <a:rPr lang="en-US" sz="1600" kern="1200" dirty="0"/>
             <a:t> </a:t>
           </a:r>
           <a:r>
-            <a:rPr lang="en-US" sz="1600" kern="1200" dirty="0" err="1" smtClean="0"/>
+            <a:rPr lang="en-US" sz="1600" kern="1200" dirty="0" err="1"/>
             <a:t>tạp</a:t>
           </a:r>
           <a:r>
-            <a:rPr lang="en-US" sz="1600" kern="1200" dirty="0" smtClean="0"/>
+            <a:rPr lang="en-US" sz="1600" kern="1200" dirty="0"/>
             <a:t> </a:t>
           </a:r>
           <a:r>
-            <a:rPr lang="en-US" sz="1600" kern="1200" dirty="0" err="1" smtClean="0"/>
+            <a:rPr lang="en-US" sz="1600" kern="1200" dirty="0" err="1"/>
             <a:t>vụ</a:t>
           </a:r>
           <a:endParaRPr lang="en-US" sz="1600" b="0" kern="1200" dirty="0"/>
@@ -7874,7 +7366,7 @@
         </a:bodyPr>
         <a:lstStyle/>
         <a:p>
-          <a:pPr lvl="0" algn="ctr" defTabSz="711200">
+          <a:pPr marL="0" lvl="0" indent="0" algn="ctr" defTabSz="711200">
             <a:lnSpc>
               <a:spcPct val="90000"/>
             </a:lnSpc>
@@ -7884,25 +7376,26 @@
             <a:spcAft>
               <a:spcPct val="35000"/>
             </a:spcAft>
+            <a:buNone/>
           </a:pPr>
           <a:r>
-            <a:rPr lang="en-US" sz="1600" kern="1200" dirty="0" err="1" smtClean="0"/>
+            <a:rPr lang="en-US" sz="1600" kern="1200" dirty="0" err="1"/>
             <a:t>Hệ</a:t>
           </a:r>
           <a:r>
-            <a:rPr lang="en-US" sz="1600" kern="1200" dirty="0" smtClean="0"/>
+            <a:rPr lang="en-US" sz="1600" kern="1200" dirty="0"/>
             <a:t> </a:t>
           </a:r>
           <a:r>
-            <a:rPr lang="en-US" sz="1600" kern="1200" dirty="0" err="1" smtClean="0"/>
+            <a:rPr lang="en-US" sz="1600" kern="1200" dirty="0" err="1"/>
             <a:t>thống</a:t>
           </a:r>
           <a:r>
-            <a:rPr lang="en-US" sz="1600" kern="1200" dirty="0" smtClean="0"/>
+            <a:rPr lang="en-US" sz="1600" kern="1200" dirty="0"/>
             <a:t> </a:t>
           </a:r>
           <a:r>
-            <a:rPr lang="en-US" sz="1600" kern="1200" dirty="0" err="1" smtClean="0"/>
+            <a:rPr lang="en-US" sz="1600" kern="1200" dirty="0" err="1"/>
             <a:t>QLQNGK</a:t>
           </a:r>
           <a:endParaRPr lang="en-US" sz="1600" kern="1200" dirty="0"/>
@@ -8019,7 +7512,7 @@
         </a:bodyPr>
         <a:lstStyle/>
         <a:p>
-          <a:pPr lvl="0" algn="ctr" defTabSz="711200">
+          <a:pPr marL="0" lvl="0" indent="0" algn="ctr" defTabSz="711200">
             <a:lnSpc>
               <a:spcPct val="90000"/>
             </a:lnSpc>
@@ -8029,25 +7522,26 @@
             <a:spcAft>
               <a:spcPct val="35000"/>
             </a:spcAft>
+            <a:buNone/>
           </a:pPr>
           <a:r>
-            <a:rPr lang="en-US" sz="1600" kern="1200" dirty="0" err="1" smtClean="0"/>
+            <a:rPr lang="en-US" sz="1600" kern="1200" dirty="0" err="1"/>
             <a:t>QL</a:t>
           </a:r>
           <a:r>
-            <a:rPr lang="en-US" sz="1600" kern="1200" dirty="0" smtClean="0"/>
+            <a:rPr lang="en-US" sz="1600" kern="1200" dirty="0"/>
             <a:t> </a:t>
           </a:r>
           <a:r>
-            <a:rPr lang="en-US" sz="1600" kern="1200" dirty="0" err="1" smtClean="0"/>
+            <a:rPr lang="en-US" sz="1600" kern="1200" dirty="0" err="1"/>
             <a:t>Hệ</a:t>
           </a:r>
           <a:r>
-            <a:rPr lang="en-US" sz="1600" kern="1200" dirty="0" smtClean="0"/>
+            <a:rPr lang="en-US" sz="1600" kern="1200" dirty="0"/>
             <a:t> </a:t>
           </a:r>
           <a:r>
-            <a:rPr lang="en-US" sz="1600" kern="1200" dirty="0" err="1" smtClean="0"/>
+            <a:rPr lang="en-US" sz="1600" kern="1200" dirty="0" err="1"/>
             <a:t>thống</a:t>
           </a:r>
           <a:endParaRPr lang="en-US" sz="1600" kern="1200" dirty="0"/>
@@ -8164,7 +7658,7 @@
         </a:bodyPr>
         <a:lstStyle/>
         <a:p>
-          <a:pPr lvl="0" algn="ctr" defTabSz="711200">
+          <a:pPr marL="0" lvl="0" indent="0" algn="ctr" defTabSz="711200">
             <a:lnSpc>
               <a:spcPct val="90000"/>
             </a:lnSpc>
@@ -8174,33 +7668,34 @@
             <a:spcAft>
               <a:spcPct val="35000"/>
             </a:spcAft>
+            <a:buNone/>
           </a:pPr>
           <a:r>
-            <a:rPr lang="en-US" sz="1600" kern="1200" dirty="0" err="1" smtClean="0"/>
+            <a:rPr lang="en-US" sz="1600" kern="1200" dirty="0" err="1"/>
             <a:t>Quản</a:t>
           </a:r>
           <a:r>
-            <a:rPr lang="en-US" sz="1600" kern="1200" dirty="0" smtClean="0"/>
+            <a:rPr lang="en-US" sz="1600" kern="1200" dirty="0"/>
             <a:t> </a:t>
           </a:r>
           <a:r>
-            <a:rPr lang="en-US" sz="1600" kern="1200" dirty="0" err="1" smtClean="0"/>
+            <a:rPr lang="en-US" sz="1600" kern="1200" dirty="0" err="1"/>
             <a:t>lý</a:t>
           </a:r>
           <a:r>
-            <a:rPr lang="en-US" sz="1600" kern="1200" dirty="0" smtClean="0"/>
+            <a:rPr lang="en-US" sz="1600" kern="1200" dirty="0"/>
             <a:t> </a:t>
           </a:r>
           <a:r>
-            <a:rPr lang="en-US" sz="1600" kern="1200" dirty="0" err="1" smtClean="0"/>
+            <a:rPr lang="en-US" sz="1600" kern="1200" dirty="0" err="1"/>
             <a:t>tài</a:t>
           </a:r>
           <a:r>
-            <a:rPr lang="en-US" sz="1600" kern="1200" dirty="0" smtClean="0"/>
+            <a:rPr lang="en-US" sz="1600" kern="1200" dirty="0"/>
             <a:t> </a:t>
           </a:r>
           <a:r>
-            <a:rPr lang="en-US" sz="1600" kern="1200" dirty="0" err="1" smtClean="0"/>
+            <a:rPr lang="en-US" sz="1600" kern="1200" dirty="0" err="1"/>
             <a:t>khoản</a:t>
           </a:r>
           <a:endParaRPr lang="en-US" sz="1600" kern="1200" dirty="0"/>
@@ -8317,7 +7812,7 @@
         </a:bodyPr>
         <a:lstStyle/>
         <a:p>
-          <a:pPr lvl="0" algn="ctr" defTabSz="711200">
+          <a:pPr marL="0" lvl="0" indent="0" algn="ctr" defTabSz="711200">
             <a:lnSpc>
               <a:spcPct val="90000"/>
             </a:lnSpc>
@@ -8327,25 +7822,26 @@
             <a:spcAft>
               <a:spcPct val="35000"/>
             </a:spcAft>
+            <a:buNone/>
           </a:pPr>
           <a:r>
-            <a:rPr lang="en-US" sz="1600" b="0" kern="1200" dirty="0" err="1" smtClean="0"/>
+            <a:rPr lang="en-US" sz="1600" b="0" kern="1200" dirty="0" err="1"/>
             <a:t>QL</a:t>
           </a:r>
           <a:r>
-            <a:rPr lang="en-US" sz="1600" b="0" kern="1200" dirty="0" smtClean="0"/>
+            <a:rPr lang="en-US" sz="1600" b="0" kern="1200" dirty="0"/>
             <a:t> </a:t>
           </a:r>
           <a:r>
-            <a:rPr lang="en-US" sz="1600" b="0" kern="1200" dirty="0" err="1" smtClean="0"/>
+            <a:rPr lang="en-US" sz="1600" b="0" kern="1200" dirty="0" err="1"/>
             <a:t>Danh</a:t>
           </a:r>
           <a:r>
-            <a:rPr lang="en-US" sz="1600" b="0" kern="1200" dirty="0" smtClean="0"/>
+            <a:rPr lang="en-US" sz="1600" b="0" kern="1200" dirty="0"/>
             <a:t> </a:t>
           </a:r>
           <a:r>
-            <a:rPr lang="en-US" sz="1600" b="0" kern="1200" dirty="0" err="1" smtClean="0"/>
+            <a:rPr lang="en-US" sz="1600" b="0" kern="1200" dirty="0" err="1"/>
             <a:t>mục</a:t>
           </a:r>
           <a:endParaRPr lang="en-US" sz="1600" b="0" kern="1200" dirty="0"/>
@@ -8462,7 +7958,7 @@
         </a:bodyPr>
         <a:lstStyle/>
         <a:p>
-          <a:pPr lvl="0" algn="ctr" defTabSz="711200">
+          <a:pPr marL="0" lvl="0" indent="0" algn="ctr" defTabSz="711200">
             <a:lnSpc>
               <a:spcPct val="90000"/>
             </a:lnSpc>
@@ -8472,17 +7968,18 @@
             <a:spcAft>
               <a:spcPct val="35000"/>
             </a:spcAft>
+            <a:buNone/>
           </a:pPr>
           <a:r>
-            <a:rPr lang="en-US" sz="1600" b="0" kern="1200" dirty="0" err="1" smtClean="0"/>
+            <a:rPr lang="en-US" sz="1600" b="0" kern="1200" dirty="0" err="1"/>
             <a:t>QL</a:t>
           </a:r>
           <a:r>
-            <a:rPr lang="en-US" sz="1600" b="0" kern="1200" dirty="0" smtClean="0"/>
+            <a:rPr lang="en-US" sz="1600" b="0" kern="1200" dirty="0"/>
             <a:t> </a:t>
           </a:r>
           <a:r>
-            <a:rPr lang="en-US" sz="1600" b="0" kern="1200" dirty="0" err="1" smtClean="0"/>
+            <a:rPr lang="en-US" sz="1600" b="0" kern="1200" dirty="0" err="1"/>
             <a:t>Bàn</a:t>
           </a:r>
           <a:endParaRPr lang="en-US" sz="1600" b="0" kern="1200" dirty="0"/>
@@ -8599,7 +8096,7 @@
         </a:bodyPr>
         <a:lstStyle/>
         <a:p>
-          <a:pPr lvl="0" algn="ctr" defTabSz="711200">
+          <a:pPr marL="0" lvl="0" indent="0" algn="ctr" defTabSz="711200">
             <a:lnSpc>
               <a:spcPct val="90000"/>
             </a:lnSpc>
@@ -8609,25 +8106,26 @@
             <a:spcAft>
               <a:spcPct val="35000"/>
             </a:spcAft>
+            <a:buNone/>
           </a:pPr>
           <a:r>
-            <a:rPr lang="en-US" sz="1600" b="0" kern="1200" dirty="0" err="1" smtClean="0"/>
+            <a:rPr lang="en-US" sz="1600" b="0" kern="1200" dirty="0" err="1"/>
             <a:t>QL</a:t>
           </a:r>
           <a:r>
-            <a:rPr lang="en-US" sz="1600" b="0" kern="1200" dirty="0" smtClean="0"/>
+            <a:rPr lang="en-US" sz="1600" b="0" kern="1200" dirty="0"/>
             <a:t> </a:t>
           </a:r>
           <a:r>
-            <a:rPr lang="en-US" sz="1600" b="0" kern="1200" dirty="0" err="1" smtClean="0"/>
+            <a:rPr lang="en-US" sz="1600" b="0" kern="1200" dirty="0" err="1"/>
             <a:t>Hàng</a:t>
           </a:r>
           <a:r>
-            <a:rPr lang="en-US" sz="1600" b="0" kern="1200" dirty="0" smtClean="0"/>
+            <a:rPr lang="en-US" sz="1600" b="0" kern="1200" dirty="0"/>
             <a:t> </a:t>
           </a:r>
           <a:r>
-            <a:rPr lang="en-US" sz="1600" b="0" kern="1200" dirty="0" err="1" smtClean="0"/>
+            <a:rPr lang="en-US" sz="1600" b="0" kern="1200" dirty="0" err="1"/>
             <a:t>bán</a:t>
           </a:r>
           <a:endParaRPr lang="en-US" sz="1600" b="0" kern="1200" dirty="0"/>
@@ -8744,7 +8242,7 @@
         </a:bodyPr>
         <a:lstStyle/>
         <a:p>
-          <a:pPr lvl="0" algn="ctr" defTabSz="711200">
+          <a:pPr marL="0" lvl="0" indent="0" algn="ctr" defTabSz="711200">
             <a:lnSpc>
               <a:spcPct val="90000"/>
             </a:lnSpc>
@@ -8754,25 +8252,26 @@
             <a:spcAft>
               <a:spcPct val="35000"/>
             </a:spcAft>
+            <a:buNone/>
           </a:pPr>
           <a:r>
-            <a:rPr lang="en-US" sz="1600" b="0" kern="1200" dirty="0" err="1" smtClean="0"/>
+            <a:rPr lang="en-US" sz="1600" b="0" kern="1200" dirty="0" err="1"/>
             <a:t>QL</a:t>
           </a:r>
           <a:r>
-            <a:rPr lang="en-US" sz="1600" b="0" kern="1200" dirty="0" smtClean="0"/>
+            <a:rPr lang="en-US" sz="1600" b="0" kern="1200" dirty="0"/>
             <a:t> </a:t>
           </a:r>
           <a:r>
-            <a:rPr lang="en-US" sz="1600" b="0" kern="1200" dirty="0" err="1" smtClean="0"/>
+            <a:rPr lang="en-US" sz="1600" b="0" kern="1200" dirty="0" err="1"/>
             <a:t>Nghiệp</a:t>
           </a:r>
           <a:r>
-            <a:rPr lang="en-US" sz="1600" b="0" kern="1200" dirty="0" smtClean="0"/>
+            <a:rPr lang="en-US" sz="1600" b="0" kern="1200" dirty="0"/>
             <a:t> </a:t>
           </a:r>
           <a:r>
-            <a:rPr lang="en-US" sz="1600" b="0" kern="1200" dirty="0" err="1" smtClean="0"/>
+            <a:rPr lang="en-US" sz="1600" b="0" kern="1200" dirty="0" err="1"/>
             <a:t>vụ</a:t>
           </a:r>
           <a:endParaRPr lang="en-US" sz="1600" b="0" kern="1200" dirty="0"/>
@@ -8889,7 +8388,7 @@
         </a:bodyPr>
         <a:lstStyle/>
         <a:p>
-          <a:pPr lvl="0" algn="ctr" defTabSz="711200">
+          <a:pPr marL="0" lvl="0" indent="0" algn="ctr" defTabSz="711200">
             <a:lnSpc>
               <a:spcPct val="90000"/>
             </a:lnSpc>
@@ -8899,33 +8398,34 @@
             <a:spcAft>
               <a:spcPct val="35000"/>
             </a:spcAft>
+            <a:buNone/>
           </a:pPr>
           <a:r>
-            <a:rPr lang="en-US" sz="1600" b="0" kern="1200" dirty="0" err="1" smtClean="0"/>
+            <a:rPr lang="en-US" sz="1600" b="0" kern="1200" dirty="0" err="1"/>
             <a:t>Cập</a:t>
           </a:r>
           <a:r>
-            <a:rPr lang="en-US" sz="1600" b="0" kern="1200" dirty="0" smtClean="0"/>
+            <a:rPr lang="en-US" sz="1600" b="0" kern="1200" dirty="0"/>
             <a:t> </a:t>
           </a:r>
           <a:r>
-            <a:rPr lang="en-US" sz="1600" b="0" kern="1200" dirty="0" err="1" smtClean="0"/>
+            <a:rPr lang="en-US" sz="1600" b="0" kern="1200" dirty="0" err="1"/>
             <a:t>nhật</a:t>
           </a:r>
           <a:r>
-            <a:rPr lang="en-US" sz="1600" b="0" kern="1200" dirty="0" smtClean="0"/>
+            <a:rPr lang="en-US" sz="1600" b="0" kern="1200" dirty="0"/>
             <a:t> </a:t>
           </a:r>
           <a:r>
-            <a:rPr lang="en-US" sz="1600" b="0" kern="1200" dirty="0" err="1" smtClean="0"/>
+            <a:rPr lang="en-US" sz="1600" b="0" kern="1200" dirty="0" err="1"/>
             <a:t>giá</a:t>
           </a:r>
           <a:r>
-            <a:rPr lang="en-US" sz="1600" b="0" kern="1200" dirty="0" smtClean="0"/>
+            <a:rPr lang="en-US" sz="1600" b="0" kern="1200" dirty="0"/>
             <a:t> </a:t>
           </a:r>
           <a:r>
-            <a:rPr lang="en-US" sz="1600" b="0" kern="1200" dirty="0" err="1" smtClean="0"/>
+            <a:rPr lang="en-US" sz="1600" b="0" kern="1200" dirty="0" err="1"/>
             <a:t>bán</a:t>
           </a:r>
           <a:endParaRPr lang="en-US" sz="1600" b="0" kern="1200" dirty="0"/>
@@ -9042,7 +8542,7 @@
         </a:bodyPr>
         <a:lstStyle/>
         <a:p>
-          <a:pPr lvl="0" algn="ctr" defTabSz="711200">
+          <a:pPr marL="0" lvl="0" indent="0" algn="ctr" defTabSz="711200">
             <a:lnSpc>
               <a:spcPct val="90000"/>
             </a:lnSpc>
@@ -9052,33 +8552,34 @@
             <a:spcAft>
               <a:spcPct val="35000"/>
             </a:spcAft>
+            <a:buNone/>
           </a:pPr>
           <a:r>
-            <a:rPr lang="en-US" sz="1600" b="0" kern="1200" dirty="0" err="1" smtClean="0"/>
+            <a:rPr lang="en-US" sz="1600" b="0" kern="1200" dirty="0" err="1"/>
             <a:t>Quản</a:t>
           </a:r>
           <a:r>
-            <a:rPr lang="en-US" sz="1600" b="0" kern="1200" dirty="0" smtClean="0"/>
+            <a:rPr lang="en-US" sz="1600" b="0" kern="1200" dirty="0"/>
             <a:t> </a:t>
           </a:r>
           <a:r>
-            <a:rPr lang="en-US" sz="1600" b="0" kern="1200" dirty="0" err="1" smtClean="0"/>
+            <a:rPr lang="en-US" sz="1600" b="0" kern="1200" dirty="0" err="1"/>
             <a:t>lý</a:t>
           </a:r>
           <a:r>
-            <a:rPr lang="en-US" sz="1600" b="0" kern="1200" dirty="0" smtClean="0"/>
+            <a:rPr lang="en-US" sz="1600" b="0" kern="1200" dirty="0"/>
             <a:t> </a:t>
           </a:r>
           <a:r>
-            <a:rPr lang="en-US" sz="1600" b="0" kern="1200" dirty="0" err="1" smtClean="0"/>
+            <a:rPr lang="en-US" sz="1600" b="0" kern="1200" dirty="0" err="1"/>
             <a:t>nhập</a:t>
           </a:r>
           <a:r>
-            <a:rPr lang="en-US" sz="1600" b="0" kern="1200" dirty="0" smtClean="0"/>
+            <a:rPr lang="en-US" sz="1600" b="0" kern="1200" dirty="0"/>
             <a:t> </a:t>
           </a:r>
           <a:r>
-            <a:rPr lang="en-US" sz="1600" b="0" kern="1200" dirty="0" err="1" smtClean="0"/>
+            <a:rPr lang="en-US" sz="1600" b="0" kern="1200" dirty="0" err="1"/>
             <a:t>hàng</a:t>
           </a:r>
           <a:endParaRPr lang="en-US" sz="1600" b="0" kern="1200" dirty="0"/>
@@ -9195,7 +8696,7 @@
         </a:bodyPr>
         <a:lstStyle/>
         <a:p>
-          <a:pPr lvl="0" algn="ctr" defTabSz="711200">
+          <a:pPr marL="0" lvl="0" indent="0" algn="ctr" defTabSz="711200">
             <a:lnSpc>
               <a:spcPct val="90000"/>
             </a:lnSpc>
@@ -9205,33 +8706,34 @@
             <a:spcAft>
               <a:spcPct val="35000"/>
             </a:spcAft>
+            <a:buNone/>
           </a:pPr>
           <a:r>
-            <a:rPr lang="en-US" sz="1600" b="0" kern="1200" dirty="0" err="1" smtClean="0"/>
+            <a:rPr lang="en-US" sz="1600" b="0" kern="1200" dirty="0" err="1"/>
             <a:t>Quản</a:t>
           </a:r>
           <a:r>
-            <a:rPr lang="en-US" sz="1600" b="0" kern="1200" dirty="0" smtClean="0"/>
+            <a:rPr lang="en-US" sz="1600" b="0" kern="1200" dirty="0"/>
             <a:t> </a:t>
           </a:r>
           <a:r>
-            <a:rPr lang="en-US" sz="1600" b="0" kern="1200" dirty="0" err="1" smtClean="0"/>
+            <a:rPr lang="en-US" sz="1600" b="0" kern="1200" dirty="0" err="1"/>
             <a:t>lý</a:t>
           </a:r>
           <a:r>
-            <a:rPr lang="en-US" sz="1600" b="0" kern="1200" dirty="0" smtClean="0"/>
+            <a:rPr lang="en-US" sz="1600" b="0" kern="1200" dirty="0"/>
             <a:t> </a:t>
           </a:r>
           <a:r>
-            <a:rPr lang="en-US" sz="1600" b="0" kern="1200" dirty="0" err="1" smtClean="0"/>
+            <a:rPr lang="en-US" sz="1600" b="0" kern="1200" dirty="0" err="1"/>
             <a:t>hàng</a:t>
           </a:r>
           <a:r>
-            <a:rPr lang="en-US" sz="1600" b="0" kern="1200" dirty="0" smtClean="0"/>
+            <a:rPr lang="en-US" sz="1600" b="0" kern="1200" dirty="0"/>
             <a:t> </a:t>
           </a:r>
           <a:r>
-            <a:rPr lang="en-US" sz="1600" b="0" kern="1200" dirty="0" err="1" smtClean="0"/>
+            <a:rPr lang="en-US" sz="1600" b="0" kern="1200" dirty="0" err="1"/>
             <a:t>bán</a:t>
           </a:r>
           <a:endParaRPr lang="en-US" sz="1600" b="0" kern="1200" dirty="0"/>
@@ -9348,7 +8850,7 @@
         </a:bodyPr>
         <a:lstStyle/>
         <a:p>
-          <a:pPr lvl="0" algn="ctr" defTabSz="711200">
+          <a:pPr marL="0" lvl="0" indent="0" algn="ctr" defTabSz="711200">
             <a:lnSpc>
               <a:spcPct val="90000"/>
             </a:lnSpc>
@@ -9358,25 +8860,26 @@
             <a:spcAft>
               <a:spcPct val="35000"/>
             </a:spcAft>
+            <a:buNone/>
           </a:pPr>
           <a:r>
-            <a:rPr lang="en-US" sz="1600" b="0" kern="1200" dirty="0" err="1" smtClean="0"/>
+            <a:rPr lang="en-US" sz="1600" b="0" kern="1200" dirty="0" err="1"/>
             <a:t>QL</a:t>
           </a:r>
           <a:r>
-            <a:rPr lang="en-US" sz="1600" b="0" kern="1200" dirty="0" smtClean="0"/>
+            <a:rPr lang="en-US" sz="1600" b="0" kern="1200" dirty="0"/>
             <a:t> </a:t>
           </a:r>
           <a:r>
-            <a:rPr lang="en-US" sz="1600" b="0" kern="1200" dirty="0" err="1" smtClean="0"/>
+            <a:rPr lang="en-US" sz="1600" b="0" kern="1200" dirty="0" err="1"/>
             <a:t>Thống</a:t>
           </a:r>
           <a:r>
-            <a:rPr lang="en-US" sz="1600" b="0" kern="1200" dirty="0" smtClean="0"/>
+            <a:rPr lang="en-US" sz="1600" b="0" kern="1200" dirty="0"/>
             <a:t> </a:t>
           </a:r>
           <a:r>
-            <a:rPr lang="en-US" sz="1600" b="0" kern="1200" dirty="0" err="1" smtClean="0"/>
+            <a:rPr lang="en-US" sz="1600" b="0" kern="1200" dirty="0" err="1"/>
             <a:t>kê</a:t>
           </a:r>
           <a:endParaRPr lang="en-US" sz="1600" b="0" kern="1200" dirty="0"/>
@@ -9493,7 +8996,7 @@
         </a:bodyPr>
         <a:lstStyle/>
         <a:p>
-          <a:pPr lvl="0" algn="ctr" defTabSz="711200">
+          <a:pPr marL="0" lvl="0" indent="0" algn="ctr" defTabSz="711200">
             <a:lnSpc>
               <a:spcPct val="90000"/>
             </a:lnSpc>
@@ -9503,33 +9006,34 @@
             <a:spcAft>
               <a:spcPct val="35000"/>
             </a:spcAft>
+            <a:buNone/>
           </a:pPr>
           <a:r>
-            <a:rPr lang="en-US" sz="1600" b="0" kern="1200" dirty="0" err="1" smtClean="0"/>
+            <a:rPr lang="en-US" sz="1600" b="0" kern="1200" dirty="0" err="1"/>
             <a:t>Thống</a:t>
           </a:r>
           <a:r>
-            <a:rPr lang="en-US" sz="1600" b="0" kern="1200" dirty="0" smtClean="0"/>
+            <a:rPr lang="en-US" sz="1600" b="0" kern="1200" dirty="0"/>
             <a:t> </a:t>
           </a:r>
           <a:r>
-            <a:rPr lang="en-US" sz="1600" b="0" kern="1200" dirty="0" err="1" smtClean="0"/>
+            <a:rPr lang="en-US" sz="1600" b="0" kern="1200" dirty="0" err="1"/>
             <a:t>kê</a:t>
           </a:r>
           <a:r>
-            <a:rPr lang="en-US" sz="1600" b="0" kern="1200" dirty="0" smtClean="0"/>
+            <a:rPr lang="en-US" sz="1600" b="0" kern="1200" dirty="0"/>
             <a:t> </a:t>
           </a:r>
           <a:r>
-            <a:rPr lang="en-US" sz="1600" b="0" kern="1200" dirty="0" err="1" smtClean="0"/>
+            <a:rPr lang="en-US" sz="1600" b="0" kern="1200" dirty="0" err="1"/>
             <a:t>bán</a:t>
           </a:r>
           <a:r>
-            <a:rPr lang="en-US" sz="1600" b="0" kern="1200" dirty="0" smtClean="0"/>
+            <a:rPr lang="en-US" sz="1600" b="0" kern="1200" dirty="0"/>
             <a:t> </a:t>
           </a:r>
           <a:r>
-            <a:rPr lang="en-US" sz="1600" b="0" kern="1200" dirty="0" err="1" smtClean="0"/>
+            <a:rPr lang="en-US" sz="1600" b="0" kern="1200" dirty="0" err="1"/>
             <a:t>hàng</a:t>
           </a:r>
           <a:endParaRPr lang="en-US" sz="1600" b="0" kern="1200" dirty="0"/>
@@ -9646,7 +9150,7 @@
         </a:bodyPr>
         <a:lstStyle/>
         <a:p>
-          <a:pPr lvl="0" algn="ctr" defTabSz="711200">
+          <a:pPr marL="0" lvl="0" indent="0" algn="ctr" defTabSz="711200">
             <a:lnSpc>
               <a:spcPct val="90000"/>
             </a:lnSpc>
@@ -9656,41 +9160,42 @@
             <a:spcAft>
               <a:spcPct val="35000"/>
             </a:spcAft>
+            <a:buNone/>
           </a:pPr>
           <a:r>
-            <a:rPr lang="en-US" sz="1600" b="0" kern="1200" dirty="0" err="1" smtClean="0"/>
+            <a:rPr lang="en-US" sz="1600" b="0" kern="1200" dirty="0" err="1"/>
             <a:t>Thống</a:t>
           </a:r>
           <a:r>
-            <a:rPr lang="en-US" sz="1600" b="0" kern="1200" dirty="0" smtClean="0"/>
+            <a:rPr lang="en-US" sz="1600" b="0" kern="1200" dirty="0"/>
             <a:t> </a:t>
           </a:r>
           <a:r>
-            <a:rPr lang="en-US" sz="1600" b="0" kern="1200" dirty="0" err="1" smtClean="0"/>
+            <a:rPr lang="en-US" sz="1600" b="0" kern="1200" dirty="0" err="1"/>
             <a:t>kê</a:t>
           </a:r>
           <a:r>
-            <a:rPr lang="en-US" sz="1600" b="0" kern="1200" dirty="0" smtClean="0"/>
+            <a:rPr lang="en-US" sz="1600" b="0" kern="1200" dirty="0"/>
             <a:t> </a:t>
           </a:r>
           <a:r>
-            <a:rPr lang="en-US" sz="1600" b="0" kern="1200" dirty="0" err="1" smtClean="0"/>
+            <a:rPr lang="en-US" sz="1600" b="0" kern="1200" dirty="0" err="1"/>
             <a:t>hàng</a:t>
           </a:r>
           <a:r>
-            <a:rPr lang="en-US" sz="1600" b="0" kern="1200" dirty="0" smtClean="0"/>
+            <a:rPr lang="en-US" sz="1600" b="0" kern="1200" dirty="0"/>
             <a:t> </a:t>
           </a:r>
           <a:r>
-            <a:rPr lang="en-US" sz="1600" b="0" kern="1200" dirty="0" err="1" smtClean="0"/>
+            <a:rPr lang="en-US" sz="1600" b="0" kern="1200" dirty="0" err="1"/>
             <a:t>trong</a:t>
           </a:r>
           <a:r>
-            <a:rPr lang="en-US" sz="1600" b="0" kern="1200" dirty="0" smtClean="0"/>
+            <a:rPr lang="en-US" sz="1600" b="0" kern="1200" dirty="0"/>
             <a:t> </a:t>
           </a:r>
           <a:r>
-            <a:rPr lang="en-US" sz="1600" b="0" kern="1200" dirty="0" err="1" smtClean="0"/>
+            <a:rPr lang="en-US" sz="1600" b="0" kern="1200" dirty="0" err="1"/>
             <a:t>kho</a:t>
           </a:r>
           <a:endParaRPr lang="en-US" sz="1600" b="0" kern="1200" dirty="0"/>
@@ -9922,7 +9427,7 @@
         </a:bodyPr>
         <a:lstStyle/>
         <a:p>
-          <a:pPr lvl="0" algn="ctr" defTabSz="800100">
+          <a:pPr marL="0" lvl="0" indent="0" algn="ctr" defTabSz="800100">
             <a:lnSpc>
               <a:spcPct val="90000"/>
             </a:lnSpc>
@@ -9932,9 +9437,10 @@
             <a:spcAft>
               <a:spcPct val="35000"/>
             </a:spcAft>
+            <a:buNone/>
           </a:pPr>
           <a:r>
-            <a:rPr lang="en-US" sz="1800" kern="1200" dirty="0" err="1" smtClean="0">
+            <a:rPr lang="en-US" sz="1800" kern="1200" dirty="0" err="1">
               <a:solidFill>
                 <a:schemeClr val="tx1"/>
               </a:solidFill>
@@ -9942,7 +9448,7 @@
             <a:t>Giao</a:t>
           </a:r>
           <a:r>
-            <a:rPr lang="en-US" sz="1800" kern="1200" dirty="0" smtClean="0">
+            <a:rPr lang="en-US" sz="1800" kern="1200" dirty="0">
               <a:solidFill>
                 <a:schemeClr val="tx1"/>
               </a:solidFill>
@@ -9950,7 +9456,7 @@
             <a:t> </a:t>
           </a:r>
           <a:r>
-            <a:rPr lang="en-US" sz="1800" kern="1200" dirty="0" err="1" smtClean="0">
+            <a:rPr lang="en-US" sz="1800" kern="1200" dirty="0" err="1">
               <a:solidFill>
                 <a:schemeClr val="tx1"/>
               </a:solidFill>
@@ -9958,7 +9464,7 @@
             <a:t>diện</a:t>
           </a:r>
           <a:r>
-            <a:rPr lang="en-US" sz="1800" kern="1200" dirty="0" smtClean="0">
+            <a:rPr lang="en-US" sz="1800" kern="1200" dirty="0">
               <a:solidFill>
                 <a:schemeClr val="tx1"/>
               </a:solidFill>
@@ -9966,7 +9472,7 @@
             <a:t> </a:t>
           </a:r>
           <a:r>
-            <a:rPr lang="en-US" sz="1800" kern="1200" dirty="0" err="1" smtClean="0">
+            <a:rPr lang="en-US" sz="1800" kern="1200" dirty="0" err="1">
               <a:solidFill>
                 <a:schemeClr val="tx1"/>
               </a:solidFill>
@@ -9974,7 +9480,7 @@
             <a:t>cho</a:t>
           </a:r>
           <a:r>
-            <a:rPr lang="en-US" sz="1800" kern="1200" dirty="0" smtClean="0">
+            <a:rPr lang="en-US" sz="1800" kern="1200" dirty="0">
               <a:solidFill>
                 <a:schemeClr val="tx1"/>
               </a:solidFill>
@@ -9982,7 +9488,7 @@
             <a:t> </a:t>
           </a:r>
           <a:r>
-            <a:rPr lang="en-US" sz="1800" kern="1200" dirty="0" err="1" smtClean="0">
+            <a:rPr lang="en-US" sz="1800" kern="1200" dirty="0" err="1">
               <a:solidFill>
                 <a:schemeClr val="tx1"/>
               </a:solidFill>
@@ -9990,7 +9496,7 @@
             <a:t>khách</a:t>
           </a:r>
           <a:r>
-            <a:rPr lang="en-US" sz="1800" kern="1200" dirty="0" smtClean="0">
+            <a:rPr lang="en-US" sz="1800" kern="1200" dirty="0">
               <a:solidFill>
                 <a:schemeClr val="tx1"/>
               </a:solidFill>
@@ -9998,7 +9504,7 @@
             <a:t> </a:t>
           </a:r>
           <a:r>
-            <a:rPr lang="en-US" sz="1800" kern="1200" dirty="0" err="1" smtClean="0">
+            <a:rPr lang="en-US" sz="1800" kern="1200" dirty="0" err="1">
               <a:solidFill>
                 <a:schemeClr val="tx1"/>
               </a:solidFill>
@@ -10071,7 +9577,7 @@
         </a:bodyPr>
         <a:lstStyle/>
         <a:p>
-          <a:pPr lvl="0" algn="ctr" defTabSz="800100">
+          <a:pPr marL="0" lvl="0" indent="0" algn="ctr" defTabSz="800100">
             <a:lnSpc>
               <a:spcPct val="90000"/>
             </a:lnSpc>
@@ -10081,9 +9587,10 @@
             <a:spcAft>
               <a:spcPct val="35000"/>
             </a:spcAft>
+            <a:buNone/>
           </a:pPr>
           <a:r>
-            <a:rPr lang="en-US" sz="1800" kern="1200" dirty="0" err="1" smtClean="0">
+            <a:rPr lang="en-US" sz="1800" kern="1200" dirty="0" err="1">
               <a:solidFill>
                 <a:schemeClr val="tx1"/>
               </a:solidFill>
@@ -10091,7 +9598,7 @@
             <a:t>Giao</a:t>
           </a:r>
           <a:r>
-            <a:rPr lang="en-US" sz="1800" kern="1200" dirty="0" smtClean="0">
+            <a:rPr lang="en-US" sz="1800" kern="1200" dirty="0">
               <a:solidFill>
                 <a:schemeClr val="tx1"/>
               </a:solidFill>
@@ -10099,7 +9606,7 @@
             <a:t> </a:t>
           </a:r>
           <a:r>
-            <a:rPr lang="en-US" sz="1800" kern="1200" dirty="0" err="1" smtClean="0">
+            <a:rPr lang="en-US" sz="1800" kern="1200" dirty="0" err="1">
               <a:solidFill>
                 <a:schemeClr val="tx1"/>
               </a:solidFill>
@@ -10107,7 +9614,7 @@
             <a:t>diện</a:t>
           </a:r>
           <a:r>
-            <a:rPr lang="en-US" sz="1800" kern="1200" dirty="0" smtClean="0">
+            <a:rPr lang="en-US" sz="1800" kern="1200" dirty="0">
               <a:solidFill>
                 <a:schemeClr val="tx1"/>
               </a:solidFill>
@@ -10115,7 +9622,7 @@
             <a:t> </a:t>
           </a:r>
           <a:r>
-            <a:rPr lang="en-US" sz="1800" kern="1200" dirty="0" err="1" smtClean="0">
+            <a:rPr lang="en-US" sz="1800" kern="1200" dirty="0" err="1">
               <a:solidFill>
                 <a:schemeClr val="tx1"/>
               </a:solidFill>
@@ -10123,7 +9630,7 @@
             <a:t>cho</a:t>
           </a:r>
           <a:r>
-            <a:rPr lang="en-US" sz="1800" kern="1200" dirty="0" smtClean="0">
+            <a:rPr lang="en-US" sz="1800" kern="1200" dirty="0">
               <a:solidFill>
                 <a:schemeClr val="tx1"/>
               </a:solidFill>
@@ -10131,7 +9638,7 @@
             <a:t> </a:t>
           </a:r>
           <a:r>
-            <a:rPr lang="en-US" sz="1800" kern="1200" dirty="0" err="1" smtClean="0">
+            <a:rPr lang="en-US" sz="1800" kern="1200" dirty="0" err="1">
               <a:solidFill>
                 <a:schemeClr val="tx1"/>
               </a:solidFill>
@@ -10139,7 +9646,7 @@
             <a:t>nhân</a:t>
           </a:r>
           <a:r>
-            <a:rPr lang="en-US" sz="1800" kern="1200" dirty="0" smtClean="0">
+            <a:rPr lang="en-US" sz="1800" kern="1200" dirty="0">
               <a:solidFill>
                 <a:schemeClr val="tx1"/>
               </a:solidFill>
@@ -10147,7 +9654,7 @@
             <a:t> </a:t>
           </a:r>
           <a:r>
-            <a:rPr lang="en-US" sz="1800" kern="1200" dirty="0" err="1" smtClean="0">
+            <a:rPr lang="en-US" sz="1800" kern="1200" dirty="0" err="1">
               <a:solidFill>
                 <a:schemeClr val="tx1"/>
               </a:solidFill>
@@ -14889,38 +14396,37 @@
           <a:p>
             <a:pPr lvl="0"/>
             <a:r>
-              <a:rPr lang="en-US" smtClean="0"/>
+              <a:rPr lang="en-US"/>
               <a:t>Click to edit Master text styles</a:t>
             </a:r>
           </a:p>
           <a:p>
             <a:pPr lvl="1"/>
             <a:r>
-              <a:rPr lang="en-US" smtClean="0"/>
+              <a:rPr lang="en-US"/>
               <a:t>Second level</a:t>
             </a:r>
           </a:p>
           <a:p>
             <a:pPr lvl="2"/>
             <a:r>
-              <a:rPr lang="en-US" smtClean="0"/>
+              <a:rPr lang="en-US"/>
               <a:t>Third level</a:t>
             </a:r>
           </a:p>
           <a:p>
             <a:pPr lvl="3"/>
             <a:r>
-              <a:rPr lang="en-US" smtClean="0"/>
+              <a:rPr lang="en-US"/>
               <a:t>Fourth level</a:t>
             </a:r>
           </a:p>
           <a:p>
             <a:pPr lvl="4"/>
             <a:r>
-              <a:rPr lang="en-US" smtClean="0"/>
+              <a:rPr lang="en-US"/>
               <a:t>Fifth level</a:t>
             </a:r>
-            <a:endParaRPr lang="en-US"/>
           </a:p>
         </p:txBody>
       </p:sp>
@@ -15755,10 +15261,9 @@
           <a:lstStyle/>
           <a:p>
             <a:r>
-              <a:rPr lang="en-US" smtClean="0"/>
+              <a:rPr lang="en-US"/>
               <a:t>Click to edit Master title style</a:t>
             </a:r>
-            <a:endParaRPr lang="en-US"/>
           </a:p>
         </p:txBody>
       </p:sp>
@@ -15874,10 +15379,9 @@
           </a:lstStyle>
           <a:p>
             <a:r>
-              <a:rPr lang="en-US" smtClean="0"/>
+              <a:rPr lang="en-US"/>
               <a:t>Click to edit Master subtitle style</a:t>
             </a:r>
-            <a:endParaRPr lang="en-US"/>
           </a:p>
         </p:txBody>
       </p:sp>
@@ -15992,10 +15496,9 @@
           <a:lstStyle/>
           <a:p>
             <a:r>
-              <a:rPr lang="en-US" smtClean="0"/>
+              <a:rPr lang="en-US"/>
               <a:t>Click to edit Master title style</a:t>
             </a:r>
-            <a:endParaRPr lang="en-US"/>
           </a:p>
         </p:txBody>
       </p:sp>
@@ -16016,38 +15519,37 @@
           <a:p>
             <a:pPr lvl="0"/>
             <a:r>
-              <a:rPr lang="en-US" smtClean="0"/>
+              <a:rPr lang="en-US"/>
               <a:t>Click to edit Master text styles</a:t>
             </a:r>
           </a:p>
           <a:p>
             <a:pPr lvl="1"/>
             <a:r>
-              <a:rPr lang="en-US" smtClean="0"/>
+              <a:rPr lang="en-US"/>
               <a:t>Second level</a:t>
             </a:r>
           </a:p>
           <a:p>
             <a:pPr lvl="2"/>
             <a:r>
-              <a:rPr lang="en-US" smtClean="0"/>
+              <a:rPr lang="en-US"/>
               <a:t>Third level</a:t>
             </a:r>
           </a:p>
           <a:p>
             <a:pPr lvl="3"/>
             <a:r>
-              <a:rPr lang="en-US" smtClean="0"/>
+              <a:rPr lang="en-US"/>
               <a:t>Fourth level</a:t>
             </a:r>
           </a:p>
           <a:p>
             <a:pPr lvl="4"/>
             <a:r>
-              <a:rPr lang="en-US" smtClean="0"/>
+              <a:rPr lang="en-US"/>
               <a:t>Fifth level</a:t>
             </a:r>
-            <a:endParaRPr lang="en-US"/>
           </a:p>
         </p:txBody>
       </p:sp>
@@ -16167,10 +15669,9 @@
           <a:lstStyle/>
           <a:p>
             <a:r>
-              <a:rPr lang="en-US" smtClean="0"/>
+              <a:rPr lang="en-US"/>
               <a:t>Click to edit Master title style</a:t>
             </a:r>
-            <a:endParaRPr lang="en-US"/>
           </a:p>
         </p:txBody>
       </p:sp>
@@ -16196,38 +15697,37 @@
           <a:p>
             <a:pPr lvl="0"/>
             <a:r>
-              <a:rPr lang="en-US" smtClean="0"/>
+              <a:rPr lang="en-US"/>
               <a:t>Click to edit Master text styles</a:t>
             </a:r>
           </a:p>
           <a:p>
             <a:pPr lvl="1"/>
             <a:r>
-              <a:rPr lang="en-US" smtClean="0"/>
+              <a:rPr lang="en-US"/>
               <a:t>Second level</a:t>
             </a:r>
           </a:p>
           <a:p>
             <a:pPr lvl="2"/>
             <a:r>
-              <a:rPr lang="en-US" smtClean="0"/>
+              <a:rPr lang="en-US"/>
               <a:t>Third level</a:t>
             </a:r>
           </a:p>
           <a:p>
             <a:pPr lvl="3"/>
             <a:r>
-              <a:rPr lang="en-US" smtClean="0"/>
+              <a:rPr lang="en-US"/>
               <a:t>Fourth level</a:t>
             </a:r>
           </a:p>
           <a:p>
             <a:pPr lvl="4"/>
             <a:r>
-              <a:rPr lang="en-US" smtClean="0"/>
+              <a:rPr lang="en-US"/>
               <a:t>Fifth level</a:t>
             </a:r>
-            <a:endParaRPr lang="en-US"/>
           </a:p>
         </p:txBody>
       </p:sp>
@@ -20907,10 +20407,9 @@
           <a:lstStyle/>
           <a:p>
             <a:r>
-              <a:rPr lang="en-US" smtClean="0"/>
+              <a:rPr lang="en-US"/>
               <a:t>Click to edit Master title style</a:t>
             </a:r>
-            <a:endParaRPr lang="en-US"/>
           </a:p>
         </p:txBody>
       </p:sp>
@@ -20931,38 +20430,37 @@
           <a:p>
             <a:pPr lvl="0"/>
             <a:r>
-              <a:rPr lang="en-US" smtClean="0"/>
+              <a:rPr lang="en-US"/>
               <a:t>Click to edit Master text styles</a:t>
             </a:r>
           </a:p>
           <a:p>
             <a:pPr lvl="1"/>
             <a:r>
-              <a:rPr lang="en-US" smtClean="0"/>
+              <a:rPr lang="en-US"/>
               <a:t>Second level</a:t>
             </a:r>
           </a:p>
           <a:p>
             <a:pPr lvl="2"/>
             <a:r>
-              <a:rPr lang="en-US" smtClean="0"/>
+              <a:rPr lang="en-US"/>
               <a:t>Third level</a:t>
             </a:r>
           </a:p>
           <a:p>
             <a:pPr lvl="3"/>
             <a:r>
-              <a:rPr lang="en-US" smtClean="0"/>
+              <a:rPr lang="en-US"/>
               <a:t>Fourth level</a:t>
             </a:r>
           </a:p>
           <a:p>
             <a:pPr lvl="4"/>
             <a:r>
-              <a:rPr lang="en-US" smtClean="0"/>
+              <a:rPr lang="en-US"/>
               <a:t>Fifth level</a:t>
             </a:r>
-            <a:endParaRPr lang="en-US"/>
           </a:p>
         </p:txBody>
       </p:sp>
@@ -21732,10 +21230,9 @@
           <a:lstStyle/>
           <a:p>
             <a:r>
-              <a:rPr lang="en-US" smtClean="0"/>
+              <a:rPr lang="en-US"/>
               <a:t>Click to edit Master title style</a:t>
             </a:r>
-            <a:endParaRPr lang="en-US"/>
           </a:p>
         </p:txBody>
       </p:sp>
@@ -21851,10 +21348,9 @@
           </a:lstStyle>
           <a:p>
             <a:r>
-              <a:rPr lang="en-US" smtClean="0"/>
+              <a:rPr lang="en-US"/>
               <a:t>Click to edit Master subtitle style</a:t>
             </a:r>
-            <a:endParaRPr lang="en-US"/>
           </a:p>
         </p:txBody>
       </p:sp>
@@ -22001,10 +21497,9 @@
           <a:lstStyle/>
           <a:p>
             <a:r>
-              <a:rPr lang="en-US" smtClean="0"/>
+              <a:rPr lang="en-US"/>
               <a:t>Click to edit Master title style</a:t>
             </a:r>
-            <a:endParaRPr lang="en-US"/>
           </a:p>
         </p:txBody>
       </p:sp>
@@ -22025,38 +21520,37 @@
           <a:p>
             <a:pPr lvl="0"/>
             <a:r>
-              <a:rPr lang="en-US" smtClean="0"/>
+              <a:rPr lang="en-US"/>
               <a:t>Click to edit Master text styles</a:t>
             </a:r>
           </a:p>
           <a:p>
             <a:pPr lvl="1"/>
             <a:r>
-              <a:rPr lang="en-US" smtClean="0"/>
+              <a:rPr lang="en-US"/>
               <a:t>Second level</a:t>
             </a:r>
           </a:p>
           <a:p>
             <a:pPr lvl="2"/>
             <a:r>
-              <a:rPr lang="en-US" smtClean="0"/>
+              <a:rPr lang="en-US"/>
               <a:t>Third level</a:t>
             </a:r>
           </a:p>
           <a:p>
             <a:pPr lvl="3"/>
             <a:r>
-              <a:rPr lang="en-US" smtClean="0"/>
+              <a:rPr lang="en-US"/>
               <a:t>Fourth level</a:t>
             </a:r>
           </a:p>
           <a:p>
             <a:pPr lvl="4"/>
             <a:r>
-              <a:rPr lang="en-US" smtClean="0"/>
+              <a:rPr lang="en-US"/>
               <a:t>Fifth level</a:t>
             </a:r>
-            <a:endParaRPr lang="en-US"/>
           </a:p>
         </p:txBody>
       </p:sp>
@@ -22212,10 +21706,9 @@
           </a:lstStyle>
           <a:p>
             <a:r>
-              <a:rPr lang="en-US" smtClean="0"/>
+              <a:rPr lang="en-US"/>
               <a:t>Click to edit Master title style</a:t>
             </a:r>
-            <a:endParaRPr lang="en-US"/>
           </a:p>
         </p:txBody>
       </p:sp>
@@ -22332,7 +21825,7 @@
           <a:p>
             <a:pPr lvl="0"/>
             <a:r>
-              <a:rPr lang="en-US" smtClean="0"/>
+              <a:rPr lang="en-US"/>
               <a:t>Click to edit Master text styles</a:t>
             </a:r>
           </a:p>
@@ -22481,10 +21974,9 @@
           <a:lstStyle/>
           <a:p>
             <a:r>
-              <a:rPr lang="en-US" smtClean="0"/>
+              <a:rPr lang="en-US"/>
               <a:t>Click to edit Master title style</a:t>
             </a:r>
-            <a:endParaRPr lang="en-US"/>
           </a:p>
         </p:txBody>
       </p:sp>
@@ -22538,38 +22030,37 @@
           <a:p>
             <a:pPr lvl="0"/>
             <a:r>
-              <a:rPr lang="en-US" smtClean="0"/>
+              <a:rPr lang="en-US"/>
               <a:t>Click to edit Master text styles</a:t>
             </a:r>
           </a:p>
           <a:p>
             <a:pPr lvl="1"/>
             <a:r>
-              <a:rPr lang="en-US" smtClean="0"/>
+              <a:rPr lang="en-US"/>
               <a:t>Second level</a:t>
             </a:r>
           </a:p>
           <a:p>
             <a:pPr lvl="2"/>
             <a:r>
-              <a:rPr lang="en-US" smtClean="0"/>
+              <a:rPr lang="en-US"/>
               <a:t>Third level</a:t>
             </a:r>
           </a:p>
           <a:p>
             <a:pPr lvl="3"/>
             <a:r>
-              <a:rPr lang="en-US" smtClean="0"/>
+              <a:rPr lang="en-US"/>
               <a:t>Fourth level</a:t>
             </a:r>
           </a:p>
           <a:p>
             <a:pPr lvl="4"/>
             <a:r>
-              <a:rPr lang="en-US" smtClean="0"/>
+              <a:rPr lang="en-US"/>
               <a:t>Fifth level</a:t>
             </a:r>
-            <a:endParaRPr lang="en-US"/>
           </a:p>
         </p:txBody>
       </p:sp>
@@ -22623,38 +22114,37 @@
           <a:p>
             <a:pPr lvl="0"/>
             <a:r>
-              <a:rPr lang="en-US" smtClean="0"/>
+              <a:rPr lang="en-US"/>
               <a:t>Click to edit Master text styles</a:t>
             </a:r>
           </a:p>
           <a:p>
             <a:pPr lvl="1"/>
             <a:r>
-              <a:rPr lang="en-US" smtClean="0"/>
+              <a:rPr lang="en-US"/>
               <a:t>Second level</a:t>
             </a:r>
           </a:p>
           <a:p>
             <a:pPr lvl="2"/>
             <a:r>
-              <a:rPr lang="en-US" smtClean="0"/>
+              <a:rPr lang="en-US"/>
               <a:t>Third level</a:t>
             </a:r>
           </a:p>
           <a:p>
             <a:pPr lvl="3"/>
             <a:r>
-              <a:rPr lang="en-US" smtClean="0"/>
+              <a:rPr lang="en-US"/>
               <a:t>Fourth level</a:t>
             </a:r>
           </a:p>
           <a:p>
             <a:pPr lvl="4"/>
             <a:r>
-              <a:rPr lang="en-US" smtClean="0"/>
+              <a:rPr lang="en-US"/>
               <a:t>Fifth level</a:t>
             </a:r>
-            <a:endParaRPr lang="en-US"/>
           </a:p>
         </p:txBody>
       </p:sp>
@@ -22805,10 +22295,9 @@
           </a:lstStyle>
           <a:p>
             <a:r>
-              <a:rPr lang="en-US" smtClean="0"/>
+              <a:rPr lang="en-US"/>
               <a:t>Click to edit Master title style</a:t>
             </a:r>
-            <a:endParaRPr lang="en-US"/>
           </a:p>
         </p:txBody>
       </p:sp>
@@ -22871,7 +22360,7 @@
           <a:p>
             <a:pPr lvl="0"/>
             <a:r>
-              <a:rPr lang="en-US" smtClean="0"/>
+              <a:rPr lang="en-US"/>
               <a:t>Click to edit Master text styles</a:t>
             </a:r>
           </a:p>
@@ -22927,38 +22416,37 @@
           <a:p>
             <a:pPr lvl="0"/>
             <a:r>
-              <a:rPr lang="en-US" smtClean="0"/>
+              <a:rPr lang="en-US"/>
               <a:t>Click to edit Master text styles</a:t>
             </a:r>
           </a:p>
           <a:p>
             <a:pPr lvl="1"/>
             <a:r>
-              <a:rPr lang="en-US" smtClean="0"/>
+              <a:rPr lang="en-US"/>
               <a:t>Second level</a:t>
             </a:r>
           </a:p>
           <a:p>
             <a:pPr lvl="2"/>
             <a:r>
-              <a:rPr lang="en-US" smtClean="0"/>
+              <a:rPr lang="en-US"/>
               <a:t>Third level</a:t>
             </a:r>
           </a:p>
           <a:p>
             <a:pPr lvl="3"/>
             <a:r>
-              <a:rPr lang="en-US" smtClean="0"/>
+              <a:rPr lang="en-US"/>
               <a:t>Fourth level</a:t>
             </a:r>
           </a:p>
           <a:p>
             <a:pPr lvl="4"/>
             <a:r>
-              <a:rPr lang="en-US" smtClean="0"/>
+              <a:rPr lang="en-US"/>
               <a:t>Fifth level</a:t>
             </a:r>
-            <a:endParaRPr lang="en-US"/>
           </a:p>
         </p:txBody>
       </p:sp>
@@ -23021,7 +22509,7 @@
           <a:p>
             <a:pPr lvl="0"/>
             <a:r>
-              <a:rPr lang="en-US" smtClean="0"/>
+              <a:rPr lang="en-US"/>
               <a:t>Click to edit Master text styles</a:t>
             </a:r>
           </a:p>
@@ -23077,38 +22565,37 @@
           <a:p>
             <a:pPr lvl="0"/>
             <a:r>
-              <a:rPr lang="en-US" smtClean="0"/>
+              <a:rPr lang="en-US"/>
               <a:t>Click to edit Master text styles</a:t>
             </a:r>
           </a:p>
           <a:p>
             <a:pPr lvl="1"/>
             <a:r>
-              <a:rPr lang="en-US" smtClean="0"/>
+              <a:rPr lang="en-US"/>
               <a:t>Second level</a:t>
             </a:r>
           </a:p>
           <a:p>
             <a:pPr lvl="2"/>
             <a:r>
-              <a:rPr lang="en-US" smtClean="0"/>
+              <a:rPr lang="en-US"/>
               <a:t>Third level</a:t>
             </a:r>
           </a:p>
           <a:p>
             <a:pPr lvl="3"/>
             <a:r>
-              <a:rPr lang="en-US" smtClean="0"/>
+              <a:rPr lang="en-US"/>
               <a:t>Fourth level</a:t>
             </a:r>
           </a:p>
           <a:p>
             <a:pPr lvl="4"/>
             <a:r>
-              <a:rPr lang="en-US" smtClean="0"/>
+              <a:rPr lang="en-US"/>
               <a:t>Fifth level</a:t>
             </a:r>
-            <a:endParaRPr lang="en-US"/>
           </a:p>
         </p:txBody>
       </p:sp>
@@ -23255,10 +22742,9 @@
           <a:lstStyle/>
           <a:p>
             <a:r>
-              <a:rPr lang="en-US" smtClean="0"/>
+              <a:rPr lang="en-US"/>
               <a:t>Click to edit Master title style</a:t>
             </a:r>
-            <a:endParaRPr lang="en-US"/>
           </a:p>
         </p:txBody>
       </p:sp>
@@ -23541,10 +23027,9 @@
           </a:lstStyle>
           <a:p>
             <a:r>
-              <a:rPr lang="en-US" smtClean="0"/>
+              <a:rPr lang="en-US"/>
               <a:t>Click to edit Master title style</a:t>
             </a:r>
-            <a:endParaRPr lang="en-US"/>
           </a:p>
         </p:txBody>
       </p:sp>
@@ -23598,38 +23083,37 @@
           <a:p>
             <a:pPr lvl="0"/>
             <a:r>
-              <a:rPr lang="en-US" smtClean="0"/>
+              <a:rPr lang="en-US"/>
               <a:t>Click to edit Master text styles</a:t>
             </a:r>
           </a:p>
           <a:p>
             <a:pPr lvl="1"/>
             <a:r>
-              <a:rPr lang="en-US" smtClean="0"/>
+              <a:rPr lang="en-US"/>
               <a:t>Second level</a:t>
             </a:r>
           </a:p>
           <a:p>
             <a:pPr lvl="2"/>
             <a:r>
-              <a:rPr lang="en-US" smtClean="0"/>
+              <a:rPr lang="en-US"/>
               <a:t>Third level</a:t>
             </a:r>
           </a:p>
           <a:p>
             <a:pPr lvl="3"/>
             <a:r>
-              <a:rPr lang="en-US" smtClean="0"/>
+              <a:rPr lang="en-US"/>
               <a:t>Fourth level</a:t>
             </a:r>
           </a:p>
           <a:p>
             <a:pPr lvl="4"/>
             <a:r>
-              <a:rPr lang="en-US" smtClean="0"/>
+              <a:rPr lang="en-US"/>
               <a:t>Fifth level</a:t>
             </a:r>
-            <a:endParaRPr lang="en-US"/>
           </a:p>
         </p:txBody>
       </p:sp>
@@ -23692,7 +23176,7 @@
           <a:p>
             <a:pPr lvl="0"/>
             <a:r>
-              <a:rPr lang="en-US" smtClean="0"/>
+              <a:rPr lang="en-US"/>
               <a:t>Click to edit Master text styles</a:t>
             </a:r>
           </a:p>
@@ -23850,10 +23334,9 @@
           </a:lstStyle>
           <a:p>
             <a:r>
-              <a:rPr lang="en-US" smtClean="0"/>
+              <a:rPr lang="en-US"/>
               <a:t>Click to edit Master title style</a:t>
             </a:r>
-            <a:endParaRPr lang="en-US"/>
           </a:p>
         </p:txBody>
       </p:sp>
@@ -23970,7 +23453,7 @@
           <a:p>
             <a:pPr lvl="0"/>
             <a:r>
-              <a:rPr lang="en-US" smtClean="0"/>
+              <a:rPr lang="en-US"/>
               <a:t>Click to edit Master text styles</a:t>
             </a:r>
           </a:p>
@@ -24096,10 +23579,9 @@
           </a:lstStyle>
           <a:p>
             <a:r>
-              <a:rPr lang="en-US" smtClean="0"/>
+              <a:rPr lang="en-US"/>
               <a:t>Click to edit Master title style</a:t>
             </a:r>
-            <a:endParaRPr lang="en-US"/>
           </a:p>
         </p:txBody>
       </p:sp>
@@ -24223,7 +23705,7 @@
           <a:p>
             <a:pPr lvl="0"/>
             <a:r>
-              <a:rPr lang="en-US" smtClean="0"/>
+              <a:rPr lang="en-US"/>
               <a:t>Click to edit Master text styles</a:t>
             </a:r>
           </a:p>
@@ -24372,10 +23854,9 @@
           <a:lstStyle/>
           <a:p>
             <a:r>
-              <a:rPr lang="en-US" smtClean="0"/>
+              <a:rPr lang="en-US"/>
               <a:t>Click to edit Master title style</a:t>
             </a:r>
-            <a:endParaRPr lang="en-US"/>
           </a:p>
         </p:txBody>
       </p:sp>
@@ -24396,38 +23877,37 @@
           <a:p>
             <a:pPr lvl="0"/>
             <a:r>
-              <a:rPr lang="en-US" smtClean="0"/>
+              <a:rPr lang="en-US"/>
               <a:t>Click to edit Master text styles</a:t>
             </a:r>
           </a:p>
           <a:p>
             <a:pPr lvl="1"/>
             <a:r>
-              <a:rPr lang="en-US" smtClean="0"/>
+              <a:rPr lang="en-US"/>
               <a:t>Second level</a:t>
             </a:r>
           </a:p>
           <a:p>
             <a:pPr lvl="2"/>
             <a:r>
-              <a:rPr lang="en-US" smtClean="0"/>
+              <a:rPr lang="en-US"/>
               <a:t>Third level</a:t>
             </a:r>
           </a:p>
           <a:p>
             <a:pPr lvl="3"/>
             <a:r>
-              <a:rPr lang="en-US" smtClean="0"/>
+              <a:rPr lang="en-US"/>
               <a:t>Fourth level</a:t>
             </a:r>
           </a:p>
           <a:p>
             <a:pPr lvl="4"/>
             <a:r>
-              <a:rPr lang="en-US" smtClean="0"/>
+              <a:rPr lang="en-US"/>
               <a:t>Fifth level</a:t>
             </a:r>
-            <a:endParaRPr lang="en-US"/>
           </a:p>
         </p:txBody>
       </p:sp>
@@ -24579,10 +24059,9 @@
           <a:lstStyle/>
           <a:p>
             <a:r>
-              <a:rPr lang="en-US" smtClean="0"/>
+              <a:rPr lang="en-US"/>
               <a:t>Click to edit Master title style</a:t>
             </a:r>
-            <a:endParaRPr lang="en-US"/>
           </a:p>
         </p:txBody>
       </p:sp>
@@ -24608,38 +24087,37 @@
           <a:p>
             <a:pPr lvl="0"/>
             <a:r>
-              <a:rPr lang="en-US" smtClean="0"/>
+              <a:rPr lang="en-US"/>
               <a:t>Click to edit Master text styles</a:t>
             </a:r>
           </a:p>
           <a:p>
             <a:pPr lvl="1"/>
             <a:r>
-              <a:rPr lang="en-US" smtClean="0"/>
+              <a:rPr lang="en-US"/>
               <a:t>Second level</a:t>
             </a:r>
           </a:p>
           <a:p>
             <a:pPr lvl="2"/>
             <a:r>
-              <a:rPr lang="en-US" smtClean="0"/>
+              <a:rPr lang="en-US"/>
               <a:t>Third level</a:t>
             </a:r>
           </a:p>
           <a:p>
             <a:pPr lvl="3"/>
             <a:r>
-              <a:rPr lang="en-US" smtClean="0"/>
+              <a:rPr lang="en-US"/>
               <a:t>Fourth level</a:t>
             </a:r>
           </a:p>
           <a:p>
             <a:pPr lvl="4"/>
             <a:r>
-              <a:rPr lang="en-US" smtClean="0"/>
+              <a:rPr lang="en-US"/>
               <a:t>Fifth level</a:t>
             </a:r>
-            <a:endParaRPr lang="en-US"/>
           </a:p>
         </p:txBody>
       </p:sp>
@@ -25402,10 +24880,9 @@
           <a:lstStyle/>
           <a:p>
             <a:r>
-              <a:rPr lang="en-US" smtClean="0"/>
+              <a:rPr lang="en-US"/>
               <a:t>Click to edit Master title style</a:t>
             </a:r>
-            <a:endParaRPr lang="en-US"/>
           </a:p>
         </p:txBody>
       </p:sp>
@@ -25459,38 +24936,37 @@
           <a:p>
             <a:pPr lvl="0"/>
             <a:r>
-              <a:rPr lang="en-US" smtClean="0"/>
+              <a:rPr lang="en-US"/>
               <a:t>Click to edit Master text styles</a:t>
             </a:r>
           </a:p>
           <a:p>
             <a:pPr lvl="1"/>
             <a:r>
-              <a:rPr lang="en-US" smtClean="0"/>
+              <a:rPr lang="en-US"/>
               <a:t>Second level</a:t>
             </a:r>
           </a:p>
           <a:p>
             <a:pPr lvl="2"/>
             <a:r>
-              <a:rPr lang="en-US" smtClean="0"/>
+              <a:rPr lang="en-US"/>
               <a:t>Third level</a:t>
             </a:r>
           </a:p>
           <a:p>
             <a:pPr lvl="3"/>
             <a:r>
-              <a:rPr lang="en-US" smtClean="0"/>
+              <a:rPr lang="en-US"/>
               <a:t>Fourth level</a:t>
             </a:r>
           </a:p>
           <a:p>
             <a:pPr lvl="4"/>
             <a:r>
-              <a:rPr lang="en-US" smtClean="0"/>
+              <a:rPr lang="en-US"/>
               <a:t>Fifth level</a:t>
             </a:r>
-            <a:endParaRPr lang="en-US"/>
           </a:p>
         </p:txBody>
       </p:sp>
@@ -25544,38 +25020,37 @@
           <a:p>
             <a:pPr lvl="0"/>
             <a:r>
-              <a:rPr lang="en-US" smtClean="0"/>
+              <a:rPr lang="en-US"/>
               <a:t>Click to edit Master text styles</a:t>
             </a:r>
           </a:p>
           <a:p>
             <a:pPr lvl="1"/>
             <a:r>
-              <a:rPr lang="en-US" smtClean="0"/>
+              <a:rPr lang="en-US"/>
               <a:t>Second level</a:t>
             </a:r>
           </a:p>
           <a:p>
             <a:pPr lvl="2"/>
             <a:r>
-              <a:rPr lang="en-US" smtClean="0"/>
+              <a:rPr lang="en-US"/>
               <a:t>Third level</a:t>
             </a:r>
           </a:p>
           <a:p>
             <a:pPr lvl="3"/>
             <a:r>
-              <a:rPr lang="en-US" smtClean="0"/>
+              <a:rPr lang="en-US"/>
               <a:t>Fourth level</a:t>
             </a:r>
           </a:p>
           <a:p>
             <a:pPr lvl="4"/>
             <a:r>
-              <a:rPr lang="en-US" smtClean="0"/>
+              <a:rPr lang="en-US"/>
               <a:t>Fifth level</a:t>
             </a:r>
-            <a:endParaRPr lang="en-US"/>
           </a:p>
         </p:txBody>
       </p:sp>
@@ -25694,10 +25169,9 @@
           </a:lstStyle>
           <a:p>
             <a:r>
-              <a:rPr lang="en-US" smtClean="0"/>
+              <a:rPr lang="en-US"/>
               <a:t>Click to edit Master title style</a:t>
             </a:r>
-            <a:endParaRPr lang="en-US"/>
           </a:p>
         </p:txBody>
       </p:sp>
@@ -25760,7 +25234,7 @@
           <a:p>
             <a:pPr lvl="0"/>
             <a:r>
-              <a:rPr lang="en-US" smtClean="0"/>
+              <a:rPr lang="en-US"/>
               <a:t>Click to edit Master text styles</a:t>
             </a:r>
           </a:p>
@@ -25816,38 +25290,37 @@
           <a:p>
             <a:pPr lvl="0"/>
             <a:r>
-              <a:rPr lang="en-US" smtClean="0"/>
+              <a:rPr lang="en-US"/>
               <a:t>Click to edit Master text styles</a:t>
             </a:r>
           </a:p>
           <a:p>
             <a:pPr lvl="1"/>
             <a:r>
-              <a:rPr lang="en-US" smtClean="0"/>
+              <a:rPr lang="en-US"/>
               <a:t>Second level</a:t>
             </a:r>
           </a:p>
           <a:p>
             <a:pPr lvl="2"/>
             <a:r>
-              <a:rPr lang="en-US" smtClean="0"/>
+              <a:rPr lang="en-US"/>
               <a:t>Third level</a:t>
             </a:r>
           </a:p>
           <a:p>
             <a:pPr lvl="3"/>
             <a:r>
-              <a:rPr lang="en-US" smtClean="0"/>
+              <a:rPr lang="en-US"/>
               <a:t>Fourth level</a:t>
             </a:r>
           </a:p>
           <a:p>
             <a:pPr lvl="4"/>
             <a:r>
-              <a:rPr lang="en-US" smtClean="0"/>
+              <a:rPr lang="en-US"/>
               <a:t>Fifth level</a:t>
             </a:r>
-            <a:endParaRPr lang="en-US"/>
           </a:p>
         </p:txBody>
       </p:sp>
@@ -25910,7 +25383,7 @@
           <a:p>
             <a:pPr lvl="0"/>
             <a:r>
-              <a:rPr lang="en-US" smtClean="0"/>
+              <a:rPr lang="en-US"/>
               <a:t>Click to edit Master text styles</a:t>
             </a:r>
           </a:p>
@@ -25966,38 +25439,37 @@
           <a:p>
             <a:pPr lvl="0"/>
             <a:r>
-              <a:rPr lang="en-US" smtClean="0"/>
+              <a:rPr lang="en-US"/>
               <a:t>Click to edit Master text styles</a:t>
             </a:r>
           </a:p>
           <a:p>
             <a:pPr lvl="1"/>
             <a:r>
-              <a:rPr lang="en-US" smtClean="0"/>
+              <a:rPr lang="en-US"/>
               <a:t>Second level</a:t>
             </a:r>
           </a:p>
           <a:p>
             <a:pPr lvl="2"/>
             <a:r>
-              <a:rPr lang="en-US" smtClean="0"/>
+              <a:rPr lang="en-US"/>
               <a:t>Third level</a:t>
             </a:r>
           </a:p>
           <a:p>
             <a:pPr lvl="3"/>
             <a:r>
-              <a:rPr lang="en-US" smtClean="0"/>
+              <a:rPr lang="en-US"/>
               <a:t>Fourth level</a:t>
             </a:r>
           </a:p>
           <a:p>
             <a:pPr lvl="4"/>
             <a:r>
-              <a:rPr lang="en-US" smtClean="0"/>
+              <a:rPr lang="en-US"/>
               <a:t>Fifth level</a:t>
             </a:r>
-            <a:endParaRPr lang="en-US"/>
           </a:p>
         </p:txBody>
       </p:sp>
@@ -26112,10 +25584,9 @@
           <a:lstStyle/>
           <a:p>
             <a:r>
-              <a:rPr lang="en-US" smtClean="0"/>
+              <a:rPr lang="en-US"/>
               <a:t>Click to edit Master title style</a:t>
             </a:r>
-            <a:endParaRPr lang="en-US"/>
           </a:p>
         </p:txBody>
       </p:sp>
@@ -26334,10 +25805,9 @@
           </a:lstStyle>
           <a:p>
             <a:r>
-              <a:rPr lang="en-US" smtClean="0"/>
+              <a:rPr lang="en-US"/>
               <a:t>Click to edit Master title style</a:t>
             </a:r>
-            <a:endParaRPr lang="en-US"/>
           </a:p>
         </p:txBody>
       </p:sp>
@@ -26391,38 +25861,37 @@
           <a:p>
             <a:pPr lvl="0"/>
             <a:r>
-              <a:rPr lang="en-US" smtClean="0"/>
+              <a:rPr lang="en-US"/>
               <a:t>Click to edit Master text styles</a:t>
             </a:r>
           </a:p>
           <a:p>
             <a:pPr lvl="1"/>
             <a:r>
-              <a:rPr lang="en-US" smtClean="0"/>
+              <a:rPr lang="en-US"/>
               <a:t>Second level</a:t>
             </a:r>
           </a:p>
           <a:p>
             <a:pPr lvl="2"/>
             <a:r>
-              <a:rPr lang="en-US" smtClean="0"/>
+              <a:rPr lang="en-US"/>
               <a:t>Third level</a:t>
             </a:r>
           </a:p>
           <a:p>
             <a:pPr lvl="3"/>
             <a:r>
-              <a:rPr lang="en-US" smtClean="0"/>
+              <a:rPr lang="en-US"/>
               <a:t>Fourth level</a:t>
             </a:r>
           </a:p>
           <a:p>
             <a:pPr lvl="4"/>
             <a:r>
-              <a:rPr lang="en-US" smtClean="0"/>
+              <a:rPr lang="en-US"/>
               <a:t>Fifth level</a:t>
             </a:r>
-            <a:endParaRPr lang="en-US"/>
           </a:p>
         </p:txBody>
       </p:sp>
@@ -26485,7 +25954,7 @@
           <a:p>
             <a:pPr lvl="0"/>
             <a:r>
-              <a:rPr lang="en-US" smtClean="0"/>
+              <a:rPr lang="en-US"/>
               <a:t>Click to edit Master text styles</a:t>
             </a:r>
           </a:p>
@@ -26611,10 +26080,9 @@
           </a:lstStyle>
           <a:p>
             <a:r>
-              <a:rPr lang="en-US" smtClean="0"/>
+              <a:rPr lang="en-US"/>
               <a:t>Click to edit Master title style</a:t>
             </a:r>
-            <a:endParaRPr lang="en-US"/>
           </a:p>
         </p:txBody>
       </p:sp>
@@ -26738,7 +26206,7 @@
           <a:p>
             <a:pPr lvl="0"/>
             <a:r>
-              <a:rPr lang="en-US" smtClean="0"/>
+              <a:rPr lang="en-US"/>
               <a:t>Click to edit Master text styles</a:t>
             </a:r>
           </a:p>
@@ -26880,10 +26348,9 @@
           <a:lstStyle/>
           <a:p>
             <a:r>
-              <a:rPr lang="en-US" smtClean="0"/>
+              <a:rPr lang="en-US"/>
               <a:t>Click to edit Master title style</a:t>
             </a:r>
-            <a:endParaRPr lang="en-US"/>
           </a:p>
         </p:txBody>
       </p:sp>
@@ -26914,38 +26381,37 @@
           <a:p>
             <a:pPr lvl="0"/>
             <a:r>
-              <a:rPr lang="en-US" smtClean="0"/>
+              <a:rPr lang="en-US"/>
               <a:t>Click to edit Master text styles</a:t>
             </a:r>
           </a:p>
           <a:p>
             <a:pPr lvl="1"/>
             <a:r>
-              <a:rPr lang="en-US" smtClean="0"/>
+              <a:rPr lang="en-US"/>
               <a:t>Second level</a:t>
             </a:r>
           </a:p>
           <a:p>
             <a:pPr lvl="2"/>
             <a:r>
-              <a:rPr lang="en-US" smtClean="0"/>
+              <a:rPr lang="en-US"/>
               <a:t>Third level</a:t>
             </a:r>
           </a:p>
           <a:p>
             <a:pPr lvl="3"/>
             <a:r>
-              <a:rPr lang="en-US" smtClean="0"/>
+              <a:rPr lang="en-US"/>
               <a:t>Fourth level</a:t>
             </a:r>
           </a:p>
           <a:p>
             <a:pPr lvl="4"/>
             <a:r>
-              <a:rPr lang="en-US" smtClean="0"/>
+              <a:rPr lang="en-US"/>
               <a:t>Fifth level</a:t>
             </a:r>
-            <a:endParaRPr lang="en-US"/>
           </a:p>
         </p:txBody>
       </p:sp>
@@ -28786,10 +28252,9 @@
           <a:lstStyle/>
           <a:p>
             <a:r>
-              <a:rPr lang="en-US" smtClean="0"/>
+              <a:rPr lang="en-US"/>
               <a:t>Click to edit Master title style</a:t>
             </a:r>
-            <a:endParaRPr lang="en-US"/>
           </a:p>
         </p:txBody>
       </p:sp>
@@ -28820,38 +28285,37 @@
           <a:p>
             <a:pPr lvl="0"/>
             <a:r>
-              <a:rPr lang="en-US" smtClean="0"/>
+              <a:rPr lang="en-US"/>
               <a:t>Click to edit Master text styles</a:t>
             </a:r>
           </a:p>
           <a:p>
             <a:pPr lvl="1"/>
             <a:r>
-              <a:rPr lang="en-US" smtClean="0"/>
+              <a:rPr lang="en-US"/>
               <a:t>Second level</a:t>
             </a:r>
           </a:p>
           <a:p>
             <a:pPr lvl="2"/>
             <a:r>
-              <a:rPr lang="en-US" smtClean="0"/>
+              <a:rPr lang="en-US"/>
               <a:t>Third level</a:t>
             </a:r>
           </a:p>
           <a:p>
             <a:pPr lvl="3"/>
             <a:r>
-              <a:rPr lang="en-US" smtClean="0"/>
+              <a:rPr lang="en-US"/>
               <a:t>Fourth level</a:t>
             </a:r>
           </a:p>
           <a:p>
             <a:pPr lvl="4"/>
             <a:r>
-              <a:rPr lang="en-US" smtClean="0"/>
+              <a:rPr lang="en-US"/>
               <a:t>Fifth level</a:t>
             </a:r>
-            <a:endParaRPr lang="en-US"/>
           </a:p>
         </p:txBody>
       </p:sp>
@@ -29401,7 +28865,7 @@
           </a:lstStyle>
           <a:p>
             <a:r>
-              <a:rPr lang="en-US" sz="2400" dirty="0" err="1" smtClean="0">
+              <a:rPr lang="en-US" sz="2400" dirty="0" err="1">
                 <a:solidFill>
                   <a:schemeClr val="tx1">
                     <a:lumMod val="95000"/>
@@ -29415,7 +28879,7 @@
               <a:t>Trường</a:t>
             </a:r>
             <a:r>
-              <a:rPr lang="en-US" sz="2400" dirty="0" smtClean="0">
+              <a:rPr lang="en-US" sz="2400" dirty="0">
                 <a:solidFill>
                   <a:schemeClr val="tx1">
                     <a:lumMod val="95000"/>
@@ -29429,7 +28893,7 @@
               <a:t> </a:t>
             </a:r>
             <a:r>
-              <a:rPr lang="en-US" sz="2400" dirty="0" err="1" smtClean="0">
+              <a:rPr lang="en-US" sz="2400" dirty="0" err="1">
                 <a:solidFill>
                   <a:schemeClr val="tx1">
                     <a:lumMod val="95000"/>
@@ -29443,7 +28907,7 @@
               <a:t>Đại</a:t>
             </a:r>
             <a:r>
-              <a:rPr lang="en-US" sz="2400" dirty="0" smtClean="0">
+              <a:rPr lang="en-US" sz="2400" dirty="0">
                 <a:solidFill>
                   <a:schemeClr val="tx1">
                     <a:lumMod val="95000"/>
@@ -29457,7 +28921,7 @@
               <a:t> </a:t>
             </a:r>
             <a:r>
-              <a:rPr lang="en-US" sz="2400" dirty="0" err="1" smtClean="0">
+              <a:rPr lang="en-US" sz="2400" dirty="0" err="1">
                 <a:solidFill>
                   <a:schemeClr val="tx1">
                     <a:lumMod val="95000"/>
@@ -29471,7 +28935,7 @@
               <a:t>học</a:t>
             </a:r>
             <a:r>
-              <a:rPr lang="en-US" sz="2400" dirty="0" smtClean="0">
+              <a:rPr lang="en-US" sz="2400" dirty="0">
                 <a:solidFill>
                   <a:schemeClr val="tx1">
                     <a:lumMod val="95000"/>
@@ -29485,7 +28949,7 @@
               <a:t> </a:t>
             </a:r>
             <a:r>
-              <a:rPr lang="en-US" sz="2400" dirty="0" err="1" smtClean="0">
+              <a:rPr lang="en-US" sz="2400" dirty="0" err="1">
                 <a:solidFill>
                   <a:schemeClr val="tx1">
                     <a:lumMod val="95000"/>
@@ -29498,22 +28962,8 @@
               </a:rPr>
               <a:t>Vinh</a:t>
             </a:r>
-            <a:r>
-              <a:rPr lang="en-US" sz="2400" dirty="0" smtClean="0">
-                <a:solidFill>
-                  <a:schemeClr val="tx1">
-                    <a:lumMod val="95000"/>
-                    <a:lumOff val="5000"/>
-                  </a:schemeClr>
-                </a:solidFill>
-                <a:latin typeface="Calibri" pitchFamily="34" charset="0"/>
-                <a:ea typeface="Tahoma" pitchFamily="34" charset="0"/>
-                <a:cs typeface="Calibri" pitchFamily="34" charset="0"/>
-              </a:rPr>
-              <a:t/>
-            </a:r>
             <a:br>
-              <a:rPr lang="en-US" sz="2400" dirty="0" smtClean="0">
+              <a:rPr lang="en-US" sz="2400" dirty="0">
                 <a:solidFill>
                   <a:schemeClr val="tx1">
                     <a:lumMod val="95000"/>
@@ -29526,7 +28976,7 @@
               </a:rPr>
             </a:br>
             <a:r>
-              <a:rPr lang="en-US" sz="2400" dirty="0" err="1" smtClean="0">
+              <a:rPr lang="en-US" sz="2400" dirty="0" err="1">
                 <a:solidFill>
                   <a:schemeClr val="tx1">
                     <a:lumMod val="95000"/>
@@ -29540,7 +28990,7 @@
               <a:t>Viện</a:t>
             </a:r>
             <a:r>
-              <a:rPr lang="en-US" sz="2400" dirty="0" smtClean="0">
+              <a:rPr lang="en-US" sz="2400" dirty="0">
                 <a:solidFill>
                   <a:schemeClr val="tx1">
                     <a:lumMod val="95000"/>
@@ -29554,7 +29004,7 @@
               <a:t> </a:t>
             </a:r>
             <a:r>
-              <a:rPr lang="en-US" sz="2400" dirty="0" err="1" smtClean="0">
+              <a:rPr lang="en-US" sz="2400" dirty="0" err="1">
                 <a:solidFill>
                   <a:schemeClr val="tx1">
                     <a:lumMod val="95000"/>
@@ -29568,7 +29018,7 @@
               <a:t>Kỹ</a:t>
             </a:r>
             <a:r>
-              <a:rPr lang="en-US" sz="2400" dirty="0" smtClean="0">
+              <a:rPr lang="en-US" sz="2400" dirty="0">
                 <a:solidFill>
                   <a:schemeClr val="tx1">
                     <a:lumMod val="95000"/>
@@ -29582,7 +29032,7 @@
               <a:t> </a:t>
             </a:r>
             <a:r>
-              <a:rPr lang="en-US" sz="2400" dirty="0" err="1" smtClean="0">
+              <a:rPr lang="en-US" sz="2400" dirty="0" err="1">
                 <a:solidFill>
                   <a:schemeClr val="tx1">
                     <a:lumMod val="95000"/>
@@ -29596,7 +29046,7 @@
               <a:t>thuật</a:t>
             </a:r>
             <a:r>
-              <a:rPr lang="en-US" sz="2400" dirty="0" smtClean="0">
+              <a:rPr lang="en-US" sz="2400" dirty="0">
                 <a:solidFill>
                   <a:schemeClr val="tx1">
                     <a:lumMod val="95000"/>
@@ -29610,7 +29060,7 @@
               <a:t> </a:t>
             </a:r>
             <a:r>
-              <a:rPr lang="en-US" sz="2400" dirty="0" err="1" smtClean="0">
+              <a:rPr lang="en-US" sz="2400" dirty="0" err="1">
                 <a:solidFill>
                   <a:schemeClr val="tx1">
                     <a:lumMod val="95000"/>
@@ -29624,7 +29074,7 @@
               <a:t>và</a:t>
             </a:r>
             <a:r>
-              <a:rPr lang="en-US" sz="2400" dirty="0" smtClean="0">
+              <a:rPr lang="en-US" sz="2400" dirty="0">
                 <a:solidFill>
                   <a:schemeClr val="tx1">
                     <a:lumMod val="95000"/>
@@ -29638,7 +29088,7 @@
               <a:t> </a:t>
             </a:r>
             <a:r>
-              <a:rPr lang="en-US" sz="2400" dirty="0" err="1" smtClean="0">
+              <a:rPr lang="en-US" sz="2400" dirty="0" err="1">
                 <a:solidFill>
                   <a:schemeClr val="tx1">
                     <a:lumMod val="95000"/>
@@ -29652,7 +29102,7 @@
               <a:t>Công</a:t>
             </a:r>
             <a:r>
-              <a:rPr lang="en-US" sz="2400" dirty="0" smtClean="0">
+              <a:rPr lang="en-US" sz="2400" dirty="0">
                 <a:solidFill>
                   <a:schemeClr val="tx1">
                     <a:lumMod val="95000"/>
@@ -29666,7 +29116,7 @@
               <a:t> </a:t>
             </a:r>
             <a:r>
-              <a:rPr lang="en-US" sz="2400" dirty="0" err="1" smtClean="0">
+              <a:rPr lang="en-US" sz="2400" dirty="0" err="1">
                 <a:solidFill>
                   <a:schemeClr val="tx1">
                     <a:lumMod val="95000"/>
@@ -29809,7 +29259,7 @@
             </a:lvl9pPr>
           </a:lstStyle>
           <a:p>
-            <a:endParaRPr lang="en-US" sz="2000" b="1" dirty="0" smtClean="0">
+            <a:endParaRPr lang="en-US" sz="2000" b="1" dirty="0">
               <a:solidFill>
                 <a:schemeClr val="tx1">
                   <a:lumMod val="95000"/>
@@ -29871,24 +29321,10 @@
                 <a:ea typeface="Tahoma" pitchFamily="34" charset="0"/>
                 <a:cs typeface="Calibri" pitchFamily="34" charset="0"/>
               </a:rPr>
-              <a:t>Giảng </a:t>
-            </a:r>
-            <a:r>
-              <a:rPr lang="vi-VN" dirty="0" smtClean="0">
-                <a:solidFill>
-                  <a:schemeClr val="tx1">
-                    <a:lumMod val="95000"/>
-                    <a:lumOff val="5000"/>
-                  </a:schemeClr>
-                </a:solidFill>
-                <a:latin typeface="Calibri" pitchFamily="34" charset="0"/>
-                <a:ea typeface="Tahoma" pitchFamily="34" charset="0"/>
-                <a:cs typeface="Calibri" pitchFamily="34" charset="0"/>
-              </a:rPr>
-              <a:t>viên</a:t>
-            </a:r>
-            <a:r>
-              <a:rPr lang="en-US" dirty="0" smtClean="0">
+              <a:t>Giảng viên</a:t>
+            </a:r>
+            <a:r>
+              <a:rPr lang="en-US" dirty="0">
                 <a:solidFill>
                   <a:schemeClr val="tx1">
                     <a:lumMod val="95000"/>
@@ -29902,7 +29338,7 @@
               <a:t>: </a:t>
             </a:r>
             <a:r>
-              <a:rPr lang="en-US" b="0" dirty="0" smtClean="0">
+              <a:rPr lang="en-US" b="0" dirty="0">
                 <a:solidFill>
                   <a:schemeClr val="tx1">
                     <a:lumMod val="95000"/>
@@ -29916,7 +29352,7 @@
               <a:t>Cao </a:t>
             </a:r>
             <a:r>
-              <a:rPr lang="en-US" b="0" dirty="0" err="1" smtClean="0">
+              <a:rPr lang="en-US" b="0" dirty="0" err="1">
                 <a:solidFill>
                   <a:schemeClr val="tx1">
                     <a:lumMod val="95000"/>
@@ -29930,7 +29366,7 @@
               <a:t>Thanh</a:t>
             </a:r>
             <a:r>
-              <a:rPr lang="en-US" b="0" dirty="0" smtClean="0">
+              <a:rPr lang="en-US" b="0" dirty="0">
                 <a:solidFill>
                   <a:schemeClr val="tx1">
                     <a:lumMod val="95000"/>
@@ -29944,7 +29380,7 @@
               <a:t> </a:t>
             </a:r>
             <a:r>
-              <a:rPr lang="en-US" b="0" dirty="0" err="1" smtClean="0">
+              <a:rPr lang="en-US" b="0" dirty="0" err="1">
                 <a:solidFill>
                   <a:schemeClr val="tx1">
                     <a:lumMod val="95000"/>
@@ -29972,20 +29408,6 @@
           <a:p>
             <a:pPr algn="l"/>
             <a:r>
-              <a:rPr lang="vi-VN" dirty="0" smtClean="0">
-                <a:solidFill>
-                  <a:schemeClr val="tx1">
-                    <a:lumMod val="95000"/>
-                    <a:lumOff val="5000"/>
-                  </a:schemeClr>
-                </a:solidFill>
-                <a:latin typeface="Calibri" pitchFamily="34" charset="0"/>
-                <a:ea typeface="Tahoma" pitchFamily="34" charset="0"/>
-                <a:cs typeface="Calibri" pitchFamily="34" charset="0"/>
-              </a:rPr>
-              <a:t>Sinh </a:t>
-            </a:r>
-            <a:r>
               <a:rPr lang="vi-VN" dirty="0">
                 <a:solidFill>
                   <a:schemeClr val="tx1">
@@ -29997,7 +29419,7 @@
                 <a:ea typeface="Tahoma" pitchFamily="34" charset="0"/>
                 <a:cs typeface="Calibri" pitchFamily="34" charset="0"/>
               </a:rPr>
-              <a:t>viên thực hiện :</a:t>
+              <a:t>Sinh viên thực hiện :</a:t>
             </a:r>
           </a:p>
           <a:p>
@@ -30005,7 +29427,7 @@
               <a:buAutoNum type="arabicPeriod"/>
             </a:pPr>
             <a:r>
-              <a:rPr lang="en-US" b="0" dirty="0" err="1" smtClean="0">
+              <a:rPr lang="en-US" b="0" dirty="0" err="1">
                 <a:solidFill>
                   <a:schemeClr val="tx1">
                     <a:lumMod val="95000"/>
@@ -30019,7 +29441,7 @@
               <a:t>Dương</a:t>
             </a:r>
             <a:r>
-              <a:rPr lang="en-US" b="0" dirty="0" smtClean="0">
+              <a:rPr lang="en-US" b="0" dirty="0">
                 <a:solidFill>
                   <a:schemeClr val="tx1">
                     <a:lumMod val="95000"/>
@@ -30033,7 +29455,7 @@
               <a:t> </a:t>
             </a:r>
             <a:r>
-              <a:rPr lang="en-US" b="0" dirty="0" err="1" smtClean="0">
+              <a:rPr lang="en-US" b="0" dirty="0" err="1">
                 <a:solidFill>
                   <a:schemeClr val="tx1">
                     <a:lumMod val="95000"/>
@@ -30047,7 +29469,7 @@
               <a:t>Văn</a:t>
             </a:r>
             <a:r>
-              <a:rPr lang="en-US" b="0" dirty="0" smtClean="0">
+              <a:rPr lang="en-US" b="0" dirty="0">
                 <a:solidFill>
                   <a:schemeClr val="tx1">
                     <a:lumMod val="95000"/>
@@ -30061,7 +29483,7 @@
               <a:t> </a:t>
             </a:r>
             <a:r>
-              <a:rPr lang="en-US" b="0" dirty="0" err="1" smtClean="0">
+              <a:rPr lang="en-US" b="0" dirty="0" err="1">
                 <a:solidFill>
                   <a:schemeClr val="tx1">
                     <a:lumMod val="95000"/>
@@ -30075,7 +29497,7 @@
               <a:t>Đạt</a:t>
             </a:r>
             <a:r>
-              <a:rPr lang="en-US" b="0" dirty="0" smtClean="0">
+              <a:rPr lang="en-US" b="0" dirty="0">
                 <a:solidFill>
                   <a:schemeClr val="tx1">
                     <a:lumMod val="95000"/>
@@ -30089,7 +29511,7 @@
               <a:t> - </a:t>
             </a:r>
             <a:r>
-              <a:rPr lang="en-US" b="0" dirty="0" err="1" smtClean="0">
+              <a:rPr lang="en-US" b="0" dirty="0" err="1">
                 <a:solidFill>
                   <a:schemeClr val="tx1">
                     <a:lumMod val="95000"/>
@@ -30102,7 +29524,7 @@
               </a:rPr>
               <a:t>155D4802010049</a:t>
             </a:r>
-            <a:endParaRPr lang="en-US" b="0" dirty="0" smtClean="0">
+            <a:endParaRPr lang="en-US" b="0" dirty="0">
               <a:solidFill>
                 <a:schemeClr val="tx1">
                   <a:lumMod val="95000"/>
@@ -30119,7 +29541,7 @@
               <a:buAutoNum type="arabicPeriod"/>
             </a:pPr>
             <a:r>
-              <a:rPr lang="en-US" b="0" dirty="0" err="1" smtClean="0">
+              <a:rPr lang="en-US" b="0" dirty="0" err="1">
                 <a:solidFill>
                   <a:schemeClr val="tx1">
                     <a:lumMod val="95000"/>
@@ -30133,7 +29555,7 @@
               <a:t>Nguyễn</a:t>
             </a:r>
             <a:r>
-              <a:rPr lang="en-US" b="0" dirty="0" smtClean="0">
+              <a:rPr lang="en-US" b="0" dirty="0">
                 <a:solidFill>
                   <a:schemeClr val="tx1">
                     <a:lumMod val="95000"/>
@@ -30147,7 +29569,7 @@
               <a:t> </a:t>
             </a:r>
             <a:r>
-              <a:rPr lang="en-US" b="0" dirty="0" err="1" smtClean="0">
+              <a:rPr lang="en-US" b="0" dirty="0" err="1">
                 <a:solidFill>
                   <a:schemeClr val="tx1">
                     <a:lumMod val="95000"/>
@@ -30161,7 +29583,7 @@
               <a:t>Văn</a:t>
             </a:r>
             <a:r>
-              <a:rPr lang="en-US" b="0" dirty="0" smtClean="0">
+              <a:rPr lang="en-US" b="0" dirty="0">
                 <a:solidFill>
                   <a:schemeClr val="tx1">
                     <a:lumMod val="95000"/>
@@ -30175,7 +29597,7 @@
               <a:t> </a:t>
             </a:r>
             <a:r>
-              <a:rPr lang="en-US" b="0" dirty="0" err="1" smtClean="0">
+              <a:rPr lang="en-US" b="0" dirty="0" err="1">
                 <a:solidFill>
                   <a:schemeClr val="tx1">
                     <a:lumMod val="95000"/>
@@ -30189,7 +29611,7 @@
               <a:t>Tuấn</a:t>
             </a:r>
             <a:r>
-              <a:rPr lang="en-US" b="0" dirty="0" smtClean="0">
+              <a:rPr lang="en-US" b="0" dirty="0">
                 <a:solidFill>
                   <a:schemeClr val="tx1">
                     <a:lumMod val="95000"/>
@@ -30203,7 +29625,7 @@
               <a:t>- </a:t>
             </a:r>
             <a:r>
-              <a:rPr lang="en-US" b="0" dirty="0" err="1" smtClean="0">
+              <a:rPr lang="en-US" b="0" dirty="0" err="1">
                 <a:solidFill>
                   <a:schemeClr val="tx1">
                     <a:lumMod val="95000"/>
@@ -30216,7 +29638,7 @@
               </a:rPr>
               <a:t>155D4802010041</a:t>
             </a:r>
-            <a:endParaRPr lang="en-US" b="0" dirty="0" smtClean="0">
+            <a:endParaRPr lang="en-US" b="0" dirty="0">
               <a:solidFill>
                 <a:schemeClr val="tx1">
                   <a:lumMod val="95000"/>
@@ -30233,7 +29655,7 @@
               <a:buAutoNum type="arabicPeriod"/>
             </a:pPr>
             <a:r>
-              <a:rPr lang="en-US" b="0" dirty="0" err="1" smtClean="0">
+              <a:rPr lang="en-US" b="0" dirty="0" err="1">
                 <a:solidFill>
                   <a:schemeClr val="tx1">
                     <a:lumMod val="95000"/>
@@ -30247,7 +29669,7 @@
               <a:t>Bùi</a:t>
             </a:r>
             <a:r>
-              <a:rPr lang="en-US" b="0" dirty="0" smtClean="0">
+              <a:rPr lang="en-US" b="0" dirty="0">
                 <a:solidFill>
                   <a:schemeClr val="tx1">
                     <a:lumMod val="95000"/>
@@ -30261,7 +29683,7 @@
               <a:t> </a:t>
             </a:r>
             <a:r>
-              <a:rPr lang="en-US" b="0" dirty="0" err="1" smtClean="0">
+              <a:rPr lang="en-US" b="0" dirty="0" err="1">
                 <a:solidFill>
                   <a:schemeClr val="tx1">
                     <a:lumMod val="95000"/>
@@ -30275,7 +29697,7 @@
               <a:t>Quốc</a:t>
             </a:r>
             <a:r>
-              <a:rPr lang="en-US" b="0" dirty="0" smtClean="0">
+              <a:rPr lang="en-US" b="0" dirty="0">
                 <a:solidFill>
                   <a:schemeClr val="tx1">
                     <a:lumMod val="95000"/>
@@ -30289,7 +29711,7 @@
               <a:t> </a:t>
             </a:r>
             <a:r>
-              <a:rPr lang="en-US" b="0" dirty="0" err="1" smtClean="0">
+              <a:rPr lang="en-US" b="0" dirty="0" err="1">
                 <a:solidFill>
                   <a:schemeClr val="tx1">
                     <a:lumMod val="95000"/>
@@ -30303,7 +29725,7 @@
               <a:t>Đức</a:t>
             </a:r>
             <a:r>
-              <a:rPr lang="en-US" b="0" dirty="0" smtClean="0">
+              <a:rPr lang="en-US" b="0" dirty="0">
                 <a:solidFill>
                   <a:schemeClr val="tx1">
                     <a:lumMod val="95000"/>
@@ -30317,7 +29739,7 @@
               <a:t>- </a:t>
             </a:r>
             <a:r>
-              <a:rPr lang="en-US" b="0" dirty="0" err="1" smtClean="0">
+              <a:rPr lang="en-US" b="0" dirty="0" err="1">
                 <a:solidFill>
                   <a:schemeClr val="tx1">
                     <a:lumMod val="95000"/>
@@ -30498,7 +29920,7 @@
           <a:p>
             <a:pPr algn="ctr"/>
             <a:r>
-              <a:rPr lang="en-US" b="0" i="1" dirty="0" err="1" smtClean="0">
+              <a:rPr lang="en-US" b="0" i="1" dirty="0" err="1">
                 <a:solidFill>
                   <a:schemeClr val="tx1">
                     <a:lumMod val="95000"/>
@@ -30512,7 +29934,7 @@
               <a:t>Đề</a:t>
             </a:r>
             <a:r>
-              <a:rPr lang="en-US" b="0" i="1" dirty="0" smtClean="0">
+              <a:rPr lang="en-US" b="0" i="1" dirty="0">
                 <a:solidFill>
                   <a:schemeClr val="tx1">
                     <a:lumMod val="95000"/>
@@ -30526,7 +29948,7 @@
               <a:t> </a:t>
             </a:r>
             <a:r>
-              <a:rPr lang="en-US" b="0" i="1" dirty="0" err="1" smtClean="0">
+              <a:rPr lang="en-US" b="0" i="1" dirty="0" err="1">
                 <a:solidFill>
                   <a:schemeClr val="tx1">
                     <a:lumMod val="95000"/>
@@ -30540,7 +29962,7 @@
               <a:t>tài</a:t>
             </a:r>
             <a:r>
-              <a:rPr lang="en-US" b="0" i="1" dirty="0" smtClean="0">
+              <a:rPr lang="en-US" b="0" i="1" dirty="0">
                 <a:solidFill>
                   <a:schemeClr val="tx1">
                     <a:lumMod val="95000"/>
@@ -30554,7 +29976,7 @@
               <a:t> : </a:t>
             </a:r>
             <a:r>
-              <a:rPr lang="en-US" b="0" i="1" dirty="0" err="1" smtClean="0">
+              <a:rPr lang="en-US" b="0" i="1" dirty="0" err="1">
                 <a:solidFill>
                   <a:schemeClr val="tx1">
                     <a:lumMod val="95000"/>
@@ -30568,7 +29990,7 @@
               <a:t>Hình</a:t>
             </a:r>
             <a:r>
-              <a:rPr lang="en-US" b="0" i="1" dirty="0" smtClean="0">
+              <a:rPr lang="en-US" b="0" i="1" dirty="0">
                 <a:solidFill>
                   <a:schemeClr val="tx1">
                     <a:lumMod val="95000"/>
@@ -30582,7 +30004,7 @@
               <a:t> </a:t>
             </a:r>
             <a:r>
-              <a:rPr lang="en-US" b="0" i="1" dirty="0" err="1" smtClean="0">
+              <a:rPr lang="en-US" b="0" i="1" dirty="0" err="1">
                 <a:solidFill>
                   <a:schemeClr val="tx1">
                     <a:lumMod val="95000"/>
@@ -30596,7 +30018,7 @@
               <a:t>thành</a:t>
             </a:r>
             <a:r>
-              <a:rPr lang="en-US" b="0" i="1" dirty="0" smtClean="0">
+              <a:rPr lang="en-US" b="0" i="1" dirty="0">
                 <a:solidFill>
                   <a:schemeClr val="tx1">
                     <a:lumMod val="95000"/>
@@ -30610,7 +30032,7 @@
               <a:t> ý </a:t>
             </a:r>
             <a:r>
-              <a:rPr lang="en-US" b="0" i="1" dirty="0" err="1" smtClean="0">
+              <a:rPr lang="en-US" b="0" i="1" dirty="0" err="1">
                 <a:solidFill>
                   <a:schemeClr val="tx1">
                     <a:lumMod val="95000"/>
@@ -30624,7 +30046,7 @@
               <a:t>tưởng</a:t>
             </a:r>
             <a:r>
-              <a:rPr lang="en-US" b="0" i="1" dirty="0" smtClean="0">
+              <a:rPr lang="en-US" b="0" i="1" dirty="0">
                 <a:solidFill>
                   <a:schemeClr val="tx1">
                     <a:lumMod val="95000"/>
@@ -30638,7 +30060,7 @@
               <a:t>, </a:t>
             </a:r>
             <a:r>
-              <a:rPr lang="en-US" b="0" i="1" dirty="0" err="1" smtClean="0">
+              <a:rPr lang="en-US" b="0" i="1" dirty="0" err="1">
                 <a:solidFill>
                   <a:schemeClr val="tx1">
                     <a:lumMod val="95000"/>
@@ -30652,7 +30074,7 @@
               <a:t>thiết</a:t>
             </a:r>
             <a:r>
-              <a:rPr lang="en-US" b="0" i="1" dirty="0" smtClean="0">
+              <a:rPr lang="en-US" b="0" i="1" dirty="0">
                 <a:solidFill>
                   <a:schemeClr val="tx1">
                     <a:lumMod val="95000"/>
@@ -30666,7 +30088,7 @@
               <a:t> </a:t>
             </a:r>
             <a:r>
-              <a:rPr lang="en-US" b="0" i="1" dirty="0" err="1" smtClean="0">
+              <a:rPr lang="en-US" b="0" i="1" dirty="0" err="1">
                 <a:solidFill>
                   <a:schemeClr val="tx1">
                     <a:lumMod val="95000"/>
@@ -30680,7 +30102,7 @@
               <a:t>kế,triển</a:t>
             </a:r>
             <a:r>
-              <a:rPr lang="en-US" b="0" i="1" dirty="0" smtClean="0">
+              <a:rPr lang="en-US" b="0" i="1" dirty="0">
                 <a:solidFill>
                   <a:schemeClr val="tx1">
                     <a:lumMod val="95000"/>
@@ -30694,7 +30116,7 @@
               <a:t> </a:t>
             </a:r>
             <a:r>
-              <a:rPr lang="en-US" b="0" i="1" dirty="0" err="1" smtClean="0">
+              <a:rPr lang="en-US" b="0" i="1" dirty="0" err="1">
                 <a:solidFill>
                   <a:schemeClr val="tx1">
                     <a:lumMod val="95000"/>
@@ -30708,7 +30130,7 @@
               <a:t>khai</a:t>
             </a:r>
             <a:r>
-              <a:rPr lang="en-US" b="0" i="1" dirty="0" smtClean="0">
+              <a:rPr lang="en-US" b="0" i="1" dirty="0">
                 <a:solidFill>
                   <a:schemeClr val="tx1">
                     <a:lumMod val="95000"/>
@@ -30722,7 +30144,7 @@
               <a:t> </a:t>
             </a:r>
             <a:r>
-              <a:rPr lang="en-US" b="0" i="1" dirty="0" err="1" smtClean="0">
+              <a:rPr lang="en-US" b="0" i="1" dirty="0" err="1">
                 <a:solidFill>
                   <a:schemeClr val="tx1">
                     <a:lumMod val="95000"/>
@@ -30736,7 +30158,7 @@
               <a:t>và</a:t>
             </a:r>
             <a:r>
-              <a:rPr lang="en-US" b="0" i="1" dirty="0" smtClean="0">
+              <a:rPr lang="en-US" b="0" i="1" dirty="0">
                 <a:solidFill>
                   <a:schemeClr val="tx1">
                     <a:lumMod val="95000"/>
@@ -30750,7 +30172,7 @@
               <a:t> </a:t>
             </a:r>
             <a:r>
-              <a:rPr lang="en-US" b="0" i="1" dirty="0" err="1" smtClean="0">
+              <a:rPr lang="en-US" b="0" i="1" dirty="0" err="1">
                 <a:solidFill>
                   <a:schemeClr val="tx1">
                     <a:lumMod val="95000"/>
@@ -30764,7 +30186,7 @@
               <a:t>vận</a:t>
             </a:r>
             <a:r>
-              <a:rPr lang="en-US" b="0" i="1" dirty="0" smtClean="0">
+              <a:rPr lang="en-US" b="0" i="1" dirty="0">
                 <a:solidFill>
                   <a:schemeClr val="tx1">
                     <a:lumMod val="95000"/>
@@ -30778,7 +30200,7 @@
               <a:t> </a:t>
             </a:r>
             <a:r>
-              <a:rPr lang="en-US" b="0" i="1" dirty="0" err="1" smtClean="0">
+              <a:rPr lang="en-US" b="0" i="1" dirty="0" err="1">
                 <a:solidFill>
                   <a:schemeClr val="tx1">
                     <a:lumMod val="95000"/>
@@ -30792,7 +30214,7 @@
               <a:t>hành</a:t>
             </a:r>
             <a:r>
-              <a:rPr lang="en-US" b="0" i="1" dirty="0" smtClean="0">
+              <a:rPr lang="en-US" b="0" i="1" dirty="0">
                 <a:solidFill>
                   <a:schemeClr val="tx1">
                     <a:lumMod val="95000"/>
@@ -30806,7 +30228,7 @@
               <a:t> </a:t>
             </a:r>
             <a:r>
-              <a:rPr lang="en-US" b="0" i="1" dirty="0" err="1" smtClean="0">
+              <a:rPr lang="en-US" b="0" i="1" dirty="0" err="1">
                 <a:solidFill>
                   <a:schemeClr val="tx1">
                     <a:lumMod val="95000"/>
@@ -30820,7 +30242,7 @@
               <a:t>hệ</a:t>
             </a:r>
             <a:r>
-              <a:rPr lang="en-US" b="0" i="1" dirty="0" smtClean="0">
+              <a:rPr lang="en-US" b="0" i="1" dirty="0">
                 <a:solidFill>
                   <a:schemeClr val="tx1">
                     <a:lumMod val="95000"/>
@@ -30834,7 +30256,7 @@
               <a:t> </a:t>
             </a:r>
             <a:r>
-              <a:rPr lang="en-US" b="0" i="1" dirty="0" err="1" smtClean="0">
+              <a:rPr lang="en-US" b="0" i="1" dirty="0" err="1">
                 <a:solidFill>
                   <a:schemeClr val="tx1">
                     <a:lumMod val="95000"/>
@@ -30848,7 +30270,7 @@
               <a:t>thống</a:t>
             </a:r>
             <a:r>
-              <a:rPr lang="en-US" b="0" i="1" dirty="0" smtClean="0">
+              <a:rPr lang="en-US" b="0" i="1" dirty="0">
                 <a:solidFill>
                   <a:schemeClr val="tx1">
                     <a:lumMod val="95000"/>
@@ -30862,7 +30284,7 @@
               <a:t> </a:t>
             </a:r>
             <a:r>
-              <a:rPr lang="en-US" b="0" i="1" dirty="0" err="1" smtClean="0">
+              <a:rPr lang="en-US" b="0" i="1" dirty="0" err="1">
                 <a:solidFill>
                   <a:schemeClr val="tx1">
                     <a:lumMod val="95000"/>
@@ -30876,7 +30298,7 @@
               <a:t>quản</a:t>
             </a:r>
             <a:r>
-              <a:rPr lang="en-US" b="0" i="1" dirty="0" smtClean="0">
+              <a:rPr lang="en-US" b="0" i="1" dirty="0">
                 <a:solidFill>
                   <a:schemeClr val="tx1">
                     <a:lumMod val="95000"/>
@@ -30890,7 +30312,7 @@
               <a:t> </a:t>
             </a:r>
             <a:r>
-              <a:rPr lang="en-US" b="0" i="1" dirty="0" err="1" smtClean="0">
+              <a:rPr lang="en-US" b="0" i="1" dirty="0" err="1">
                 <a:solidFill>
                   <a:schemeClr val="tx1">
                     <a:lumMod val="95000"/>
@@ -30904,7 +30326,7 @@
               <a:t>lý</a:t>
             </a:r>
             <a:r>
-              <a:rPr lang="en-US" b="0" i="1" dirty="0" smtClean="0">
+              <a:rPr lang="en-US" b="0" i="1" dirty="0">
                 <a:solidFill>
                   <a:schemeClr val="tx1">
                     <a:lumMod val="95000"/>
@@ -30918,7 +30340,7 @@
               <a:t> </a:t>
             </a:r>
             <a:r>
-              <a:rPr lang="en-US" b="0" i="1" dirty="0" err="1" smtClean="0">
+              <a:rPr lang="en-US" b="0" i="1" dirty="0" err="1">
                 <a:solidFill>
                   <a:schemeClr val="tx1">
                     <a:lumMod val="95000"/>
@@ -30932,7 +30354,7 @@
               <a:t>quán</a:t>
             </a:r>
             <a:r>
-              <a:rPr lang="en-US" b="0" i="1" dirty="0" smtClean="0">
+              <a:rPr lang="en-US" b="0" i="1" dirty="0">
                 <a:solidFill>
                   <a:schemeClr val="tx1">
                     <a:lumMod val="95000"/>
@@ -30946,7 +30368,7 @@
               <a:t> </a:t>
             </a:r>
             <a:r>
-              <a:rPr lang="en-US" b="0" i="1" dirty="0" err="1" smtClean="0">
+              <a:rPr lang="en-US" b="0" i="1" dirty="0" err="1">
                 <a:solidFill>
                   <a:schemeClr val="tx1">
                     <a:lumMod val="95000"/>
@@ -30960,7 +30382,7 @@
               <a:t>nước</a:t>
             </a:r>
             <a:r>
-              <a:rPr lang="en-US" b="0" i="1" dirty="0" smtClean="0">
+              <a:rPr lang="en-US" b="0" i="1" dirty="0">
                 <a:solidFill>
                   <a:schemeClr val="tx1">
                     <a:lumMod val="95000"/>
@@ -30974,7 +30396,7 @@
               <a:t> </a:t>
             </a:r>
             <a:r>
-              <a:rPr lang="en-US" b="0" i="1" dirty="0" err="1" smtClean="0">
+              <a:rPr lang="en-US" b="0" i="1" dirty="0" err="1">
                 <a:solidFill>
                   <a:schemeClr val="tx1">
                     <a:lumMod val="95000"/>
@@ -30988,7 +30410,7 @@
               <a:t>giải</a:t>
             </a:r>
             <a:r>
-              <a:rPr lang="en-US" b="0" i="1" dirty="0" smtClean="0">
+              <a:rPr lang="en-US" b="0" i="1" dirty="0">
                 <a:solidFill>
                   <a:schemeClr val="tx1">
                     <a:lumMod val="95000"/>
@@ -31002,7 +30424,7 @@
               <a:t> </a:t>
             </a:r>
             <a:r>
-              <a:rPr lang="en-US" b="0" i="1" dirty="0" err="1" smtClean="0">
+              <a:rPr lang="en-US" b="0" i="1" dirty="0" err="1">
                 <a:solidFill>
                   <a:schemeClr val="tx1">
                     <a:lumMod val="95000"/>
@@ -31308,13 +30730,6 @@
   <p:clrMapOvr>
     <a:masterClrMapping/>
   </p:clrMapOvr>
-  <p:timing>
-    <p:tnLst>
-      <p:par>
-        <p:cTn id="1" dur="indefinite" restart="never" nodeType="tmRoot"/>
-      </p:par>
-    </p:tnLst>
-  </p:timing>
 </p:sld>
 </file>
 
@@ -32814,57 +32229,93 @@
           <a:lstStyle/>
           <a:p>
             <a:r>
-              <a:rPr lang="en-US" sz="2400" dirty="0" smtClean="0"/>
+              <a:rPr lang="en-US" sz="2400" dirty="0"/>
               <a:t>2.2 </a:t>
             </a:r>
             <a:r>
-              <a:rPr lang="en-US" sz="2400" dirty="0" err="1" smtClean="0"/>
+              <a:rPr lang="en-US" sz="2400" dirty="0" err="1"/>
               <a:t>Thiết</a:t>
             </a:r>
             <a:r>
-              <a:rPr lang="en-US" sz="2400" dirty="0" smtClean="0"/>
+              <a:rPr lang="en-US" sz="2400" dirty="0"/>
               <a:t> </a:t>
             </a:r>
             <a:r>
-              <a:rPr lang="en-US" sz="2400" dirty="0" err="1" smtClean="0"/>
+              <a:rPr lang="en-US" sz="2400" dirty="0" err="1"/>
               <a:t>kế</a:t>
             </a:r>
             <a:r>
-              <a:rPr lang="en-US" sz="2400" dirty="0" smtClean="0"/>
+              <a:rPr lang="en-US" sz="2400" dirty="0"/>
               <a:t> </a:t>
             </a:r>
             <a:r>
-              <a:rPr lang="en-US" sz="2400" dirty="0" err="1" smtClean="0"/>
+              <a:rPr lang="en-US" sz="2400" dirty="0" err="1"/>
               <a:t>cơ</a:t>
             </a:r>
             <a:r>
-              <a:rPr lang="en-US" sz="2400" dirty="0" smtClean="0"/>
+              <a:rPr lang="en-US" sz="2400" dirty="0"/>
               <a:t> </a:t>
             </a:r>
             <a:r>
-              <a:rPr lang="en-US" sz="2400" dirty="0" err="1" smtClean="0"/>
+              <a:rPr lang="en-US" sz="2400" dirty="0" err="1"/>
               <a:t>sở</a:t>
             </a:r>
             <a:r>
-              <a:rPr lang="en-US" sz="2400" dirty="0" smtClean="0"/>
+              <a:rPr lang="en-US" sz="2400" dirty="0"/>
               <a:t> </a:t>
             </a:r>
             <a:r>
-              <a:rPr lang="en-US" sz="2400" dirty="0" err="1" smtClean="0"/>
+              <a:rPr lang="en-US" sz="2400" dirty="0" err="1"/>
               <a:t>dữ</a:t>
             </a:r>
             <a:r>
-              <a:rPr lang="en-US" sz="2400" dirty="0" smtClean="0"/>
+              <a:rPr lang="en-US" sz="2400" dirty="0"/>
               <a:t> </a:t>
             </a:r>
             <a:r>
-              <a:rPr lang="en-US" sz="2400" dirty="0" err="1" smtClean="0"/>
+              <a:rPr lang="en-US" sz="2400" dirty="0" err="1"/>
               <a:t>liệu</a:t>
             </a:r>
             <a:endParaRPr lang="en-US" sz="2400" dirty="0"/>
           </a:p>
         </p:txBody>
       </p:sp>
+      <p:pic>
+        <p:nvPicPr>
+          <p:cNvPr id="3" name="Picture 2">
+            <a:extLst>
+              <a:ext uri="{FF2B5EF4-FFF2-40B4-BE49-F238E27FC236}">
+                <a16:creationId xmlns:a16="http://schemas.microsoft.com/office/drawing/2014/main" id="{4FD2CF34-EE42-4CAE-99E1-AEA8CB947B5B}"/>
+              </a:ext>
+            </a:extLst>
+          </p:cNvPr>
+          <p:cNvPicPr>
+            <a:picLocks noChangeAspect="1"/>
+          </p:cNvPicPr>
+          <p:nvPr/>
+        </p:nvPicPr>
+        <p:blipFill>
+          <a:blip r:embed="rId3">
+            <a:extLst>
+              <a:ext uri="{28A0092B-C50C-407E-A947-70E740481C1C}">
+                <a14:useLocalDpi xmlns:a14="http://schemas.microsoft.com/office/drawing/2010/main" val="0"/>
+              </a:ext>
+            </a:extLst>
+          </a:blip>
+          <a:stretch>
+            <a:fillRect/>
+          </a:stretch>
+        </p:blipFill>
+        <p:spPr>
+          <a:xfrm>
+            <a:off x="1066800" y="1332465"/>
+            <a:ext cx="6946033" cy="3201113"/>
+          </a:xfrm>
+          <a:prstGeom prst="rect">
+            <a:avLst/>
+          </a:prstGeom>
+        </p:spPr>
+      </p:pic>
     </p:spTree>
     <p:extLst>
       <p:ext uri="{BB962C8B-B14F-4D97-AF65-F5344CB8AC3E}">
@@ -32875,13 +32326,6 @@
   <p:clrMapOvr>
     <a:masterClrMapping/>
   </p:clrMapOvr>
-  <p:timing>
-    <p:tnLst>
-      <p:par>
-        <p:cTn id="1" dur="indefinite" restart="never" nodeType="tmRoot"/>
-      </p:par>
-    </p:tnLst>
-  </p:timing>
 </p:sld>
 </file>
 
@@ -34381,19 +33825,19 @@
           <a:lstStyle/>
           <a:p>
             <a:r>
-              <a:rPr lang="en-US" sz="2400" dirty="0" smtClean="0"/>
+              <a:rPr lang="en-US" sz="2400" dirty="0"/>
               <a:t>2.3 </a:t>
             </a:r>
             <a:r>
-              <a:rPr lang="en-US" sz="2400" dirty="0" err="1" smtClean="0"/>
+              <a:rPr lang="en-US" sz="2400" dirty="0" err="1"/>
               <a:t>Giao</a:t>
             </a:r>
             <a:r>
-              <a:rPr lang="en-US" sz="2400" dirty="0" smtClean="0"/>
+              <a:rPr lang="en-US" sz="2400" dirty="0"/>
               <a:t> </a:t>
             </a:r>
             <a:r>
-              <a:rPr lang="en-US" sz="2400" dirty="0" err="1" smtClean="0"/>
+              <a:rPr lang="en-US" sz="2400" dirty="0" err="1"/>
               <a:t>diện</a:t>
             </a:r>
             <a:endParaRPr lang="en-US" sz="2400" dirty="0"/>
@@ -34432,13 +33876,6 @@
   <p:clrMapOvr>
     <a:masterClrMapping/>
   </p:clrMapOvr>
-  <p:timing>
-    <p:tnLst>
-      <p:par>
-        <p:cTn id="1" dur="indefinite" restart="never" nodeType="tmRoot"/>
-      </p:par>
-    </p:tnLst>
-  </p:timing>
 </p:sld>
 </file>
 
@@ -34608,13 +34045,6 @@
   <p:clrMapOvr>
     <a:masterClrMapping/>
   </p:clrMapOvr>
-  <p:timing>
-    <p:tnLst>
-      <p:par>
-        <p:cTn id="1" dur="indefinite" restart="never" nodeType="tmRoot"/>
-      </p:par>
-    </p:tnLst>
-  </p:timing>
 </p:sld>
 </file>
 
@@ -34645,13 +34075,6 @@
   <p:clrMapOvr>
     <a:masterClrMapping/>
   </p:clrMapOvr>
-  <p:timing>
-    <p:tnLst>
-      <p:par>
-        <p:cTn id="1" dur="indefinite" restart="never" nodeType="tmRoot"/>
-      </p:par>
-    </p:tnLst>
-  </p:timing>
 </p:sld>
 </file>
 
@@ -34694,19 +34117,19 @@
           <a:lstStyle/>
           <a:p>
             <a:r>
-              <a:rPr lang="vi-VN" sz="2400" b="1" dirty="0" smtClean="0"/>
+              <a:rPr lang="vi-VN" sz="2400" b="1" dirty="0"/>
               <a:t>2.</a:t>
             </a:r>
             <a:r>
-              <a:rPr lang="en-US" sz="2400" b="1" dirty="0" smtClean="0"/>
+              <a:rPr lang="en-US" sz="2400" b="1" dirty="0"/>
               <a:t> </a:t>
             </a:r>
             <a:r>
-              <a:rPr lang="vi-VN" sz="2400" b="1" dirty="0" smtClean="0"/>
+              <a:rPr lang="vi-VN" sz="2400" b="1" dirty="0"/>
               <a:t>Phân tích quy trình và chức năng</a:t>
             </a:r>
             <a:r>
-              <a:rPr lang="en-US" sz="2400" b="1" dirty="0" smtClean="0"/>
+              <a:rPr lang="en-US" sz="2400" b="1" dirty="0"/>
               <a:t>.</a:t>
             </a:r>
           </a:p>
@@ -34871,15 +34294,15 @@
           <a:lstStyle/>
           <a:p>
             <a:r>
-              <a:rPr lang="en-US" dirty="0" err="1" smtClean="0"/>
+              <a:rPr lang="en-US" dirty="0" err="1"/>
               <a:t>Nhân</a:t>
             </a:r>
             <a:r>
-              <a:rPr lang="en-US" dirty="0" smtClean="0"/>
+              <a:rPr lang="en-US" dirty="0"/>
               <a:t> </a:t>
             </a:r>
             <a:r>
-              <a:rPr lang="en-US" dirty="0" err="1" smtClean="0"/>
+              <a:rPr lang="en-US" dirty="0" err="1"/>
               <a:t>viên</a:t>
             </a:r>
             <a:endParaRPr lang="en-US" dirty="0"/>
@@ -34909,31 +34332,31 @@
           <a:lstStyle/>
           <a:p>
             <a:r>
-              <a:rPr lang="en-US" dirty="0" err="1" smtClean="0"/>
+              <a:rPr lang="en-US" dirty="0" err="1"/>
               <a:t>Hệ</a:t>
             </a:r>
             <a:r>
-              <a:rPr lang="en-US" dirty="0" smtClean="0"/>
+              <a:rPr lang="en-US" dirty="0"/>
               <a:t> </a:t>
             </a:r>
             <a:r>
-              <a:rPr lang="en-US" dirty="0" err="1" smtClean="0"/>
+              <a:rPr lang="en-US" dirty="0" err="1"/>
               <a:t>thống</a:t>
             </a:r>
             <a:r>
-              <a:rPr lang="en-US" dirty="0" smtClean="0"/>
+              <a:rPr lang="en-US" dirty="0"/>
               <a:t> </a:t>
             </a:r>
             <a:r>
-              <a:rPr lang="en-US" dirty="0" err="1" smtClean="0"/>
+              <a:rPr lang="en-US" dirty="0" err="1"/>
               <a:t>phần</a:t>
             </a:r>
             <a:r>
-              <a:rPr lang="en-US" dirty="0" smtClean="0"/>
+              <a:rPr lang="en-US" dirty="0"/>
               <a:t> </a:t>
             </a:r>
             <a:r>
-              <a:rPr lang="en-US" dirty="0" err="1" smtClean="0"/>
+              <a:rPr lang="en-US" dirty="0" err="1"/>
               <a:t>mềm</a:t>
             </a:r>
             <a:endParaRPr lang="en-US" dirty="0"/>
@@ -34963,15 +34386,15 @@
           <a:lstStyle/>
           <a:p>
             <a:r>
-              <a:rPr lang="en-US" dirty="0" err="1" smtClean="0"/>
+              <a:rPr lang="en-US" dirty="0" err="1"/>
               <a:t>Khách</a:t>
             </a:r>
             <a:r>
-              <a:rPr lang="en-US" dirty="0" smtClean="0"/>
+              <a:rPr lang="en-US" dirty="0"/>
               <a:t> </a:t>
             </a:r>
             <a:r>
-              <a:rPr lang="en-US" dirty="0" err="1" smtClean="0"/>
+              <a:rPr lang="en-US" dirty="0" err="1"/>
               <a:t>hàng</a:t>
             </a:r>
             <a:endParaRPr lang="en-US" dirty="0"/>
@@ -35081,47 +34504,47 @@
           <a:lstStyle/>
           <a:p>
             <a:r>
-              <a:rPr lang="en-US" sz="1000" dirty="0" err="1" smtClean="0"/>
+              <a:rPr lang="en-US" sz="1000" dirty="0" err="1"/>
               <a:t>Khách</a:t>
             </a:r>
             <a:r>
-              <a:rPr lang="en-US" sz="1000" dirty="0" smtClean="0"/>
+              <a:rPr lang="en-US" sz="1000" dirty="0"/>
               <a:t> </a:t>
             </a:r>
             <a:r>
-              <a:rPr lang="en-US" sz="1000" dirty="0" err="1" smtClean="0"/>
+              <a:rPr lang="en-US" sz="1000" dirty="0" err="1"/>
               <a:t>hàng</a:t>
             </a:r>
             <a:r>
-              <a:rPr lang="en-US" sz="1000" dirty="0" smtClean="0"/>
+              <a:rPr lang="en-US" sz="1000" dirty="0"/>
               <a:t> </a:t>
             </a:r>
             <a:r>
-              <a:rPr lang="en-US" sz="1000" dirty="0" err="1" smtClean="0"/>
+              <a:rPr lang="en-US" sz="1000" dirty="0" err="1"/>
               <a:t>thực</a:t>
             </a:r>
             <a:r>
-              <a:rPr lang="en-US" sz="1000" dirty="0" smtClean="0"/>
+              <a:rPr lang="en-US" sz="1000" dirty="0"/>
               <a:t> </a:t>
             </a:r>
             <a:r>
-              <a:rPr lang="en-US" sz="1000" dirty="0" err="1" smtClean="0"/>
+              <a:rPr lang="en-US" sz="1000" dirty="0" err="1"/>
               <a:t>hiện</a:t>
             </a:r>
             <a:r>
-              <a:rPr lang="en-US" sz="1000" dirty="0" smtClean="0"/>
+              <a:rPr lang="en-US" sz="1000" dirty="0"/>
               <a:t> </a:t>
             </a:r>
             <a:r>
-              <a:rPr lang="en-US" sz="1000" dirty="0" err="1" smtClean="0"/>
+              <a:rPr lang="en-US" sz="1000" dirty="0" err="1"/>
               <a:t>yêu</a:t>
             </a:r>
             <a:r>
-              <a:rPr lang="en-US" sz="1000" dirty="0" smtClean="0"/>
+              <a:rPr lang="en-US" sz="1000" dirty="0"/>
               <a:t> </a:t>
             </a:r>
             <a:r>
-              <a:rPr lang="en-US" sz="1000" dirty="0" err="1" smtClean="0"/>
+              <a:rPr lang="en-US" sz="1000" dirty="0" err="1"/>
               <a:t>cầu</a:t>
             </a:r>
             <a:endParaRPr lang="en-US" sz="1000" dirty="0"/>
@@ -35156,31 +34579,31 @@
           <a:lstStyle/>
           <a:p>
             <a:r>
-              <a:rPr lang="en-US" dirty="0" err="1" smtClean="0"/>
+              <a:rPr lang="en-US" dirty="0" err="1"/>
               <a:t>Cập</a:t>
             </a:r>
             <a:r>
-              <a:rPr lang="en-US" dirty="0" smtClean="0"/>
+              <a:rPr lang="en-US" dirty="0"/>
               <a:t> </a:t>
             </a:r>
             <a:r>
-              <a:rPr lang="en-US" dirty="0" err="1" smtClean="0"/>
+              <a:rPr lang="en-US" dirty="0" err="1"/>
               <a:t>nhật</a:t>
             </a:r>
             <a:r>
-              <a:rPr lang="en-US" dirty="0" smtClean="0"/>
+              <a:rPr lang="en-US" dirty="0"/>
               <a:t> </a:t>
             </a:r>
             <a:r>
-              <a:rPr lang="en-US" dirty="0" err="1" smtClean="0"/>
+              <a:rPr lang="en-US" dirty="0" err="1"/>
               <a:t>yêu</a:t>
             </a:r>
             <a:r>
-              <a:rPr lang="en-US" dirty="0" smtClean="0"/>
+              <a:rPr lang="en-US" dirty="0"/>
               <a:t> </a:t>
             </a:r>
             <a:r>
-              <a:rPr lang="en-US" dirty="0" err="1" smtClean="0"/>
+              <a:rPr lang="en-US" dirty="0" err="1"/>
               <a:t>cầu</a:t>
             </a:r>
             <a:endParaRPr lang="en-US" dirty="0"/>
@@ -35250,47 +34673,47 @@
           <a:lstStyle/>
           <a:p>
             <a:r>
-              <a:rPr lang="en-US" dirty="0" err="1" smtClean="0"/>
+              <a:rPr lang="en-US" dirty="0" err="1"/>
               <a:t>Xem</a:t>
             </a:r>
             <a:r>
-              <a:rPr lang="en-US" dirty="0" smtClean="0"/>
+              <a:rPr lang="en-US" dirty="0"/>
               <a:t> </a:t>
             </a:r>
             <a:r>
-              <a:rPr lang="en-US" dirty="0" err="1" smtClean="0"/>
+              <a:rPr lang="en-US" dirty="0" err="1"/>
               <a:t>dữ</a:t>
             </a:r>
             <a:r>
-              <a:rPr lang="en-US" dirty="0" smtClean="0"/>
+              <a:rPr lang="en-US" dirty="0"/>
               <a:t> </a:t>
             </a:r>
             <a:r>
-              <a:rPr lang="en-US" dirty="0" err="1" smtClean="0"/>
+              <a:rPr lang="en-US" dirty="0" err="1"/>
               <a:t>liệu</a:t>
             </a:r>
             <a:r>
-              <a:rPr lang="en-US" dirty="0" smtClean="0"/>
+              <a:rPr lang="en-US" dirty="0"/>
               <a:t> </a:t>
             </a:r>
             <a:r>
-              <a:rPr lang="en-US" dirty="0" err="1" smtClean="0"/>
+              <a:rPr lang="en-US" dirty="0" err="1"/>
               <a:t>trong</a:t>
             </a:r>
             <a:r>
-              <a:rPr lang="en-US" dirty="0" smtClean="0"/>
+              <a:rPr lang="en-US" dirty="0"/>
               <a:t> </a:t>
             </a:r>
             <a:r>
-              <a:rPr lang="en-US" dirty="0" err="1" smtClean="0"/>
+              <a:rPr lang="en-US" dirty="0" err="1"/>
               <a:t>hệ</a:t>
             </a:r>
             <a:r>
-              <a:rPr lang="en-US" dirty="0" smtClean="0"/>
+              <a:rPr lang="en-US" dirty="0"/>
               <a:t> </a:t>
             </a:r>
             <a:r>
-              <a:rPr lang="en-US" dirty="0" err="1" smtClean="0"/>
+              <a:rPr lang="en-US" dirty="0" err="1"/>
               <a:t>thống</a:t>
             </a:r>
             <a:endParaRPr lang="en-US" dirty="0"/>
@@ -35361,47 +34784,47 @@
           <a:lstStyle/>
           <a:p>
             <a:r>
-              <a:rPr lang="en-US" dirty="0" err="1" smtClean="0"/>
+              <a:rPr lang="en-US" dirty="0" err="1"/>
               <a:t>Xác</a:t>
             </a:r>
             <a:r>
-              <a:rPr lang="en-US" dirty="0" smtClean="0"/>
+              <a:rPr lang="en-US" dirty="0"/>
               <a:t> </a:t>
             </a:r>
             <a:r>
-              <a:rPr lang="en-US" dirty="0" err="1" smtClean="0"/>
+              <a:rPr lang="en-US" dirty="0" err="1"/>
               <a:t>nhận</a:t>
             </a:r>
             <a:r>
-              <a:rPr lang="en-US" dirty="0" smtClean="0"/>
+              <a:rPr lang="en-US" dirty="0"/>
               <a:t> </a:t>
             </a:r>
             <a:r>
-              <a:rPr lang="en-US" dirty="0" err="1" smtClean="0"/>
+              <a:rPr lang="en-US" dirty="0" err="1"/>
               <a:t>thông</a:t>
             </a:r>
             <a:r>
-              <a:rPr lang="en-US" dirty="0" smtClean="0"/>
+              <a:rPr lang="en-US" dirty="0"/>
               <a:t> tin </a:t>
             </a:r>
             <a:r>
-              <a:rPr lang="en-US" dirty="0" err="1" smtClean="0"/>
+              <a:rPr lang="en-US" dirty="0" err="1"/>
               <a:t>với</a:t>
             </a:r>
             <a:r>
-              <a:rPr lang="en-US" dirty="0" smtClean="0"/>
+              <a:rPr lang="en-US" dirty="0"/>
               <a:t> </a:t>
             </a:r>
             <a:r>
-              <a:rPr lang="en-US" dirty="0" err="1" smtClean="0"/>
+              <a:rPr lang="en-US" dirty="0" err="1"/>
               <a:t>khách</a:t>
             </a:r>
             <a:r>
-              <a:rPr lang="en-US" dirty="0" smtClean="0"/>
+              <a:rPr lang="en-US" dirty="0"/>
               <a:t> </a:t>
             </a:r>
             <a:r>
-              <a:rPr lang="en-US" dirty="0" err="1" smtClean="0"/>
+              <a:rPr lang="en-US" dirty="0" err="1"/>
               <a:t>hàng</a:t>
             </a:r>
             <a:endParaRPr lang="en-US" dirty="0"/>
@@ -35471,15 +34894,15 @@
           <a:lstStyle/>
           <a:p>
             <a:r>
-              <a:rPr lang="en-US" dirty="0" err="1" smtClean="0"/>
+              <a:rPr lang="en-US" dirty="0" err="1"/>
               <a:t>Xác</a:t>
             </a:r>
             <a:r>
-              <a:rPr lang="en-US" dirty="0" smtClean="0"/>
+              <a:rPr lang="en-US" dirty="0"/>
               <a:t> </a:t>
             </a:r>
             <a:r>
-              <a:rPr lang="en-US" dirty="0" err="1" smtClean="0"/>
+              <a:rPr lang="en-US" dirty="0" err="1"/>
               <a:t>nhận</a:t>
             </a:r>
             <a:endParaRPr lang="en-US" dirty="0"/>
@@ -35496,13 +34919,6 @@
   <p:clrMapOvr>
     <a:masterClrMapping/>
   </p:clrMapOvr>
-  <p:timing>
-    <p:tnLst>
-      <p:par>
-        <p:cTn id="1" dur="indefinite" restart="never" nodeType="tmRoot"/>
-      </p:par>
-    </p:tnLst>
-  </p:timing>
 </p:sld>
 </file>
 
@@ -35779,13 +35195,6 @@
   <p:clrMapOvr>
     <a:masterClrMapping/>
   </p:clrMapOvr>
-  <p:timing>
-    <p:tnLst>
-      <p:par>
-        <p:cTn id="1" dur="indefinite" restart="never" nodeType="tmRoot"/>
-      </p:par>
-    </p:tnLst>
-  </p:timing>
 </p:sld>
 </file>
 
@@ -35876,7 +35285,7 @@
               <a:buAutoNum type="arabicPeriod"/>
             </a:pPr>
             <a:r>
-              <a:rPr lang="en-US" sz="2200" dirty="0" err="1" smtClean="0">
+              <a:rPr lang="en-US" sz="2200" dirty="0" err="1">
                 <a:solidFill>
                   <a:schemeClr val="tx1">
                     <a:lumMod val="95000"/>
@@ -35889,7 +35298,7 @@
               <a:t>Báo</a:t>
             </a:r>
             <a:r>
-              <a:rPr lang="en-US" sz="2200" dirty="0" smtClean="0">
+              <a:rPr lang="en-US" sz="2200" dirty="0">
                 <a:solidFill>
                   <a:schemeClr val="tx1">
                     <a:lumMod val="95000"/>
@@ -35902,7 +35311,7 @@
               <a:t> </a:t>
             </a:r>
             <a:r>
-              <a:rPr lang="en-US" sz="2200" dirty="0" err="1" smtClean="0">
+              <a:rPr lang="en-US" sz="2200" dirty="0" err="1">
                 <a:solidFill>
                   <a:schemeClr val="tx1">
                     <a:lumMod val="95000"/>
@@ -35915,7 +35324,7 @@
               <a:t>cáo</a:t>
             </a:r>
             <a:r>
-              <a:rPr lang="en-US" sz="2200" dirty="0" smtClean="0">
+              <a:rPr lang="en-US" sz="2200" dirty="0">
                 <a:solidFill>
                   <a:schemeClr val="tx1">
                     <a:lumMod val="95000"/>
@@ -35928,7 +35337,7 @@
               <a:t> </a:t>
             </a:r>
             <a:r>
-              <a:rPr lang="en-US" sz="2200" dirty="0" err="1" smtClean="0">
+              <a:rPr lang="en-US" sz="2200" dirty="0" err="1">
                 <a:solidFill>
                   <a:schemeClr val="tx1">
                     <a:lumMod val="95000"/>
@@ -35941,7 +35350,7 @@
               <a:t>kết</a:t>
             </a:r>
             <a:r>
-              <a:rPr lang="en-US" sz="2200" dirty="0" smtClean="0">
+              <a:rPr lang="en-US" sz="2200" dirty="0">
                 <a:solidFill>
                   <a:schemeClr val="tx1">
                     <a:lumMod val="95000"/>
@@ -35954,7 +35363,7 @@
               <a:t> </a:t>
             </a:r>
             <a:r>
-              <a:rPr lang="en-US" sz="2200" dirty="0" err="1" smtClean="0">
+              <a:rPr lang="en-US" sz="2200" dirty="0" err="1">
                 <a:solidFill>
                   <a:schemeClr val="tx1">
                     <a:lumMod val="95000"/>
@@ -35967,7 +35376,7 @@
               <a:t>quả</a:t>
             </a:r>
             <a:r>
-              <a:rPr lang="en-US" sz="2200" dirty="0" smtClean="0">
+              <a:rPr lang="en-US" sz="2200" dirty="0">
                 <a:solidFill>
                   <a:schemeClr val="tx1">
                     <a:lumMod val="95000"/>
@@ -35980,7 +35389,7 @@
               <a:t> </a:t>
             </a:r>
             <a:r>
-              <a:rPr lang="en-US" sz="2200" dirty="0" err="1" smtClean="0">
+              <a:rPr lang="en-US" sz="2200" dirty="0" err="1">
                 <a:solidFill>
                   <a:schemeClr val="tx1">
                     <a:lumMod val="95000"/>
@@ -35993,7 +35402,7 @@
               <a:t>phân</a:t>
             </a:r>
             <a:r>
-              <a:rPr lang="en-US" sz="2200" dirty="0" smtClean="0">
+              <a:rPr lang="en-US" sz="2200" dirty="0">
                 <a:solidFill>
                   <a:schemeClr val="tx1">
                     <a:lumMod val="95000"/>
@@ -36006,7 +35415,7 @@
               <a:t> </a:t>
             </a:r>
             <a:r>
-              <a:rPr lang="en-US" sz="2200" dirty="0" err="1" smtClean="0">
+              <a:rPr lang="en-US" sz="2200" dirty="0" err="1">
                 <a:solidFill>
                   <a:schemeClr val="tx1">
                     <a:lumMod val="95000"/>
@@ -36019,7 +35428,7 @@
               <a:t>tích</a:t>
             </a:r>
             <a:r>
-              <a:rPr lang="en-US" sz="2200" dirty="0" smtClean="0">
+              <a:rPr lang="en-US" sz="2200" dirty="0">
                 <a:solidFill>
                   <a:schemeClr val="tx1">
                     <a:lumMod val="95000"/>
@@ -36032,7 +35441,7 @@
               <a:t> </a:t>
             </a:r>
             <a:r>
-              <a:rPr lang="en-US" sz="2200" dirty="0" err="1" smtClean="0">
+              <a:rPr lang="en-US" sz="2200" dirty="0" err="1">
                 <a:solidFill>
                   <a:schemeClr val="tx1">
                     <a:lumMod val="95000"/>
@@ -36045,7 +35454,7 @@
               <a:t>và</a:t>
             </a:r>
             <a:r>
-              <a:rPr lang="en-US" sz="2200" dirty="0" smtClean="0">
+              <a:rPr lang="en-US" sz="2200" dirty="0">
                 <a:solidFill>
                   <a:schemeClr val="tx1">
                     <a:lumMod val="95000"/>
@@ -36058,7 +35467,7 @@
               <a:t> </a:t>
             </a:r>
             <a:r>
-              <a:rPr lang="en-US" sz="2200" dirty="0" err="1" smtClean="0">
+              <a:rPr lang="en-US" sz="2200" dirty="0" err="1">
                 <a:solidFill>
                   <a:schemeClr val="tx1">
                     <a:lumMod val="95000"/>
@@ -36071,7 +35480,7 @@
               <a:t>thiết</a:t>
             </a:r>
             <a:r>
-              <a:rPr lang="en-US" sz="2200" dirty="0" smtClean="0">
+              <a:rPr lang="en-US" sz="2200" dirty="0">
                 <a:solidFill>
                   <a:schemeClr val="tx1">
                     <a:lumMod val="95000"/>
@@ -36084,7 +35493,7 @@
               <a:t> </a:t>
             </a:r>
             <a:r>
-              <a:rPr lang="en-US" sz="2200" dirty="0" err="1" smtClean="0">
+              <a:rPr lang="en-US" sz="2200" dirty="0" err="1">
                 <a:solidFill>
                   <a:schemeClr val="tx1">
                     <a:lumMod val="95000"/>
@@ -36097,7 +35506,7 @@
               <a:t>kế</a:t>
             </a:r>
             <a:r>
-              <a:rPr lang="en-US" sz="2200" dirty="0" smtClean="0">
+              <a:rPr lang="en-US" sz="2200" dirty="0">
                 <a:solidFill>
                   <a:schemeClr val="tx1">
                     <a:lumMod val="95000"/>
@@ -36110,7 +35519,7 @@
               <a:t> </a:t>
             </a:r>
             <a:r>
-              <a:rPr lang="en-US" sz="2200" dirty="0" err="1" smtClean="0">
+              <a:rPr lang="en-US" sz="2200" dirty="0" err="1">
                 <a:solidFill>
                   <a:schemeClr val="tx1">
                     <a:lumMod val="95000"/>
@@ -36123,7 +35532,7 @@
               <a:t>hệ</a:t>
             </a:r>
             <a:r>
-              <a:rPr lang="en-US" sz="2200" dirty="0" smtClean="0">
+              <a:rPr lang="en-US" sz="2200" dirty="0">
                 <a:solidFill>
                   <a:schemeClr val="tx1">
                     <a:lumMod val="95000"/>
@@ -36136,7 +35545,7 @@
               <a:t> </a:t>
             </a:r>
             <a:r>
-              <a:rPr lang="en-US" sz="2200" dirty="0" err="1" smtClean="0">
+              <a:rPr lang="en-US" sz="2200" dirty="0" err="1">
                 <a:solidFill>
                   <a:schemeClr val="tx1">
                     <a:lumMod val="95000"/>
@@ -36149,7 +35558,7 @@
               <a:t>thống</a:t>
             </a:r>
             <a:r>
-              <a:rPr lang="en-US" sz="2200" dirty="0" smtClean="0">
+              <a:rPr lang="en-US" sz="2200" dirty="0">
                 <a:solidFill>
                   <a:schemeClr val="tx1">
                     <a:lumMod val="95000"/>
@@ -36162,7 +35571,7 @@
               <a:t> </a:t>
             </a:r>
             <a:r>
-              <a:rPr lang="en-US" sz="2200" dirty="0" err="1" smtClean="0">
+              <a:rPr lang="en-US" sz="2200" dirty="0" err="1">
                 <a:solidFill>
                   <a:schemeClr val="tx1">
                     <a:lumMod val="95000"/>
@@ -36175,7 +35584,7 @@
               <a:t>quản</a:t>
             </a:r>
             <a:r>
-              <a:rPr lang="en-US" sz="2200" dirty="0" smtClean="0">
+              <a:rPr lang="en-US" sz="2200" dirty="0">
                 <a:solidFill>
                   <a:schemeClr val="tx1">
                     <a:lumMod val="95000"/>
@@ -36188,7 +35597,7 @@
               <a:t> </a:t>
             </a:r>
             <a:r>
-              <a:rPr lang="en-US" sz="2200" dirty="0" err="1" smtClean="0">
+              <a:rPr lang="en-US" sz="2200" dirty="0" err="1">
                 <a:solidFill>
                   <a:schemeClr val="tx1">
                     <a:lumMod val="95000"/>
@@ -36201,7 +35610,7 @@
               <a:t>lý</a:t>
             </a:r>
             <a:r>
-              <a:rPr lang="en-US" sz="2200" dirty="0" smtClean="0">
+              <a:rPr lang="en-US" sz="2200" dirty="0">
                 <a:solidFill>
                   <a:schemeClr val="tx1">
                     <a:lumMod val="95000"/>
@@ -36214,7 +35623,7 @@
               <a:t> </a:t>
             </a:r>
             <a:r>
-              <a:rPr lang="en-US" sz="2200" dirty="0" err="1" smtClean="0">
+              <a:rPr lang="en-US" sz="2200" dirty="0" err="1">
                 <a:solidFill>
                   <a:schemeClr val="tx1">
                     <a:lumMod val="95000"/>
@@ -36227,7 +35636,7 @@
               <a:t>quán</a:t>
             </a:r>
             <a:r>
-              <a:rPr lang="en-US" sz="2200" dirty="0" smtClean="0">
+              <a:rPr lang="en-US" sz="2200" dirty="0">
                 <a:solidFill>
                   <a:schemeClr val="tx1">
                     <a:lumMod val="95000"/>
@@ -36240,7 +35649,7 @@
               <a:t> </a:t>
             </a:r>
             <a:r>
-              <a:rPr lang="en-US" sz="2200" dirty="0" err="1" smtClean="0">
+              <a:rPr lang="en-US" sz="2200" dirty="0" err="1">
                 <a:solidFill>
                   <a:schemeClr val="tx1">
                     <a:lumMod val="95000"/>
@@ -36253,7 +35662,7 @@
               <a:t>nước</a:t>
             </a:r>
             <a:r>
-              <a:rPr lang="en-US" sz="2200" dirty="0" smtClean="0">
+              <a:rPr lang="en-US" sz="2200" dirty="0">
                 <a:solidFill>
                   <a:schemeClr val="tx1">
                     <a:lumMod val="95000"/>
@@ -36266,7 +35675,7 @@
               <a:t> </a:t>
             </a:r>
             <a:r>
-              <a:rPr lang="en-US" sz="2200" dirty="0" err="1" smtClean="0">
+              <a:rPr lang="en-US" sz="2200" dirty="0" err="1">
                 <a:solidFill>
                   <a:schemeClr val="tx1">
                     <a:lumMod val="95000"/>
@@ -36279,7 +35688,7 @@
               <a:t>giải</a:t>
             </a:r>
             <a:r>
-              <a:rPr lang="en-US" sz="2200" dirty="0" smtClean="0">
+              <a:rPr lang="en-US" sz="2200" dirty="0">
                 <a:solidFill>
                   <a:schemeClr val="tx1">
                     <a:lumMod val="95000"/>
@@ -36292,7 +35701,7 @@
               <a:t> </a:t>
             </a:r>
             <a:r>
-              <a:rPr lang="en-US" sz="2200" dirty="0" err="1" smtClean="0">
+              <a:rPr lang="en-US" sz="2200" dirty="0" err="1">
                 <a:solidFill>
                   <a:schemeClr val="tx1">
                     <a:lumMod val="95000"/>
@@ -36305,7 +35714,7 @@
               <a:t>khát</a:t>
             </a:r>
             <a:r>
-              <a:rPr lang="en-US" sz="2200" dirty="0" smtClean="0">
+              <a:rPr lang="en-US" sz="2200" dirty="0">
                 <a:solidFill>
                   <a:schemeClr val="tx1">
                     <a:lumMod val="95000"/>
@@ -36323,7 +35732,7 @@
               <a:buAutoNum type="arabicPeriod"/>
             </a:pPr>
             <a:r>
-              <a:rPr lang="en-US" sz="2200" dirty="0" err="1" smtClean="0">
+              <a:rPr lang="en-US" sz="2200" dirty="0" err="1">
                 <a:solidFill>
                   <a:schemeClr val="tx1">
                     <a:lumMod val="95000"/>
@@ -36336,7 +35745,7 @@
               <a:t>Phân</a:t>
             </a:r>
             <a:r>
-              <a:rPr lang="en-US" sz="2200" dirty="0" smtClean="0">
+              <a:rPr lang="en-US" sz="2200" dirty="0">
                 <a:solidFill>
                   <a:schemeClr val="tx1">
                     <a:lumMod val="95000"/>
@@ -36349,7 +35758,7 @@
               <a:t> chia </a:t>
             </a:r>
             <a:r>
-              <a:rPr lang="en-US" sz="2200" dirty="0" err="1" smtClean="0">
+              <a:rPr lang="en-US" sz="2200" dirty="0" err="1">
                 <a:solidFill>
                   <a:schemeClr val="tx1">
                     <a:lumMod val="95000"/>
@@ -36362,7 +35771,7 @@
               <a:t>nhiệm</a:t>
             </a:r>
             <a:r>
-              <a:rPr lang="en-US" sz="2200" dirty="0" smtClean="0">
+              <a:rPr lang="en-US" sz="2200" dirty="0">
                 <a:solidFill>
                   <a:schemeClr val="tx1">
                     <a:lumMod val="95000"/>
@@ -36375,7 +35784,7 @@
               <a:t> </a:t>
             </a:r>
             <a:r>
-              <a:rPr lang="en-US" sz="2200" dirty="0" err="1" smtClean="0">
+              <a:rPr lang="en-US" sz="2200" dirty="0" err="1">
                 <a:solidFill>
                   <a:schemeClr val="tx1">
                     <a:lumMod val="95000"/>
@@ -36388,7 +35797,7 @@
               <a:t>vụ</a:t>
             </a:r>
             <a:r>
-              <a:rPr lang="en-US" sz="2200" dirty="0" smtClean="0">
+              <a:rPr lang="en-US" sz="2200" dirty="0">
                 <a:solidFill>
                   <a:schemeClr val="tx1">
                     <a:lumMod val="95000"/>
@@ -36401,7 +35810,7 @@
               <a:t> </a:t>
             </a:r>
             <a:r>
-              <a:rPr lang="en-US" sz="2200" dirty="0" err="1" smtClean="0">
+              <a:rPr lang="en-US" sz="2200" dirty="0" err="1">
                 <a:solidFill>
                   <a:schemeClr val="tx1">
                     <a:lumMod val="95000"/>
@@ -36414,7 +35823,7 @@
               <a:t>đợt</a:t>
             </a:r>
             <a:r>
-              <a:rPr lang="en-US" sz="2200" dirty="0" smtClean="0">
+              <a:rPr lang="en-US" sz="2200" dirty="0">
                 <a:solidFill>
                   <a:schemeClr val="tx1">
                     <a:lumMod val="95000"/>
@@ -36442,23 +35851,10 @@
                 <a:latin typeface="Calibri" pitchFamily="34" charset="0"/>
                 <a:cs typeface="Calibri" pitchFamily="34" charset="0"/>
               </a:rPr>
-              <a:t>B</a:t>
-            </a:r>
-            <a:r>
-              <a:rPr lang="en-US" sz="2200" dirty="0" err="1" smtClean="0">
-                <a:solidFill>
-                  <a:schemeClr val="tx1">
-                    <a:lumMod val="95000"/>
-                    <a:lumOff val="5000"/>
-                  </a:schemeClr>
-                </a:solidFill>
-                <a:latin typeface="Calibri" pitchFamily="34" charset="0"/>
-                <a:cs typeface="Calibri" pitchFamily="34" charset="0"/>
-              </a:rPr>
-              <a:t>áo</a:t>
-            </a:r>
-            <a:r>
-              <a:rPr lang="en-US" sz="2200" dirty="0" smtClean="0">
+              <a:t>Báo</a:t>
+            </a:r>
+            <a:r>
+              <a:rPr lang="en-US" sz="2200" dirty="0">
                 <a:solidFill>
                   <a:schemeClr val="tx1">
                     <a:lumMod val="95000"/>
@@ -36471,7 +35867,7 @@
               <a:t> </a:t>
             </a:r>
             <a:r>
-              <a:rPr lang="en-US" sz="2200" dirty="0" err="1" smtClean="0">
+              <a:rPr lang="en-US" sz="2200" dirty="0" err="1">
                 <a:solidFill>
                   <a:schemeClr val="tx1">
                     <a:lumMod val="95000"/>
@@ -36484,7 +35880,7 @@
               <a:t>cáo</a:t>
             </a:r>
             <a:r>
-              <a:rPr lang="en-US" sz="2200" dirty="0" smtClean="0">
+              <a:rPr lang="en-US" sz="2200" dirty="0">
                 <a:solidFill>
                   <a:schemeClr val="tx1">
                     <a:lumMod val="95000"/>
@@ -36497,7 +35893,7 @@
               <a:t> </a:t>
             </a:r>
             <a:r>
-              <a:rPr lang="en-US" sz="2200" dirty="0" err="1" smtClean="0">
+              <a:rPr lang="en-US" sz="2200" dirty="0" err="1">
                 <a:solidFill>
                   <a:schemeClr val="tx1">
                     <a:lumMod val="95000"/>
@@ -36510,7 +35906,7 @@
               <a:t>kết</a:t>
             </a:r>
             <a:r>
-              <a:rPr lang="en-US" sz="2200" dirty="0" smtClean="0">
+              <a:rPr lang="en-US" sz="2200" dirty="0">
                 <a:solidFill>
                   <a:schemeClr val="tx1">
                     <a:lumMod val="95000"/>
@@ -36523,7 +35919,7 @@
               <a:t> </a:t>
             </a:r>
             <a:r>
-              <a:rPr lang="en-US" sz="2200" dirty="0" err="1" smtClean="0">
+              <a:rPr lang="en-US" sz="2200" dirty="0" err="1">
                 <a:solidFill>
                   <a:schemeClr val="tx1">
                     <a:lumMod val="95000"/>
@@ -36536,7 +35932,7 @@
               <a:t>quả</a:t>
             </a:r>
             <a:r>
-              <a:rPr lang="en-US" sz="2200" dirty="0" smtClean="0">
+              <a:rPr lang="en-US" sz="2200" dirty="0">
                 <a:solidFill>
                   <a:schemeClr val="tx1">
                     <a:lumMod val="95000"/>
@@ -36549,7 +35945,7 @@
               <a:t> </a:t>
             </a:r>
             <a:r>
-              <a:rPr lang="en-US" sz="2200" dirty="0" err="1" smtClean="0">
+              <a:rPr lang="en-US" sz="2200" dirty="0" err="1">
                 <a:solidFill>
                   <a:schemeClr val="tx1">
                     <a:lumMod val="95000"/>
@@ -36562,7 +35958,7 @@
               <a:t>xây</a:t>
             </a:r>
             <a:r>
-              <a:rPr lang="en-US" sz="2200" dirty="0" smtClean="0">
+              <a:rPr lang="en-US" sz="2200" dirty="0">
                 <a:solidFill>
                   <a:schemeClr val="tx1">
                     <a:lumMod val="95000"/>
@@ -36575,7 +35971,7 @@
               <a:t> </a:t>
             </a:r>
             <a:r>
-              <a:rPr lang="en-US" sz="2200" dirty="0" err="1" smtClean="0">
+              <a:rPr lang="en-US" sz="2200" dirty="0" err="1">
                 <a:solidFill>
                   <a:schemeClr val="tx1">
                     <a:lumMod val="95000"/>
@@ -36588,7 +35984,7 @@
               <a:t>dựng</a:t>
             </a:r>
             <a:r>
-              <a:rPr lang="en-US" sz="2200" dirty="0" smtClean="0">
+              <a:rPr lang="en-US" sz="2200" dirty="0">
                 <a:solidFill>
                   <a:schemeClr val="tx1">
                     <a:lumMod val="95000"/>
@@ -36601,7 +35997,7 @@
               <a:t> </a:t>
             </a:r>
             <a:r>
-              <a:rPr lang="en-US" sz="2200" dirty="0" err="1" smtClean="0">
+              <a:rPr lang="en-US" sz="2200" dirty="0" err="1">
                 <a:solidFill>
                   <a:schemeClr val="tx1">
                     <a:lumMod val="95000"/>
@@ -36613,7 +36009,7 @@
               </a:rPr>
               <a:t>CSDL</a:t>
             </a:r>
-            <a:endParaRPr lang="en-US" sz="2200" dirty="0" smtClean="0">
+            <a:endParaRPr lang="en-US" sz="2200" dirty="0">
               <a:solidFill>
                 <a:schemeClr val="tx1">
                   <a:lumMod val="95000"/>
@@ -36629,7 +36025,7 @@
               <a:buAutoNum type="arabicPeriod"/>
             </a:pPr>
             <a:r>
-              <a:rPr lang="en-US" sz="2200" dirty="0" err="1" smtClean="0">
+              <a:rPr lang="en-US" sz="2200" dirty="0" err="1">
                 <a:solidFill>
                   <a:schemeClr val="tx1">
                     <a:lumMod val="95000"/>
@@ -36642,7 +36038,7 @@
               <a:t>Báo</a:t>
             </a:r>
             <a:r>
-              <a:rPr lang="en-US" sz="2200" dirty="0" smtClean="0">
+              <a:rPr lang="en-US" sz="2200" dirty="0">
                 <a:solidFill>
                   <a:schemeClr val="tx1">
                     <a:lumMod val="95000"/>
@@ -36655,7 +36051,7 @@
               <a:t> </a:t>
             </a:r>
             <a:r>
-              <a:rPr lang="en-US" sz="2200" dirty="0" err="1" smtClean="0">
+              <a:rPr lang="en-US" sz="2200" dirty="0" err="1">
                 <a:solidFill>
                   <a:schemeClr val="tx1">
                     <a:lumMod val="95000"/>
@@ -36668,7 +36064,7 @@
               <a:t>cáo</a:t>
             </a:r>
             <a:r>
-              <a:rPr lang="en-US" sz="2200" dirty="0" smtClean="0">
+              <a:rPr lang="en-US" sz="2200" dirty="0">
                 <a:solidFill>
                   <a:schemeClr val="tx1">
                     <a:lumMod val="95000"/>
@@ -36681,7 +36077,7 @@
               <a:t> </a:t>
             </a:r>
             <a:r>
-              <a:rPr lang="en-US" sz="2200" dirty="0" err="1" smtClean="0">
+              <a:rPr lang="en-US" sz="2200" dirty="0" err="1">
                 <a:solidFill>
                   <a:schemeClr val="tx1">
                     <a:lumMod val="95000"/>
@@ -36694,7 +36090,7 @@
               <a:t>kết</a:t>
             </a:r>
             <a:r>
-              <a:rPr lang="en-US" sz="2200" dirty="0" smtClean="0">
+              <a:rPr lang="en-US" sz="2200" dirty="0">
                 <a:solidFill>
                   <a:schemeClr val="tx1">
                     <a:lumMod val="95000"/>
@@ -36707,7 +36103,7 @@
               <a:t> </a:t>
             </a:r>
             <a:r>
-              <a:rPr lang="en-US" sz="2200" dirty="0" err="1" smtClean="0">
+              <a:rPr lang="en-US" sz="2200" dirty="0" err="1">
                 <a:solidFill>
                   <a:schemeClr val="tx1">
                     <a:lumMod val="95000"/>
@@ -36720,7 +36116,7 @@
               <a:t>quả</a:t>
             </a:r>
             <a:r>
-              <a:rPr lang="en-US" sz="2200" dirty="0" smtClean="0">
+              <a:rPr lang="en-US" sz="2200" dirty="0">
                 <a:solidFill>
                   <a:schemeClr val="tx1">
                     <a:lumMod val="95000"/>
@@ -36733,7 +36129,7 @@
               <a:t> </a:t>
             </a:r>
             <a:r>
-              <a:rPr lang="en-US" sz="2200" dirty="0" err="1" smtClean="0">
+              <a:rPr lang="en-US" sz="2200" dirty="0" err="1">
                 <a:solidFill>
                   <a:schemeClr val="tx1">
                     <a:lumMod val="95000"/>
@@ -36746,7 +36142,7 @@
               <a:t>xưng</a:t>
             </a:r>
             <a:r>
-              <a:rPr lang="en-US" sz="2200" dirty="0" smtClean="0">
+              <a:rPr lang="en-US" sz="2200" dirty="0">
                 <a:solidFill>
                   <a:schemeClr val="tx1">
                     <a:lumMod val="95000"/>
@@ -36759,7 +36155,7 @@
               <a:t> </a:t>
             </a:r>
             <a:r>
-              <a:rPr lang="en-US" sz="2200" dirty="0" err="1" smtClean="0">
+              <a:rPr lang="en-US" sz="2200" dirty="0" err="1">
                 <a:solidFill>
                   <a:schemeClr val="tx1">
                     <a:lumMod val="95000"/>
@@ -36772,7 +36168,7 @@
               <a:t>dựng</a:t>
             </a:r>
             <a:r>
-              <a:rPr lang="en-US" sz="2200" dirty="0" smtClean="0">
+              <a:rPr lang="en-US" sz="2200" dirty="0">
                 <a:solidFill>
                   <a:schemeClr val="tx1">
                     <a:lumMod val="95000"/>
@@ -36785,7 +36181,7 @@
               <a:t> </a:t>
             </a:r>
             <a:r>
-              <a:rPr lang="en-US" sz="2200" dirty="0" err="1" smtClean="0">
+              <a:rPr lang="en-US" sz="2200" dirty="0" err="1">
                 <a:solidFill>
                   <a:schemeClr val="tx1">
                     <a:lumMod val="95000"/>
@@ -36798,7 +36194,7 @@
               <a:t>giao</a:t>
             </a:r>
             <a:r>
-              <a:rPr lang="en-US" sz="2200" dirty="0" smtClean="0">
+              <a:rPr lang="en-US" sz="2200" dirty="0">
                 <a:solidFill>
                   <a:schemeClr val="tx1">
                     <a:lumMod val="95000"/>
@@ -36811,7 +36207,7 @@
               <a:t> </a:t>
             </a:r>
             <a:r>
-              <a:rPr lang="en-US" sz="2200" dirty="0" err="1" smtClean="0">
+              <a:rPr lang="en-US" sz="2200" dirty="0" err="1">
                 <a:solidFill>
                   <a:schemeClr val="tx1">
                     <a:lumMod val="95000"/>
@@ -36824,7 +36220,7 @@
               <a:t>diện</a:t>
             </a:r>
             <a:r>
-              <a:rPr lang="en-US" sz="2200" dirty="0" smtClean="0">
+              <a:rPr lang="en-US" sz="2200" dirty="0">
                 <a:solidFill>
                   <a:schemeClr val="tx1">
                     <a:lumMod val="95000"/>
@@ -36836,16 +36232,6 @@
               </a:rPr>
               <a:t>.</a:t>
             </a:r>
-            <a:endParaRPr lang="en-US" sz="2200" dirty="0">
-              <a:solidFill>
-                <a:schemeClr val="tx1">
-                  <a:lumMod val="95000"/>
-                  <a:lumOff val="5000"/>
-                </a:schemeClr>
-              </a:solidFill>
-              <a:latin typeface="Calibri" pitchFamily="34" charset="0"/>
-              <a:cs typeface="Calibri" pitchFamily="34" charset="0"/>
-            </a:endParaRPr>
           </a:p>
         </p:txBody>
       </p:sp>
@@ -37207,14 +36593,14 @@
           <a:lstStyle/>
           <a:p>
             <a:r>
-              <a:rPr lang="vi-VN" sz="2400" b="1" dirty="0" smtClean="0">
+              <a:rPr lang="vi-VN" sz="2400" b="1" dirty="0">
                 <a:latin typeface="Calibri" pitchFamily="34" charset="0"/>
                 <a:cs typeface="Calibri" pitchFamily="34" charset="0"/>
               </a:rPr>
               <a:t>Phần 1: Khảo sát</a:t>
             </a:r>
             <a:r>
-              <a:rPr lang="vi-VN" sz="2400" dirty="0" smtClean="0">
+              <a:rPr lang="vi-VN" sz="2400" dirty="0">
                 <a:latin typeface="Calibri" pitchFamily="34" charset="0"/>
                 <a:cs typeface="Calibri" pitchFamily="34" charset="0"/>
               </a:rPr>
@@ -37227,7 +36613,7 @@
               <a:buAutoNum type="arabicPeriod"/>
             </a:pPr>
             <a:r>
-              <a:rPr lang="vi-VN" sz="2200" dirty="0" smtClean="0">
+              <a:rPr lang="vi-VN" sz="2200" dirty="0">
                 <a:latin typeface="Calibri" pitchFamily="34" charset="0"/>
                 <a:cs typeface="Calibri" pitchFamily="34" charset="0"/>
               </a:rPr>
@@ -37240,7 +36626,7 @@
               <a:buChar char="•"/>
             </a:pPr>
             <a:r>
-              <a:rPr lang="vi-VN" sz="2200" dirty="0" smtClean="0">
+              <a:rPr lang="vi-VN" sz="2200" dirty="0">
                 <a:latin typeface="Calibri" pitchFamily="34" charset="0"/>
                 <a:cs typeface="Calibri" pitchFamily="34" charset="0"/>
               </a:rPr>
@@ -37253,7 +36639,7 @@
               <a:buChar char="•"/>
             </a:pPr>
             <a:r>
-              <a:rPr lang="vi-VN" sz="2200" dirty="0" smtClean="0">
+              <a:rPr lang="vi-VN" sz="2200" dirty="0">
                 <a:latin typeface="Calibri" pitchFamily="34" charset="0"/>
                 <a:cs typeface="Calibri" pitchFamily="34" charset="0"/>
               </a:rPr>
@@ -37262,14 +36648,14 @@
           </a:p>
           <a:p>
             <a:r>
-              <a:rPr lang="vi-VN" sz="2200" dirty="0" smtClean="0">
+              <a:rPr lang="vi-VN" sz="2200" dirty="0">
                 <a:latin typeface="Calibri" pitchFamily="34" charset="0"/>
                 <a:cs typeface="Calibri" pitchFamily="34" charset="0"/>
               </a:rPr>
               <a:t>2.Khảo sát một số phần mềm quản lý quán cà phê.</a:t>
             </a:r>
             <a:r>
-              <a:rPr lang="vi-VN" dirty="0" smtClean="0">
+              <a:rPr lang="vi-VN" dirty="0">
                 <a:latin typeface="Calibri" pitchFamily="34" charset="0"/>
                 <a:cs typeface="Calibri" pitchFamily="34" charset="0"/>
               </a:rPr>
@@ -38412,7 +37798,7 @@
               </a:rPr>
               <a:t>Xây dựng hệ thống quản lý quán nước giải khát trực tuyến. </a:t>
             </a:r>
-            <a:endParaRPr lang="en-US" sz="1700" dirty="0" smtClean="0">
+            <a:endParaRPr lang="en-US" sz="1700" dirty="0">
               <a:solidFill>
                 <a:schemeClr val="tx1">
                   <a:lumMod val="85000"/>
@@ -38427,17 +37813,6 @@
               <a:buChar char="ü"/>
             </a:pPr>
             <a:r>
-              <a:rPr lang="vi-VN" sz="1700" dirty="0" smtClean="0">
-                <a:solidFill>
-                  <a:schemeClr val="tx1">
-                    <a:lumMod val="85000"/>
-                    <a:lumOff val="15000"/>
-                  </a:schemeClr>
-                </a:solidFill>
-              </a:rPr>
-              <a:t>Hệ </a:t>
-            </a:r>
-            <a:r>
               <a:rPr lang="vi-VN" sz="1700" dirty="0">
                 <a:solidFill>
                   <a:schemeClr val="tx1">
@@ -38446,7 +37821,7 @@
                   </a:schemeClr>
                 </a:solidFill>
               </a:rPr>
-              <a:t>thống sử dụng tương thích với các thiết bị bao gồm máy tính và thiết bị di đông.</a:t>
+              <a:t>Hệ thống sử dụng tương thích với các thiết bị bao gồm máy tính và thiết bị di đông.</a:t>
             </a:r>
           </a:p>
           <a:p>
@@ -39469,15 +38844,15 @@
           <a:lstStyle/>
           <a:p>
             <a:r>
-              <a:rPr lang="en-US" sz="2400" b="1" dirty="0" err="1" smtClean="0"/>
+              <a:rPr lang="en-US" sz="2400" b="1" dirty="0" err="1"/>
               <a:t>Bài</a:t>
             </a:r>
             <a:r>
-              <a:rPr lang="en-US" sz="2400" b="1" dirty="0" smtClean="0"/>
+              <a:rPr lang="en-US" sz="2400" b="1" dirty="0"/>
               <a:t> </a:t>
             </a:r>
             <a:r>
-              <a:rPr lang="en-US" sz="2400" b="1" dirty="0" err="1" smtClean="0"/>
+              <a:rPr lang="en-US" sz="2400" b="1" dirty="0" err="1"/>
               <a:t>toán</a:t>
             </a:r>
             <a:endParaRPr lang="en-US" sz="2400" b="1" dirty="0"/>
@@ -39506,48 +38881,47 @@
           <a:lstStyle/>
           <a:p>
             <a:r>
-              <a:rPr lang="vi-VN" dirty="0" smtClean="0"/>
+              <a:rPr lang="vi-VN" dirty="0"/>
               <a:t>Quán nước giải khát kinh doanh mặt hàng là các loại nước giải khát và đồ ăn vặt.</a:t>
             </a:r>
           </a:p>
           <a:p>
             <a:r>
-              <a:rPr lang="vi-VN" dirty="0" smtClean="0"/>
+              <a:rPr lang="vi-VN" dirty="0"/>
               <a:t>Hệ thống quản lý nước giải khát được sử dụng để quản lý nhân viên bao gồm thông tin nhân viên và lương. Nhân viên quản lý đồ uống và thức ăn được bán ra</a:t>
             </a:r>
             <a:r>
-              <a:rPr lang="en-US" dirty="0" smtClean="0"/>
+              <a:rPr lang="en-US" dirty="0"/>
               <a:t> </a:t>
             </a:r>
             <a:r>
-              <a:rPr lang="vi-VN" dirty="0" smtClean="0"/>
+              <a:rPr lang="vi-VN" dirty="0"/>
               <a:t>theo ngày.</a:t>
             </a:r>
           </a:p>
           <a:p>
             <a:r>
-              <a:rPr lang="vi-VN" dirty="0" smtClean="0"/>
+              <a:rPr lang="vi-VN" dirty="0"/>
               <a:t>Hóa đơn được xuất ra cho mỗi lần thanh toán. Hóa đơn được sử dụng cho khách hàng đặt bàn hoặc khách hàng mua trực tiếp.</a:t>
             </a:r>
           </a:p>
           <a:p>
             <a:r>
-              <a:rPr lang="vi-VN" dirty="0" smtClean="0"/>
+              <a:rPr lang="vi-VN" dirty="0"/>
               <a:t>Hệ thống thống kê lời lãi theo tháng và năm. </a:t>
             </a:r>
           </a:p>
           <a:p>
             <a:r>
-              <a:rPr lang="vi-VN" dirty="0" smtClean="0"/>
+              <a:rPr lang="vi-VN" dirty="0"/>
               <a:t>Hệ thống quản lý việc đặt bàn trực tuyến. Khách hàng kiểm tra bàn còn trống và đặt bàn trực tuyến qua trang web của quán.</a:t>
             </a:r>
           </a:p>
           <a:p>
             <a:r>
-              <a:rPr lang="vi-VN" dirty="0" smtClean="0"/>
+              <a:rPr lang="vi-VN" dirty="0"/>
               <a:t>Hệ thống bao gồm trang web dành cho nhân viên và trang web dành cho khách hàng.</a:t>
             </a:r>
-            <a:endParaRPr lang="vi-VN" dirty="0"/>
           </a:p>
         </p:txBody>
       </p:sp>
@@ -39923,25 +39297,20 @@
           <a:p>
             <a:r>
               <a:rPr lang="en-US" sz="1400" dirty="0" err="1"/>
-              <a:t>N</a:t>
-            </a:r>
-            <a:r>
-              <a:rPr lang="en-US" sz="1400" dirty="0" err="1" smtClean="0"/>
-              <a:t>hân</a:t>
-            </a:r>
-            <a:r>
-              <a:rPr lang="en-US" sz="1400" dirty="0" smtClean="0"/>
+              <a:t>Nhân</a:t>
+            </a:r>
+            <a:r>
+              <a:rPr lang="en-US" sz="1400" dirty="0"/>
               <a:t> </a:t>
             </a:r>
             <a:r>
-              <a:rPr lang="en-US" sz="1400" dirty="0" err="1" smtClean="0"/>
+              <a:rPr lang="en-US" sz="1400" dirty="0" err="1"/>
               <a:t>viên</a:t>
             </a:r>
             <a:r>
-              <a:rPr lang="en-US" sz="1400" dirty="0" smtClean="0"/>
+              <a:rPr lang="en-US" sz="1400" dirty="0"/>
               <a:t> </a:t>
             </a:r>
-            <a:endParaRPr lang="en-US" sz="1400" dirty="0"/>
           </a:p>
         </p:txBody>
       </p:sp>
@@ -40033,14 +39402,7 @@
                 <a:latin typeface="Calibri" pitchFamily="34" charset="0"/>
                 <a:cs typeface="Calibri" pitchFamily="34" charset="0"/>
               </a:rPr>
-              <a:t>Hóa đơn được xuất ra cho mỗi lần thanh </a:t>
-            </a:r>
-            <a:r>
-              <a:rPr lang="vi-VN" sz="2200" dirty="0" smtClean="0">
-                <a:latin typeface="Calibri" pitchFamily="34" charset="0"/>
-                <a:cs typeface="Calibri" pitchFamily="34" charset="0"/>
-              </a:rPr>
-              <a:t>toán</a:t>
+              <a:t>Hóa đơn được xuất ra cho mỗi lần thanh toán</a:t>
             </a:r>
             <a:endParaRPr lang="en-US" sz="2200" dirty="0">
               <a:latin typeface="Calibri" pitchFamily="34" charset="0"/>
@@ -40092,31 +39454,31 @@
           <a:lstStyle/>
           <a:p>
             <a:r>
-              <a:rPr lang="en-US" sz="2200" dirty="0" err="1" smtClean="0">
+              <a:rPr lang="en-US" sz="2200" dirty="0" err="1">
                 <a:latin typeface="+mj-lt"/>
               </a:rPr>
               <a:t>Quản</a:t>
             </a:r>
             <a:r>
-              <a:rPr lang="en-US" sz="2200" dirty="0" smtClean="0">
+              <a:rPr lang="en-US" sz="2200" dirty="0">
                 <a:latin typeface="+mj-lt"/>
               </a:rPr>
               <a:t> </a:t>
             </a:r>
             <a:r>
-              <a:rPr lang="en-US" sz="2200" dirty="0" err="1" smtClean="0">
+              <a:rPr lang="en-US" sz="2200" dirty="0" err="1">
                 <a:latin typeface="+mj-lt"/>
               </a:rPr>
               <a:t>lý</a:t>
             </a:r>
             <a:r>
-              <a:rPr lang="en-US" sz="2200" dirty="0" smtClean="0">
+              <a:rPr lang="en-US" sz="2200" dirty="0">
                 <a:latin typeface="+mj-lt"/>
               </a:rPr>
               <a:t> đ</a:t>
             </a:r>
             <a:r>
-              <a:rPr lang="vi-VN" sz="2200" dirty="0" smtClean="0">
+              <a:rPr lang="vi-VN" sz="2200" dirty="0">
                 <a:latin typeface="+mj-lt"/>
               </a:rPr>
               <a:t>ặt bàn</a:t>
@@ -40457,15 +39819,15 @@
               <a:t>K</a:t>
             </a:r>
             <a:r>
-              <a:rPr lang="en-US" sz="1400" dirty="0" err="1" smtClean="0"/>
+              <a:rPr lang="en-US" sz="1400" dirty="0" err="1"/>
               <a:t>hách</a:t>
             </a:r>
             <a:r>
-              <a:rPr lang="en-US" dirty="0" smtClean="0"/>
+              <a:rPr lang="en-US" dirty="0"/>
               <a:t> </a:t>
             </a:r>
             <a:r>
-              <a:rPr lang="en-US" dirty="0" err="1" smtClean="0"/>
+              <a:rPr lang="en-US" dirty="0" err="1"/>
               <a:t>hàng</a:t>
             </a:r>
             <a:endParaRPr lang="en-US" dirty="0"/>
@@ -40571,35 +39933,21 @@
                 <a:latin typeface="Calibri" pitchFamily="34" charset="0"/>
                 <a:cs typeface="Calibri" pitchFamily="34" charset="0"/>
               </a:rPr>
-              <a:t>Quản lý đồ uống </a:t>
-            </a:r>
-            <a:r>
-              <a:rPr lang="vi-VN" sz="2200" dirty="0" smtClean="0">
-                <a:latin typeface="Calibri" pitchFamily="34" charset="0"/>
-                <a:cs typeface="Calibri" pitchFamily="34" charset="0"/>
-              </a:rPr>
-              <a:t>và</a:t>
-            </a:r>
-            <a:r>
-              <a:rPr lang="en-US" sz="2200" dirty="0" smtClean="0">
+              <a:t>Quản lý đồ uống và</a:t>
+            </a:r>
+            <a:r>
+              <a:rPr lang="en-US" sz="2200" dirty="0">
                 <a:latin typeface="Calibri" pitchFamily="34" charset="0"/>
                 <a:cs typeface="Calibri" pitchFamily="34" charset="0"/>
               </a:rPr>
               <a:t> </a:t>
             </a:r>
             <a:r>
-              <a:rPr lang="vi-VN" sz="2200" dirty="0" smtClean="0">
-                <a:latin typeface="Calibri" pitchFamily="34" charset="0"/>
-                <a:cs typeface="Calibri" pitchFamily="34" charset="0"/>
-              </a:rPr>
-              <a:t>thức </a:t>
-            </a:r>
-            <a:r>
               <a:rPr lang="vi-VN" sz="2200" dirty="0">
                 <a:latin typeface="Calibri" pitchFamily="34" charset="0"/>
                 <a:cs typeface="Calibri" pitchFamily="34" charset="0"/>
               </a:rPr>
-              <a:t>ăn được bán ra theo ngày</a:t>
+              <a:t>thức ăn được bán ra theo ngày</a:t>
             </a:r>
           </a:p>
         </p:txBody>
@@ -41413,7 +40761,7 @@
               <a:t>Bộ phận nghiệp vụ</a:t>
             </a:r>
             <a:r>
-              <a:rPr lang="en-US" sz="2200" dirty="0" smtClean="0">
+              <a:rPr lang="en-US" sz="2200" dirty="0">
                 <a:solidFill>
                   <a:prstClr val="black"/>
                 </a:solidFill>
@@ -41438,16 +40786,6 @@
               <a:buAutoNum type="arabicPeriod"/>
             </a:pPr>
             <a:r>
-              <a:rPr lang="vi-VN" sz="2200" dirty="0" smtClean="0">
-                <a:solidFill>
-                  <a:prstClr val="black"/>
-                </a:solidFill>
-                <a:latin typeface="Calibri" pitchFamily="34" charset="0"/>
-                <a:cs typeface="Calibri" pitchFamily="34" charset="0"/>
-              </a:rPr>
-              <a:t>Phân </a:t>
-            </a:r>
-            <a:r>
               <a:rPr lang="vi-VN" sz="2200" dirty="0">
                 <a:solidFill>
                   <a:prstClr val="black"/>
@@ -41455,7 +40793,7 @@
                 <a:latin typeface="Calibri" pitchFamily="34" charset="0"/>
                 <a:cs typeface="Calibri" pitchFamily="34" charset="0"/>
               </a:rPr>
-              <a:t>tích quy trình và chức năng của hệ thống mượn trả sách tự động</a:t>
+              <a:t>Phân tích quy trình và chức năng của hệ thống mượn trả sách tự động</a:t>
             </a:r>
             <a:r>
               <a:rPr lang="en-US" sz="2200" dirty="0">
@@ -43092,7 +42430,7 @@
           <a:lstStyle/>
           <a:p>
             <a:r>
-              <a:rPr lang="vi-VN" sz="2400" b="1" dirty="0" smtClean="0">
+              <a:rPr lang="vi-VN" sz="2400" b="1" dirty="0">
                 <a:latin typeface="Calibri" pitchFamily="34" charset="0"/>
                 <a:cs typeface="Calibri" pitchFamily="34" charset="0"/>
               </a:rPr>
@@ -43299,51 +42637,51 @@
           <a:lstStyle/>
           <a:p>
             <a:r>
-              <a:rPr lang="en-US" sz="2200" dirty="0" smtClean="0"/>
+              <a:rPr lang="en-US" sz="2200" dirty="0"/>
               <a:t>2.1 </a:t>
             </a:r>
             <a:r>
-              <a:rPr lang="en-US" sz="2200" dirty="0" err="1" smtClean="0"/>
+              <a:rPr lang="en-US" sz="2200" dirty="0" err="1"/>
               <a:t>Sơ</a:t>
             </a:r>
             <a:r>
-              <a:rPr lang="en-US" sz="2200" dirty="0" smtClean="0"/>
+              <a:rPr lang="en-US" sz="2200" dirty="0"/>
               <a:t> </a:t>
             </a:r>
             <a:r>
-              <a:rPr lang="en-US" sz="2200" dirty="0" err="1" smtClean="0"/>
+              <a:rPr lang="en-US" sz="2200" dirty="0" err="1"/>
               <a:t>đồ</a:t>
             </a:r>
             <a:r>
-              <a:rPr lang="en-US" sz="2200" dirty="0" smtClean="0"/>
+              <a:rPr lang="en-US" sz="2200" dirty="0"/>
               <a:t> </a:t>
             </a:r>
             <a:r>
-              <a:rPr lang="en-US" sz="2200" dirty="0" err="1" smtClean="0"/>
+              <a:rPr lang="en-US" sz="2200" dirty="0" err="1"/>
               <a:t>phân</a:t>
             </a:r>
             <a:r>
-              <a:rPr lang="en-US" sz="2200" dirty="0" smtClean="0"/>
+              <a:rPr lang="en-US" sz="2200" dirty="0"/>
               <a:t> </a:t>
             </a:r>
             <a:r>
-              <a:rPr lang="en-US" sz="2200" dirty="0" err="1" smtClean="0"/>
+              <a:rPr lang="en-US" sz="2200" dirty="0" err="1"/>
               <a:t>cấp</a:t>
             </a:r>
             <a:r>
-              <a:rPr lang="en-US" sz="2200" dirty="0" smtClean="0"/>
+              <a:rPr lang="en-US" sz="2200" dirty="0"/>
               <a:t> </a:t>
             </a:r>
             <a:r>
-              <a:rPr lang="en-US" sz="2200" dirty="0" err="1" smtClean="0"/>
+              <a:rPr lang="en-US" sz="2200" dirty="0" err="1"/>
               <a:t>chức</a:t>
             </a:r>
             <a:r>
-              <a:rPr lang="en-US" sz="2200" dirty="0" smtClean="0"/>
+              <a:rPr lang="en-US" sz="2200" dirty="0"/>
               <a:t> </a:t>
             </a:r>
             <a:r>
-              <a:rPr lang="en-US" sz="2200" dirty="0" err="1" smtClean="0"/>
+              <a:rPr lang="en-US" sz="2200" dirty="0" err="1"/>
               <a:t>năng</a:t>
             </a:r>
             <a:endParaRPr lang="en-US" sz="2200" dirty="0"/>
@@ -43372,19 +42710,19 @@
           <a:lstStyle/>
           <a:p>
             <a:r>
-              <a:rPr lang="vi-VN" sz="2400" b="1" dirty="0" smtClean="0"/>
+              <a:rPr lang="vi-VN" sz="2400" b="1" dirty="0"/>
               <a:t>2.</a:t>
             </a:r>
             <a:r>
-              <a:rPr lang="en-US" sz="2400" b="1" dirty="0" smtClean="0"/>
+              <a:rPr lang="en-US" sz="2400" b="1" dirty="0"/>
               <a:t> </a:t>
             </a:r>
             <a:r>
-              <a:rPr lang="vi-VN" sz="2400" b="1" dirty="0" smtClean="0"/>
+              <a:rPr lang="vi-VN" sz="2400" b="1" dirty="0"/>
               <a:t>Phân tích quy trình và chức năng</a:t>
             </a:r>
             <a:r>
-              <a:rPr lang="en-US" sz="2400" b="1" dirty="0" smtClean="0"/>
+              <a:rPr lang="en-US" sz="2400" b="1" dirty="0"/>
               <a:t>.</a:t>
             </a:r>
           </a:p>

--- a/bccnpm2.pptx
+++ b/bccnpm2.pptx
@@ -4518,6 +4518,13 @@
     <dgm:pt modelId="{F2170DE8-2661-45E8-B4F0-68CF51FD4B8F}" type="pres">
       <dgm:prSet presAssocID="{43C910A3-62CA-45BA-A880-92F098C035CC}" presName="Name17" presStyleLbl="parChTrans1D3" presStyleIdx="0" presStyleCnt="8"/>
       <dgm:spPr/>
+      <dgm:t>
+        <a:bodyPr/>
+        <a:lstStyle/>
+        <a:p>
+          <a:endParaRPr lang="en-US"/>
+        </a:p>
+      </dgm:t>
     </dgm:pt>
     <dgm:pt modelId="{71622EDE-93BD-4EDC-8913-4C52C9F88423}" type="pres">
       <dgm:prSet presAssocID="{CF1A2CE0-3866-47F6-B4FE-4B864AA20991}" presName="hierRoot3" presStyleCnt="0"/>
@@ -4623,6 +4630,13 @@
     <dgm:pt modelId="{7809C915-0E71-44A9-9FF5-FA809221B027}" type="pres">
       <dgm:prSet presAssocID="{354A7CA3-37A5-4F0C-B13F-121E73872409}" presName="Name17" presStyleLbl="parChTrans1D3" presStyleIdx="1" presStyleCnt="8"/>
       <dgm:spPr/>
+      <dgm:t>
+        <a:bodyPr/>
+        <a:lstStyle/>
+        <a:p>
+          <a:endParaRPr lang="en-US"/>
+        </a:p>
+      </dgm:t>
     </dgm:pt>
     <dgm:pt modelId="{7B995C41-ED05-4C1D-9578-0D7C6D447052}" type="pres">
       <dgm:prSet presAssocID="{1A73E19A-2FF9-40AE-A45F-D8E4A180812F}" presName="hierRoot3" presStyleCnt="0"/>
@@ -4658,6 +4672,13 @@
     <dgm:pt modelId="{5AE8CEAA-A85E-4C12-B690-63E2E87ECBFC}" type="pres">
       <dgm:prSet presAssocID="{9B95F094-F8C1-447A-82D6-EEBA9A3B5961}" presName="Name17" presStyleLbl="parChTrans1D3" presStyleIdx="2" presStyleCnt="8"/>
       <dgm:spPr/>
+      <dgm:t>
+        <a:bodyPr/>
+        <a:lstStyle/>
+        <a:p>
+          <a:endParaRPr lang="en-US"/>
+        </a:p>
+      </dgm:t>
     </dgm:pt>
     <dgm:pt modelId="{135C2544-5E6C-4C1A-9629-EF859CBF9EA2}" type="pres">
       <dgm:prSet presAssocID="{95066E40-B066-4D97-B339-BFD34CD796EF}" presName="hierRoot3" presStyleCnt="0"/>
@@ -4693,6 +4714,13 @@
     <dgm:pt modelId="{2F4409EB-492B-40E5-87B5-52AA833B8D60}" type="pres">
       <dgm:prSet presAssocID="{C519D907-A4B6-456E-B610-C4D537321AF0}" presName="Name10" presStyleLbl="parChTrans1D2" presStyleIdx="2" presStyleCnt="4"/>
       <dgm:spPr/>
+      <dgm:t>
+        <a:bodyPr/>
+        <a:lstStyle/>
+        <a:p>
+          <a:endParaRPr lang="en-US"/>
+        </a:p>
+      </dgm:t>
     </dgm:pt>
     <dgm:pt modelId="{44FBA045-8DA5-4DCA-A14A-4B3DEF9F5D8F}" type="pres">
       <dgm:prSet presAssocID="{3902BBE7-986B-4D03-81D5-EEEB24D738DA}" presName="hierRoot2" presStyleCnt="0"/>
@@ -4728,6 +4756,13 @@
     <dgm:pt modelId="{3E924B02-F8E0-4EAF-A6D8-5CFB06DD746D}" type="pres">
       <dgm:prSet presAssocID="{82259B30-C376-45B8-A634-278C2FD90138}" presName="Name17" presStyleLbl="parChTrans1D3" presStyleIdx="3" presStyleCnt="8"/>
       <dgm:spPr/>
+      <dgm:t>
+        <a:bodyPr/>
+        <a:lstStyle/>
+        <a:p>
+          <a:endParaRPr lang="en-US"/>
+        </a:p>
+      </dgm:t>
     </dgm:pt>
     <dgm:pt modelId="{D997238A-945B-42C8-AD1E-C8FB40891F1C}" type="pres">
       <dgm:prSet presAssocID="{0725A183-E8CE-4EDC-AB97-6584AA1A7199}" presName="hierRoot3" presStyleCnt="0"/>
@@ -4763,6 +4798,13 @@
     <dgm:pt modelId="{E80E1B74-AC53-4CED-9382-30C5965CB41F}" type="pres">
       <dgm:prSet presAssocID="{73D878AF-0D6A-4447-94C7-DF750A1BFD5D}" presName="Name17" presStyleLbl="parChTrans1D3" presStyleIdx="4" presStyleCnt="8"/>
       <dgm:spPr/>
+      <dgm:t>
+        <a:bodyPr/>
+        <a:lstStyle/>
+        <a:p>
+          <a:endParaRPr lang="en-US"/>
+        </a:p>
+      </dgm:t>
     </dgm:pt>
     <dgm:pt modelId="{D79B79C2-DEB8-40B5-B67F-07F4836241AE}" type="pres">
       <dgm:prSet presAssocID="{3D652887-738C-4EC8-8EFE-96A444630371}" presName="hierRoot3" presStyleCnt="0"/>
@@ -4798,6 +4840,13 @@
     <dgm:pt modelId="{D14F1C3E-DE0C-4DD0-97FE-7694C1DBAEA8}" type="pres">
       <dgm:prSet presAssocID="{0B46BE59-F535-4406-87ED-ACE8C7DDC305}" presName="Name17" presStyleLbl="parChTrans1D3" presStyleIdx="5" presStyleCnt="8"/>
       <dgm:spPr/>
+      <dgm:t>
+        <a:bodyPr/>
+        <a:lstStyle/>
+        <a:p>
+          <a:endParaRPr lang="en-US"/>
+        </a:p>
+      </dgm:t>
     </dgm:pt>
     <dgm:pt modelId="{96A24D3C-07A9-4309-A7B0-F72EC47FC4A7}" type="pres">
       <dgm:prSet presAssocID="{EC48B371-0F87-45D8-A43F-E87DC2930AE4}" presName="hierRoot3" presStyleCnt="0"/>
@@ -4833,6 +4882,13 @@
     <dgm:pt modelId="{36DDFE3A-5712-4842-BB5B-64071B63C365}" type="pres">
       <dgm:prSet presAssocID="{115ECDC7-DA82-408D-B398-B8BC4A1BB09A}" presName="Name10" presStyleLbl="parChTrans1D2" presStyleIdx="3" presStyleCnt="4"/>
       <dgm:spPr/>
+      <dgm:t>
+        <a:bodyPr/>
+        <a:lstStyle/>
+        <a:p>
+          <a:endParaRPr lang="en-US"/>
+        </a:p>
+      </dgm:t>
     </dgm:pt>
     <dgm:pt modelId="{93206744-91BA-48E9-9BE6-46CBCAC5AF8F}" type="pres">
       <dgm:prSet presAssocID="{CBAC448E-F8A5-426F-9DA4-668DBB9E9752}" presName="hierRoot2" presStyleCnt="0"/>
@@ -4868,6 +4924,13 @@
     <dgm:pt modelId="{E5991229-FCE0-42F8-A05A-4194599906BF}" type="pres">
       <dgm:prSet presAssocID="{D7B15259-DEA4-4D6E-9D7B-AFDD0C455D39}" presName="Name17" presStyleLbl="parChTrans1D3" presStyleIdx="6" presStyleCnt="8"/>
       <dgm:spPr/>
+      <dgm:t>
+        <a:bodyPr/>
+        <a:lstStyle/>
+        <a:p>
+          <a:endParaRPr lang="en-US"/>
+        </a:p>
+      </dgm:t>
     </dgm:pt>
     <dgm:pt modelId="{DA17D875-83A0-4749-AAAA-58377DEB9854}" type="pres">
       <dgm:prSet presAssocID="{4A35AFF6-FE67-4C04-8002-061C138CB54E}" presName="hierRoot3" presStyleCnt="0"/>
@@ -4903,6 +4966,13 @@
     <dgm:pt modelId="{9C99C6ED-2F02-4176-9F85-1E45FA9EA0AA}" type="pres">
       <dgm:prSet presAssocID="{A60E8972-07D1-4A91-8D19-243E8B3F8651}" presName="Name17" presStyleLbl="parChTrans1D3" presStyleIdx="7" presStyleCnt="8"/>
       <dgm:spPr/>
+      <dgm:t>
+        <a:bodyPr/>
+        <a:lstStyle/>
+        <a:p>
+          <a:endParaRPr lang="en-US"/>
+        </a:p>
+      </dgm:t>
     </dgm:pt>
     <dgm:pt modelId="{9FEC2DB9-597B-4ABC-A902-27240FF3F6E0}" type="pres">
       <dgm:prSet presAssocID="{46031091-2721-4FAD-89A7-A9A54B6E5E30}" presName="hierRoot3" presStyleCnt="0"/>
@@ -4937,45 +5007,45 @@
     </dgm:pt>
   </dgm:ptLst>
   <dgm:cxnLst>
+    <dgm:cxn modelId="{20030FA1-B9DF-4338-8B3C-93A2888A3F5D}" type="presOf" srcId="{95066E40-B066-4D97-B339-BFD34CD796EF}" destId="{0D3DCDBB-A84F-42B9-ABEE-1BECED108683}" srcOrd="0" destOrd="0" presId="urn:microsoft.com/office/officeart/2005/8/layout/hierarchy1"/>
+    <dgm:cxn modelId="{09CBCA3C-8B72-4908-8178-333221182EE0}" type="presOf" srcId="{1A73E19A-2FF9-40AE-A45F-D8E4A180812F}" destId="{D28FA95C-085E-49A5-9DCD-7D22E001624C}" srcOrd="0" destOrd="0" presId="urn:microsoft.com/office/officeart/2005/8/layout/hierarchy1"/>
+    <dgm:cxn modelId="{75955785-A637-4D28-AC5D-30A609743373}" srcId="{CBAC448E-F8A5-426F-9DA4-668DBB9E9752}" destId="{4A35AFF6-FE67-4C04-8002-061C138CB54E}" srcOrd="0" destOrd="0" parTransId="{D7B15259-DEA4-4D6E-9D7B-AFDD0C455D39}" sibTransId="{3DA22FAA-006A-4463-8BA7-1D776542AB8D}"/>
+    <dgm:cxn modelId="{6DBB54F5-FE6D-4A71-BDD2-71232E445EDA}" type="presOf" srcId="{46031091-2721-4FAD-89A7-A9A54B6E5E30}" destId="{94A211FF-1BB4-4B0D-BE9E-AA3C43E0ED35}" srcOrd="0" destOrd="0" presId="urn:microsoft.com/office/officeart/2005/8/layout/hierarchy1"/>
+    <dgm:cxn modelId="{57B6DBD9-BE97-406D-8567-B60E6B8AAFCD}" type="presOf" srcId="{4A35AFF6-FE67-4C04-8002-061C138CB54E}" destId="{B2878017-EE1E-4BE3-889A-8F47489EAD50}" srcOrd="0" destOrd="0" presId="urn:microsoft.com/office/officeart/2005/8/layout/hierarchy1"/>
+    <dgm:cxn modelId="{892B223E-F7C8-4DBD-ADDD-26F566D6FC3A}" srcId="{1D32DFE3-9A16-4A0F-85D1-34A794D7A500}" destId="{CBAC448E-F8A5-426F-9DA4-668DBB9E9752}" srcOrd="3" destOrd="0" parTransId="{115ECDC7-DA82-408D-B398-B8BC4A1BB09A}" sibTransId="{C682E407-DE90-4A53-901E-E0B6F281313C}"/>
+    <dgm:cxn modelId="{10D7855A-B6A1-4C95-B895-0E77E6566430}" type="presOf" srcId="{73D878AF-0D6A-4447-94C7-DF750A1BFD5D}" destId="{E80E1B74-AC53-4CED-9382-30C5965CB41F}" srcOrd="0" destOrd="0" presId="urn:microsoft.com/office/officeart/2005/8/layout/hierarchy1"/>
     <dgm:cxn modelId="{F7E7946A-3217-4816-A246-0809644C9716}" type="presOf" srcId="{3D652887-738C-4EC8-8EFE-96A444630371}" destId="{C4E63A1F-4245-4A0E-9832-78DB9FD3C52A}" srcOrd="0" destOrd="0" presId="urn:microsoft.com/office/officeart/2005/8/layout/hierarchy1"/>
-    <dgm:cxn modelId="{20030FA1-B9DF-4338-8B3C-93A2888A3F5D}" type="presOf" srcId="{95066E40-B066-4D97-B339-BFD34CD796EF}" destId="{0D3DCDBB-A84F-42B9-ABEE-1BECED108683}" srcOrd="0" destOrd="0" presId="urn:microsoft.com/office/officeart/2005/8/layout/hierarchy1"/>
-    <dgm:cxn modelId="{417C67BE-E8ED-4D43-9F8D-8C7B1E086E0C}" type="presOf" srcId="{0725A183-E8CE-4EDC-AB97-6584AA1A7199}" destId="{297D92BB-F6DF-438D-9848-6FA1B0A95251}" srcOrd="0" destOrd="0" presId="urn:microsoft.com/office/officeart/2005/8/layout/hierarchy1"/>
+    <dgm:cxn modelId="{67FCB315-3A73-4324-A5C1-EA49AC953AEB}" type="presOf" srcId="{A60E8972-07D1-4A91-8D19-243E8B3F8651}" destId="{9C99C6ED-2F02-4176-9F85-1E45FA9EA0AA}" srcOrd="0" destOrd="0" presId="urn:microsoft.com/office/officeart/2005/8/layout/hierarchy1"/>
+    <dgm:cxn modelId="{47865AA6-86FF-42CD-BAC3-7CFE41F6EDFF}" type="presOf" srcId="{95796C9F-B4F8-4672-9989-922379664523}" destId="{79B06C8B-73E5-4EC3-826F-2FD31046C912}" srcOrd="0" destOrd="0" presId="urn:microsoft.com/office/officeart/2005/8/layout/hierarchy1"/>
     <dgm:cxn modelId="{BC0BCD9E-1E34-4293-BB12-B71364E9FB2D}" srcId="{1D32DFE3-9A16-4A0F-85D1-34A794D7A500}" destId="{00737D0B-5E6B-4F45-9898-38209F00DF4E}" srcOrd="1" destOrd="0" parTransId="{57DD8661-501E-4AF4-BB47-9F9067AA275C}" sibTransId="{7A188BE7-FF80-45F8-A108-5BB8C262A269}"/>
+    <dgm:cxn modelId="{71106DA4-2A09-4F4C-808F-2D7A7C958730}" type="presOf" srcId="{0B46BE59-F535-4406-87ED-ACE8C7DDC305}" destId="{D14F1C3E-DE0C-4DD0-97FE-7694C1DBAEA8}" srcOrd="0" destOrd="0" presId="urn:microsoft.com/office/officeart/2005/8/layout/hierarchy1"/>
+    <dgm:cxn modelId="{EA939071-32D0-4F86-9BDC-4B5F85F49091}" srcId="{CBAC448E-F8A5-426F-9DA4-668DBB9E9752}" destId="{46031091-2721-4FAD-89A7-A9A54B6E5E30}" srcOrd="1" destOrd="0" parTransId="{A60E8972-07D1-4A91-8D19-243E8B3F8651}" sibTransId="{CE1A56BF-944D-41FF-9B2F-9BAD3026EB4B}"/>
+    <dgm:cxn modelId="{89484744-5F73-4498-BE17-2D2C04FEE4AB}" type="presOf" srcId="{354A7CA3-37A5-4F0C-B13F-121E73872409}" destId="{7809C915-0E71-44A9-9FF5-FA809221B027}" srcOrd="0" destOrd="0" presId="urn:microsoft.com/office/officeart/2005/8/layout/hierarchy1"/>
+    <dgm:cxn modelId="{574100DC-B806-4E1C-9942-0622AAC05200}" type="presOf" srcId="{115ECDC7-DA82-408D-B398-B8BC4A1BB09A}" destId="{36DDFE3A-5712-4842-BB5B-64071B63C365}" srcOrd="0" destOrd="0" presId="urn:microsoft.com/office/officeart/2005/8/layout/hierarchy1"/>
+    <dgm:cxn modelId="{2BF1C1B0-2CA3-458A-86B8-37A12DD1AD32}" srcId="{1D32DFE3-9A16-4A0F-85D1-34A794D7A500}" destId="{95796C9F-B4F8-4672-9989-922379664523}" srcOrd="0" destOrd="0" parTransId="{7329B386-B35F-4CFB-906C-61C1599AD121}" sibTransId="{74C214D7-5627-43D7-906C-5FD29F74DDB3}"/>
+    <dgm:cxn modelId="{3AD84EF3-5646-44F1-8F79-C2661B0D4665}" type="presOf" srcId="{C519D907-A4B6-456E-B610-C4D537321AF0}" destId="{2F4409EB-492B-40E5-87B5-52AA833B8D60}" srcOrd="0" destOrd="0" presId="urn:microsoft.com/office/officeart/2005/8/layout/hierarchy1"/>
+    <dgm:cxn modelId="{B3293DE4-E865-4DA4-97D9-164634493B81}" type="presOf" srcId="{82259B30-C376-45B8-A634-278C2FD90138}" destId="{3E924B02-F8E0-4EAF-A6D8-5CFB06DD746D}" srcOrd="0" destOrd="0" presId="urn:microsoft.com/office/officeart/2005/8/layout/hierarchy1"/>
+    <dgm:cxn modelId="{DABA9648-29D2-4ED6-9344-568EF6FEAF86}" srcId="{3902BBE7-986B-4D03-81D5-EEEB24D738DA}" destId="{0725A183-E8CE-4EDC-AB97-6584AA1A7199}" srcOrd="0" destOrd="0" parTransId="{82259B30-C376-45B8-A634-278C2FD90138}" sibTransId="{4318E9B2-973E-48F6-9006-574464EDBD31}"/>
+    <dgm:cxn modelId="{A7483C4D-17D8-44A8-9984-D47B40B18219}" srcId="{61A41450-09B4-42D5-BCE4-C292A4B09CD1}" destId="{1D32DFE3-9A16-4A0F-85D1-34A794D7A500}" srcOrd="0" destOrd="0" parTransId="{2C37E51B-1EDB-46B9-BEB9-8037E1452658}" sibTransId="{4A705E68-BEF8-4A8B-887C-016E3D430E9B}"/>
     <dgm:cxn modelId="{55431BEE-5C7A-4F70-B544-8D5731EE2E11}" type="presOf" srcId="{9B95F094-F8C1-447A-82D6-EEBA9A3B5961}" destId="{5AE8CEAA-A85E-4C12-B690-63E2E87ECBFC}" srcOrd="0" destOrd="0" presId="urn:microsoft.com/office/officeart/2005/8/layout/hierarchy1"/>
+    <dgm:cxn modelId="{096C9F90-FD45-4821-BBE8-48D85C04CA79}" type="presOf" srcId="{00737D0B-5E6B-4F45-9898-38209F00DF4E}" destId="{7FD02768-2C65-47D4-ACCE-F438DC71BA50}" srcOrd="0" destOrd="0" presId="urn:microsoft.com/office/officeart/2005/8/layout/hierarchy1"/>
+    <dgm:cxn modelId="{3E2E51CD-07BE-444A-9A4A-446234526C58}" srcId="{3902BBE7-986B-4D03-81D5-EEEB24D738DA}" destId="{3D652887-738C-4EC8-8EFE-96A444630371}" srcOrd="1" destOrd="0" parTransId="{73D878AF-0D6A-4447-94C7-DF750A1BFD5D}" sibTransId="{5A028A64-D5A6-4DEF-94B0-4BE0C506733D}"/>
+    <dgm:cxn modelId="{B79DFFF7-1C9A-41A6-A76C-CC08439144F5}" type="presOf" srcId="{D7B15259-DEA4-4D6E-9D7B-AFDD0C455D39}" destId="{E5991229-FCE0-42F8-A05A-4194599906BF}" srcOrd="0" destOrd="0" presId="urn:microsoft.com/office/officeart/2005/8/layout/hierarchy1"/>
+    <dgm:cxn modelId="{DED9B801-9383-40AE-956D-BC484032A2EB}" type="presOf" srcId="{57DD8661-501E-4AF4-BB47-9F9067AA275C}" destId="{96769A0B-EE7E-46FC-9E96-7ECD5333085B}" srcOrd="0" destOrd="0" presId="urn:microsoft.com/office/officeart/2005/8/layout/hierarchy1"/>
+    <dgm:cxn modelId="{5D95A1C5-6453-42CF-9277-4E618911E3D5}" srcId="{00737D0B-5E6B-4F45-9898-38209F00DF4E}" destId="{95066E40-B066-4D97-B339-BFD34CD796EF}" srcOrd="1" destOrd="0" parTransId="{9B95F094-F8C1-447A-82D6-EEBA9A3B5961}" sibTransId="{45854762-3170-4235-A39A-6FFC23A3B8BA}"/>
     <dgm:cxn modelId="{8948EC03-CCE7-481E-86D2-A4F73BFB7450}" type="presOf" srcId="{3902BBE7-986B-4D03-81D5-EEEB24D738DA}" destId="{212A66FE-904A-4E5C-A5F5-704E02122B96}" srcOrd="0" destOrd="0" presId="urn:microsoft.com/office/officeart/2005/8/layout/hierarchy1"/>
-    <dgm:cxn modelId="{75955785-A637-4D28-AC5D-30A609743373}" srcId="{CBAC448E-F8A5-426F-9DA4-668DBB9E9752}" destId="{4A35AFF6-FE67-4C04-8002-061C138CB54E}" srcOrd="0" destOrd="0" parTransId="{D7B15259-DEA4-4D6E-9D7B-AFDD0C455D39}" sibTransId="{3DA22FAA-006A-4463-8BA7-1D776542AB8D}"/>
-    <dgm:cxn modelId="{EA939071-32D0-4F86-9BDC-4B5F85F49091}" srcId="{CBAC448E-F8A5-426F-9DA4-668DBB9E9752}" destId="{46031091-2721-4FAD-89A7-A9A54B6E5E30}" srcOrd="1" destOrd="0" parTransId="{A60E8972-07D1-4A91-8D19-243E8B3F8651}" sibTransId="{CE1A56BF-944D-41FF-9B2F-9BAD3026EB4B}"/>
-    <dgm:cxn modelId="{3AD84EF3-5646-44F1-8F79-C2661B0D4665}" type="presOf" srcId="{C519D907-A4B6-456E-B610-C4D537321AF0}" destId="{2F4409EB-492B-40E5-87B5-52AA833B8D60}" srcOrd="0" destOrd="0" presId="urn:microsoft.com/office/officeart/2005/8/layout/hierarchy1"/>
-    <dgm:cxn modelId="{3E2E51CD-07BE-444A-9A4A-446234526C58}" srcId="{3902BBE7-986B-4D03-81D5-EEEB24D738DA}" destId="{3D652887-738C-4EC8-8EFE-96A444630371}" srcOrd="1" destOrd="0" parTransId="{73D878AF-0D6A-4447-94C7-DF750A1BFD5D}" sibTransId="{5A028A64-D5A6-4DEF-94B0-4BE0C506733D}"/>
+    <dgm:cxn modelId="{D0535FB2-3190-411A-B124-D6DF62CEF94E}" type="presOf" srcId="{1D32DFE3-9A16-4A0F-85D1-34A794D7A500}" destId="{8F0CCF51-3EB9-4C9D-98C6-B1F49B7EFCB6}" srcOrd="0" destOrd="0" presId="urn:microsoft.com/office/officeart/2005/8/layout/hierarchy1"/>
+    <dgm:cxn modelId="{116F5CEF-3F4E-45B9-9B8F-C28E2B25A102}" srcId="{1D32DFE3-9A16-4A0F-85D1-34A794D7A500}" destId="{3902BBE7-986B-4D03-81D5-EEEB24D738DA}" srcOrd="2" destOrd="0" parTransId="{C519D907-A4B6-456E-B610-C4D537321AF0}" sibTransId="{0FFB2648-DB7F-4E6F-9978-FA211954D174}"/>
+    <dgm:cxn modelId="{08F29AC2-2E4D-4041-B5FC-6E31B041482B}" type="presOf" srcId="{CF1A2CE0-3866-47F6-B4FE-4B864AA20991}" destId="{596C5575-76D4-4DAA-A238-9E4E72E1F245}" srcOrd="0" destOrd="0" presId="urn:microsoft.com/office/officeart/2005/8/layout/hierarchy1"/>
+    <dgm:cxn modelId="{44CE368C-59DE-4D4C-8509-0744DA46BD14}" type="presOf" srcId="{61A41450-09B4-42D5-BCE4-C292A4B09CD1}" destId="{93FB690B-B7A6-464F-BC71-F11E08D068B7}" srcOrd="0" destOrd="0" presId="urn:microsoft.com/office/officeart/2005/8/layout/hierarchy1"/>
+    <dgm:cxn modelId="{8BC8CACC-D63A-4E1E-8DE5-720C35403604}" type="presOf" srcId="{43C910A3-62CA-45BA-A880-92F098C035CC}" destId="{F2170DE8-2661-45E8-B4F0-68CF51FD4B8F}" srcOrd="0" destOrd="0" presId="urn:microsoft.com/office/officeart/2005/8/layout/hierarchy1"/>
     <dgm:cxn modelId="{93916066-C8AE-4CEA-B1E6-0CD44FB43FA5}" type="presOf" srcId="{CBAC448E-F8A5-426F-9DA4-668DBB9E9752}" destId="{F3A8B18A-49C1-4B21-9421-8C5E934961E4}" srcOrd="0" destOrd="0" presId="urn:microsoft.com/office/officeart/2005/8/layout/hierarchy1"/>
-    <dgm:cxn modelId="{71106DA4-2A09-4F4C-808F-2D7A7C958730}" type="presOf" srcId="{0B46BE59-F535-4406-87ED-ACE8C7DDC305}" destId="{D14F1C3E-DE0C-4DD0-97FE-7694C1DBAEA8}" srcOrd="0" destOrd="0" presId="urn:microsoft.com/office/officeart/2005/8/layout/hierarchy1"/>
-    <dgm:cxn modelId="{44CE368C-59DE-4D4C-8509-0744DA46BD14}" type="presOf" srcId="{61A41450-09B4-42D5-BCE4-C292A4B09CD1}" destId="{93FB690B-B7A6-464F-BC71-F11E08D068B7}" srcOrd="0" destOrd="0" presId="urn:microsoft.com/office/officeart/2005/8/layout/hierarchy1"/>
-    <dgm:cxn modelId="{2BF1C1B0-2CA3-458A-86B8-37A12DD1AD32}" srcId="{1D32DFE3-9A16-4A0F-85D1-34A794D7A500}" destId="{95796C9F-B4F8-4672-9989-922379664523}" srcOrd="0" destOrd="0" parTransId="{7329B386-B35F-4CFB-906C-61C1599AD121}" sibTransId="{74C214D7-5627-43D7-906C-5FD29F74DDB3}"/>
-    <dgm:cxn modelId="{B79DFFF7-1C9A-41A6-A76C-CC08439144F5}" type="presOf" srcId="{D7B15259-DEA4-4D6E-9D7B-AFDD0C455D39}" destId="{E5991229-FCE0-42F8-A05A-4194599906BF}" srcOrd="0" destOrd="0" presId="urn:microsoft.com/office/officeart/2005/8/layout/hierarchy1"/>
-    <dgm:cxn modelId="{89484744-5F73-4498-BE17-2D2C04FEE4AB}" type="presOf" srcId="{354A7CA3-37A5-4F0C-B13F-121E73872409}" destId="{7809C915-0E71-44A9-9FF5-FA809221B027}" srcOrd="0" destOrd="0" presId="urn:microsoft.com/office/officeart/2005/8/layout/hierarchy1"/>
-    <dgm:cxn modelId="{096C9F90-FD45-4821-BBE8-48D85C04CA79}" type="presOf" srcId="{00737D0B-5E6B-4F45-9898-38209F00DF4E}" destId="{7FD02768-2C65-47D4-ACCE-F438DC71BA50}" srcOrd="0" destOrd="0" presId="urn:microsoft.com/office/officeart/2005/8/layout/hierarchy1"/>
-    <dgm:cxn modelId="{116F5CEF-3F4E-45B9-9B8F-C28E2B25A102}" srcId="{1D32DFE3-9A16-4A0F-85D1-34A794D7A500}" destId="{3902BBE7-986B-4D03-81D5-EEEB24D738DA}" srcOrd="2" destOrd="0" parTransId="{C519D907-A4B6-456E-B610-C4D537321AF0}" sibTransId="{0FFB2648-DB7F-4E6F-9978-FA211954D174}"/>
     <dgm:cxn modelId="{393AD012-C996-41C3-B5D0-E8DCC8A205F5}" type="presOf" srcId="{EC48B371-0F87-45D8-A43F-E87DC2930AE4}" destId="{F0EF086B-6565-4FE5-ABF0-27931EB55AE2}" srcOrd="0" destOrd="0" presId="urn:microsoft.com/office/officeart/2005/8/layout/hierarchy1"/>
-    <dgm:cxn modelId="{39518939-DFEE-49E4-ACAD-E5306ADC363B}" srcId="{00737D0B-5E6B-4F45-9898-38209F00DF4E}" destId="{1A73E19A-2FF9-40AE-A45F-D8E4A180812F}" srcOrd="0" destOrd="0" parTransId="{354A7CA3-37A5-4F0C-B13F-121E73872409}" sibTransId="{C9459484-52CC-4BD3-85F1-C6399A2928D1}"/>
-    <dgm:cxn modelId="{10D7855A-B6A1-4C95-B895-0E77E6566430}" type="presOf" srcId="{73D878AF-0D6A-4447-94C7-DF750A1BFD5D}" destId="{E80E1B74-AC53-4CED-9382-30C5965CB41F}" srcOrd="0" destOrd="0" presId="urn:microsoft.com/office/officeart/2005/8/layout/hierarchy1"/>
-    <dgm:cxn modelId="{BC339104-E776-4ACF-A91A-A7BB4E94A61D}" srcId="{95796C9F-B4F8-4672-9989-922379664523}" destId="{CF1A2CE0-3866-47F6-B4FE-4B864AA20991}" srcOrd="0" destOrd="0" parTransId="{43C910A3-62CA-45BA-A880-92F098C035CC}" sibTransId="{207B3306-8847-4754-80A8-9C1DB4A7258F}"/>
-    <dgm:cxn modelId="{DABA9648-29D2-4ED6-9344-568EF6FEAF86}" srcId="{3902BBE7-986B-4D03-81D5-EEEB24D738DA}" destId="{0725A183-E8CE-4EDC-AB97-6584AA1A7199}" srcOrd="0" destOrd="0" parTransId="{82259B30-C376-45B8-A634-278C2FD90138}" sibTransId="{4318E9B2-973E-48F6-9006-574464EDBD31}"/>
-    <dgm:cxn modelId="{DED9B801-9383-40AE-956D-BC484032A2EB}" type="presOf" srcId="{57DD8661-501E-4AF4-BB47-9F9067AA275C}" destId="{96769A0B-EE7E-46FC-9E96-7ECD5333085B}" srcOrd="0" destOrd="0" presId="urn:microsoft.com/office/officeart/2005/8/layout/hierarchy1"/>
-    <dgm:cxn modelId="{892B223E-F7C8-4DBD-ADDD-26F566D6FC3A}" srcId="{1D32DFE3-9A16-4A0F-85D1-34A794D7A500}" destId="{CBAC448E-F8A5-426F-9DA4-668DBB9E9752}" srcOrd="3" destOrd="0" parTransId="{115ECDC7-DA82-408D-B398-B8BC4A1BB09A}" sibTransId="{C682E407-DE90-4A53-901E-E0B6F281313C}"/>
-    <dgm:cxn modelId="{D0535FB2-3190-411A-B124-D6DF62CEF94E}" type="presOf" srcId="{1D32DFE3-9A16-4A0F-85D1-34A794D7A500}" destId="{8F0CCF51-3EB9-4C9D-98C6-B1F49B7EFCB6}" srcOrd="0" destOrd="0" presId="urn:microsoft.com/office/officeart/2005/8/layout/hierarchy1"/>
-    <dgm:cxn modelId="{57B6DBD9-BE97-406D-8567-B60E6B8AAFCD}" type="presOf" srcId="{4A35AFF6-FE67-4C04-8002-061C138CB54E}" destId="{B2878017-EE1E-4BE3-889A-8F47489EAD50}" srcOrd="0" destOrd="0" presId="urn:microsoft.com/office/officeart/2005/8/layout/hierarchy1"/>
-    <dgm:cxn modelId="{B3293DE4-E865-4DA4-97D9-164634493B81}" type="presOf" srcId="{82259B30-C376-45B8-A634-278C2FD90138}" destId="{3E924B02-F8E0-4EAF-A6D8-5CFB06DD746D}" srcOrd="0" destOrd="0" presId="urn:microsoft.com/office/officeart/2005/8/layout/hierarchy1"/>
-    <dgm:cxn modelId="{5D95A1C5-6453-42CF-9277-4E618911E3D5}" srcId="{00737D0B-5E6B-4F45-9898-38209F00DF4E}" destId="{95066E40-B066-4D97-B339-BFD34CD796EF}" srcOrd="1" destOrd="0" parTransId="{9B95F094-F8C1-447A-82D6-EEBA9A3B5961}" sibTransId="{45854762-3170-4235-A39A-6FFC23A3B8BA}"/>
-    <dgm:cxn modelId="{574100DC-B806-4E1C-9942-0622AAC05200}" type="presOf" srcId="{115ECDC7-DA82-408D-B398-B8BC4A1BB09A}" destId="{36DDFE3A-5712-4842-BB5B-64071B63C365}" srcOrd="0" destOrd="0" presId="urn:microsoft.com/office/officeart/2005/8/layout/hierarchy1"/>
-    <dgm:cxn modelId="{8BC8CACC-D63A-4E1E-8DE5-720C35403604}" type="presOf" srcId="{43C910A3-62CA-45BA-A880-92F098C035CC}" destId="{F2170DE8-2661-45E8-B4F0-68CF51FD4B8F}" srcOrd="0" destOrd="0" presId="urn:microsoft.com/office/officeart/2005/8/layout/hierarchy1"/>
     <dgm:cxn modelId="{3702857B-1305-4140-A15E-9C7647F9D951}" type="presOf" srcId="{7329B386-B35F-4CFB-906C-61C1599AD121}" destId="{F89F6CE0-1ECE-4CE3-9B65-B4E7F9708D82}" srcOrd="0" destOrd="0" presId="urn:microsoft.com/office/officeart/2005/8/layout/hierarchy1"/>
     <dgm:cxn modelId="{1B9259E0-8158-4D53-9A5D-5C710D5FC77C}" srcId="{3902BBE7-986B-4D03-81D5-EEEB24D738DA}" destId="{EC48B371-0F87-45D8-A43F-E87DC2930AE4}" srcOrd="2" destOrd="0" parTransId="{0B46BE59-F535-4406-87ED-ACE8C7DDC305}" sibTransId="{A802A6D3-9143-4D67-B7E1-BB2F6957392A}"/>
-    <dgm:cxn modelId="{09CBCA3C-8B72-4908-8178-333221182EE0}" type="presOf" srcId="{1A73E19A-2FF9-40AE-A45F-D8E4A180812F}" destId="{D28FA95C-085E-49A5-9DCD-7D22E001624C}" srcOrd="0" destOrd="0" presId="urn:microsoft.com/office/officeart/2005/8/layout/hierarchy1"/>
-    <dgm:cxn modelId="{47865AA6-86FF-42CD-BAC3-7CFE41F6EDFF}" type="presOf" srcId="{95796C9F-B4F8-4672-9989-922379664523}" destId="{79B06C8B-73E5-4EC3-826F-2FD31046C912}" srcOrd="0" destOrd="0" presId="urn:microsoft.com/office/officeart/2005/8/layout/hierarchy1"/>
-    <dgm:cxn modelId="{A7483C4D-17D8-44A8-9984-D47B40B18219}" srcId="{61A41450-09B4-42D5-BCE4-C292A4B09CD1}" destId="{1D32DFE3-9A16-4A0F-85D1-34A794D7A500}" srcOrd="0" destOrd="0" parTransId="{2C37E51B-1EDB-46B9-BEB9-8037E1452658}" sibTransId="{4A705E68-BEF8-4A8B-887C-016E3D430E9B}"/>
-    <dgm:cxn modelId="{6DBB54F5-FE6D-4A71-BDD2-71232E445EDA}" type="presOf" srcId="{46031091-2721-4FAD-89A7-A9A54B6E5E30}" destId="{94A211FF-1BB4-4B0D-BE9E-AA3C43E0ED35}" srcOrd="0" destOrd="0" presId="urn:microsoft.com/office/officeart/2005/8/layout/hierarchy1"/>
-    <dgm:cxn modelId="{08F29AC2-2E4D-4041-B5FC-6E31B041482B}" type="presOf" srcId="{CF1A2CE0-3866-47F6-B4FE-4B864AA20991}" destId="{596C5575-76D4-4DAA-A238-9E4E72E1F245}" srcOrd="0" destOrd="0" presId="urn:microsoft.com/office/officeart/2005/8/layout/hierarchy1"/>
-    <dgm:cxn modelId="{67FCB315-3A73-4324-A5C1-EA49AC953AEB}" type="presOf" srcId="{A60E8972-07D1-4A91-8D19-243E8B3F8651}" destId="{9C99C6ED-2F02-4176-9F85-1E45FA9EA0AA}" srcOrd="0" destOrd="0" presId="urn:microsoft.com/office/officeart/2005/8/layout/hierarchy1"/>
+    <dgm:cxn modelId="{417C67BE-E8ED-4D43-9F8D-8C7B1E086E0C}" type="presOf" srcId="{0725A183-E8CE-4EDC-AB97-6584AA1A7199}" destId="{297D92BB-F6DF-438D-9848-6FA1B0A95251}" srcOrd="0" destOrd="0" presId="urn:microsoft.com/office/officeart/2005/8/layout/hierarchy1"/>
+    <dgm:cxn modelId="{BC339104-E776-4ACF-A91A-A7BB4E94A61D}" srcId="{95796C9F-B4F8-4672-9989-922379664523}" destId="{CF1A2CE0-3866-47F6-B4FE-4B864AA20991}" srcOrd="0" destOrd="0" parTransId="{43C910A3-62CA-45BA-A880-92F098C035CC}" sibTransId="{207B3306-8847-4754-80A8-9C1DB4A7258F}"/>
+    <dgm:cxn modelId="{39518939-DFEE-49E4-ACAD-E5306ADC363B}" srcId="{00737D0B-5E6B-4F45-9898-38209F00DF4E}" destId="{1A73E19A-2FF9-40AE-A45F-D8E4A180812F}" srcOrd="0" destOrd="0" parTransId="{354A7CA3-37A5-4F0C-B13F-121E73872409}" sibTransId="{C9459484-52CC-4BD3-85F1-C6399A2928D1}"/>
     <dgm:cxn modelId="{6532B924-D62B-4D26-959B-2FDB9499CB56}" type="presParOf" srcId="{93FB690B-B7A6-464F-BC71-F11E08D068B7}" destId="{E717CFFF-2EBE-43E6-9612-CD7CAB48D8E6}" srcOrd="0" destOrd="0" presId="urn:microsoft.com/office/officeart/2005/8/layout/hierarchy1"/>
     <dgm:cxn modelId="{992E6DF7-27A4-40AE-8D28-7ABEA298A22F}" type="presParOf" srcId="{E717CFFF-2EBE-43E6-9612-CD7CAB48D8E6}" destId="{D00248EB-71C7-41C7-B83C-B5B84038F1D1}" srcOrd="0" destOrd="0" presId="urn:microsoft.com/office/officeart/2005/8/layout/hierarchy1"/>
     <dgm:cxn modelId="{20560759-A64D-45BD-B17F-35FBE5B461A1}" type="presParOf" srcId="{D00248EB-71C7-41C7-B83C-B5B84038F1D1}" destId="{F4234D91-5143-4B63-BED7-3C1D70518372}" srcOrd="0" destOrd="0" presId="urn:microsoft.com/office/officeart/2005/8/layout/hierarchy1"/>
@@ -5306,6 +5376,13 @@
         </dgm:presLayoutVars>
       </dgm:prSet>
       <dgm:spPr/>
+      <dgm:t>
+        <a:bodyPr/>
+        <a:lstStyle/>
+        <a:p>
+          <a:endParaRPr lang="en-US"/>
+        </a:p>
+      </dgm:t>
     </dgm:pt>
     <dgm:pt modelId="{B5A9CDFE-9CE8-408B-8FD1-212C1C929A37}" type="pres">
       <dgm:prSet presAssocID="{CE306E1B-E88C-4CF4-86BA-CFC29DAC2B04}" presName="cycle" presStyleCnt="0"/>
@@ -5333,6 +5410,13 @@
     <dgm:pt modelId="{EAACB6E9-6BBC-4AE8-B06B-EAA60DA7872E}" type="pres">
       <dgm:prSet presAssocID="{310A344B-AD42-4A2C-B766-DF7CE2A21A86}" presName="Name25" presStyleLbl="parChTrans1D1" presStyleIdx="0" presStyleCnt="2"/>
       <dgm:spPr/>
+      <dgm:t>
+        <a:bodyPr/>
+        <a:lstStyle/>
+        <a:p>
+          <a:endParaRPr lang="en-US"/>
+        </a:p>
+      </dgm:t>
     </dgm:pt>
     <dgm:pt modelId="{7E5D7DDC-5EEC-4B4B-8E7E-A238ECB12D72}" type="pres">
       <dgm:prSet presAssocID="{6BE78E52-AC65-43F7-8F4A-3AE8CD8C6726}" presName="node" presStyleCnt="0"/>
@@ -5346,6 +5430,13 @@
         </dgm:presLayoutVars>
       </dgm:prSet>
       <dgm:spPr/>
+      <dgm:t>
+        <a:bodyPr/>
+        <a:lstStyle/>
+        <a:p>
+          <a:endParaRPr lang="en-US"/>
+        </a:p>
+      </dgm:t>
     </dgm:pt>
     <dgm:pt modelId="{3619927E-4EA4-42CE-A1D4-02C4C746B10F}" type="pres">
       <dgm:prSet presAssocID="{6BE78E52-AC65-43F7-8F4A-3AE8CD8C6726}" presName="childNode" presStyleLbl="revTx" presStyleIdx="0" presStyleCnt="0">
@@ -5358,6 +5449,13 @@
     <dgm:pt modelId="{308744CE-0280-4B2C-8198-66B24D45DA67}" type="pres">
       <dgm:prSet presAssocID="{21973405-730B-4F3B-A198-F5FC9DEF995A}" presName="Name25" presStyleLbl="parChTrans1D1" presStyleIdx="1" presStyleCnt="2"/>
       <dgm:spPr/>
+      <dgm:t>
+        <a:bodyPr/>
+        <a:lstStyle/>
+        <a:p>
+          <a:endParaRPr lang="en-US"/>
+        </a:p>
+      </dgm:t>
     </dgm:pt>
     <dgm:pt modelId="{B42D762F-BA54-4615-AB42-F8A1EB365442}" type="pres">
       <dgm:prSet presAssocID="{657E8DD9-7D50-4A78-996C-D1EF6582AF7F}" presName="node" presStyleCnt="0"/>
@@ -5371,6 +5469,13 @@
         </dgm:presLayoutVars>
       </dgm:prSet>
       <dgm:spPr/>
+      <dgm:t>
+        <a:bodyPr/>
+        <a:lstStyle/>
+        <a:p>
+          <a:endParaRPr lang="en-US"/>
+        </a:p>
+      </dgm:t>
     </dgm:pt>
     <dgm:pt modelId="{3F5EB065-4F90-4DF7-BA25-1FFA9A9A6322}" type="pres">
       <dgm:prSet presAssocID="{657E8DD9-7D50-4A78-996C-D1EF6582AF7F}" presName="childNode" presStyleLbl="revTx" presStyleIdx="0" presStyleCnt="0">
@@ -14825,7 +14930,7 @@
           <a:p>
             <a:fld id="{92A5D4D4-FE76-4BB7-9052-639959F0D905}" type="datetimeFigureOut">
               <a:rPr lang="en-US" smtClean="0"/>
-              <a:t>4/7/2019</a:t>
+              <a:t>4/8/2019</a:t>
             </a:fld>
             <a:endParaRPr lang="en-US"/>
           </a:p>
@@ -15898,7 +16003,7 @@
           <a:p>
             <a:fld id="{F2F30A7D-1D39-4504-8F5F-9572826BED83}" type="datetimeFigureOut">
               <a:rPr lang="en-US" smtClean="0"/>
-              <a:t>4/7/2019</a:t>
+              <a:t>4/8/2019</a:t>
             </a:fld>
             <a:endParaRPr lang="en-US"/>
           </a:p>
@@ -16068,7 +16173,7 @@
           <a:p>
             <a:fld id="{F2F30A7D-1D39-4504-8F5F-9572826BED83}" type="datetimeFigureOut">
               <a:rPr lang="en-US" smtClean="0"/>
-              <a:t>4/7/2019</a:t>
+              <a:t>4/8/2019</a:t>
             </a:fld>
             <a:endParaRPr lang="en-US"/>
           </a:p>
@@ -16248,7 +16353,7 @@
           <a:p>
             <a:fld id="{F2F30A7D-1D39-4504-8F5F-9572826BED83}" type="datetimeFigureOut">
               <a:rPr lang="en-US" smtClean="0"/>
-              <a:t>4/7/2019</a:t>
+              <a:t>4/8/2019</a:t>
             </a:fld>
             <a:endParaRPr lang="en-US"/>
           </a:p>
@@ -20983,7 +21088,7 @@
           <a:p>
             <a:fld id="{F2F30A7D-1D39-4504-8F5F-9572826BED83}" type="datetimeFigureOut">
               <a:rPr lang="en-US" smtClean="0"/>
-              <a:t>4/7/2019</a:t>
+              <a:t>4/8/2019</a:t>
             </a:fld>
             <a:endParaRPr lang="en-US"/>
           </a:p>
@@ -21882,7 +21987,7 @@
                 </a:solidFill>
               </a:rPr>
               <a:pPr/>
-              <a:t>4/7/2019</a:t>
+              <a:t>4/8/2019</a:t>
             </a:fld>
             <a:endParaRPr lang="en-US">
               <a:solidFill>
@@ -22084,7 +22189,7 @@
                 </a:solidFill>
               </a:rPr>
               <a:pPr/>
-              <a:t>4/7/2019</a:t>
+              <a:t>4/8/2019</a:t>
             </a:fld>
             <a:endParaRPr lang="en-US">
               <a:solidFill>
@@ -22362,7 +22467,7 @@
                 </a:solidFill>
               </a:rPr>
               <a:pPr/>
-              <a:t>4/7/2019</a:t>
+              <a:t>4/8/2019</a:t>
             </a:fld>
             <a:endParaRPr lang="en-US">
               <a:solidFill>
@@ -22682,7 +22787,7 @@
                 </a:solidFill>
               </a:rPr>
               <a:pPr/>
-              <a:t>4/7/2019</a:t>
+              <a:t>4/8/2019</a:t>
             </a:fld>
             <a:endParaRPr lang="en-US">
               <a:solidFill>
@@ -23136,7 +23241,7 @@
                 </a:solidFill>
               </a:rPr>
               <a:pPr/>
-              <a:t>4/7/2019</a:t>
+              <a:t>4/8/2019</a:t>
             </a:fld>
             <a:endParaRPr lang="en-US">
               <a:solidFill>
@@ -23286,7 +23391,7 @@
                 </a:solidFill>
               </a:rPr>
               <a:pPr/>
-              <a:t>4/7/2019</a:t>
+              <a:t>4/8/2019</a:t>
             </a:fld>
             <a:endParaRPr lang="en-US">
               <a:solidFill>
@@ -23413,7 +23518,7 @@
                 </a:solidFill>
               </a:rPr>
               <a:pPr/>
-              <a:t>4/7/2019</a:t>
+              <a:t>4/8/2019</a:t>
             </a:fld>
             <a:endParaRPr lang="en-US">
               <a:solidFill>
@@ -23722,7 +23827,7 @@
                 </a:solidFill>
               </a:rPr>
               <a:pPr/>
-              <a:t>4/7/2019</a:t>
+              <a:t>4/8/2019</a:t>
             </a:fld>
             <a:endParaRPr lang="en-US">
               <a:solidFill>
@@ -23993,7 +24098,7 @@
           <a:p>
             <a:fld id="{F2F30A7D-1D39-4504-8F5F-9572826BED83}" type="datetimeFigureOut">
               <a:rPr lang="en-US" smtClean="0"/>
-              <a:t>4/7/2019</a:t>
+              <a:t>4/8/2019</a:t>
             </a:fld>
             <a:endParaRPr lang="en-US"/>
           </a:p>
@@ -24253,7 +24358,7 @@
                 </a:solidFill>
               </a:rPr>
               <a:pPr/>
-              <a:t>4/7/2019</a:t>
+              <a:t>4/8/2019</a:t>
             </a:fld>
             <a:endParaRPr lang="en-US">
               <a:solidFill>
@@ -24455,7 +24560,7 @@
                 </a:solidFill>
               </a:rPr>
               <a:pPr/>
-              <a:t>4/7/2019</a:t>
+              <a:t>4/8/2019</a:t>
             </a:fld>
             <a:endParaRPr lang="en-US">
               <a:solidFill>
@@ -24667,7 +24772,7 @@
                 </a:solidFill>
               </a:rPr>
               <a:pPr/>
-              <a:t>4/7/2019</a:t>
+              <a:t>4/8/2019</a:t>
             </a:fld>
             <a:endParaRPr lang="en-US">
               <a:solidFill>
@@ -25596,7 +25701,7 @@
           <a:p>
             <a:fld id="{F2F30A7D-1D39-4504-8F5F-9572826BED83}" type="datetimeFigureOut">
               <a:rPr lang="en-US" smtClean="0"/>
-              <a:t>4/7/2019</a:t>
+              <a:t>4/8/2019</a:t>
             </a:fld>
             <a:endParaRPr lang="en-US"/>
           </a:p>
@@ -26018,7 +26123,7 @@
           <a:p>
             <a:fld id="{F2F30A7D-1D39-4504-8F5F-9572826BED83}" type="datetimeFigureOut">
               <a:rPr lang="en-US" smtClean="0"/>
-              <a:t>4/7/2019</a:t>
+              <a:t>4/8/2019</a:t>
             </a:fld>
             <a:endParaRPr lang="en-US"/>
           </a:p>
@@ -26136,7 +26241,7 @@
           <a:p>
             <a:fld id="{F2F30A7D-1D39-4504-8F5F-9572826BED83}" type="datetimeFigureOut">
               <a:rPr lang="en-US" smtClean="0"/>
-              <a:t>4/7/2019</a:t>
+              <a:t>4/8/2019</a:t>
             </a:fld>
             <a:endParaRPr lang="en-US"/>
           </a:p>
@@ -26231,7 +26336,7 @@
           <a:p>
             <a:fld id="{F2F30A7D-1D39-4504-8F5F-9572826BED83}" type="datetimeFigureOut">
               <a:rPr lang="en-US" smtClean="0"/>
-              <a:t>4/7/2019</a:t>
+              <a:t>4/8/2019</a:t>
             </a:fld>
             <a:endParaRPr lang="en-US"/>
           </a:p>
@@ -26508,7 +26613,7 @@
           <a:p>
             <a:fld id="{F2F30A7D-1D39-4504-8F5F-9572826BED83}" type="datetimeFigureOut">
               <a:rPr lang="en-US" smtClean="0"/>
-              <a:t>4/7/2019</a:t>
+              <a:t>4/8/2019</a:t>
             </a:fld>
             <a:endParaRPr lang="en-US"/>
           </a:p>
@@ -26761,7 +26866,7 @@
           <a:p>
             <a:fld id="{F2F30A7D-1D39-4504-8F5F-9572826BED83}" type="datetimeFigureOut">
               <a:rPr lang="en-US" smtClean="0"/>
-              <a:t>4/7/2019</a:t>
+              <a:t>4/8/2019</a:t>
             </a:fld>
             <a:endParaRPr lang="en-US"/>
           </a:p>
@@ -26984,7 +27089,7 @@
           <a:p>
             <a:fld id="{F2F30A7D-1D39-4504-8F5F-9572826BED83}" type="datetimeFigureOut">
               <a:rPr lang="en-US" smtClean="0"/>
-              <a:t>4/7/2019</a:t>
+              <a:t>4/8/2019</a:t>
             </a:fld>
             <a:endParaRPr lang="en-US"/>
           </a:p>
@@ -28897,7 +29002,7 @@
                 </a:solidFill>
               </a:rPr>
               <a:pPr/>
-              <a:t>4/7/2019</a:t>
+              <a:t>4/8/2019</a:t>
             </a:fld>
             <a:endParaRPr lang="en-US">
               <a:solidFill>
